--- a/projects/dictionary/Project_Presentation.pptx
+++ b/projects/dictionary/Project_Presentation.pptx
@@ -5,15 +5,20 @@
     <p:sldMasterId id="2147483660" r:id="rId1"/>
   </p:sldMasterIdLst>
   <p:notesMasterIdLst>
-    <p:notesMasterId r:id="rId8"/>
+    <p:notesMasterId r:id="rId13"/>
   </p:notesMasterIdLst>
   <p:sldIdLst>
     <p:sldId id="258" r:id="rId2"/>
     <p:sldId id="260" r:id="rId3"/>
-    <p:sldId id="259" r:id="rId4"/>
-    <p:sldId id="261" r:id="rId5"/>
-    <p:sldId id="262" r:id="rId6"/>
-    <p:sldId id="263" r:id="rId7"/>
+    <p:sldId id="268" r:id="rId4"/>
+    <p:sldId id="259" r:id="rId5"/>
+    <p:sldId id="264" r:id="rId6"/>
+    <p:sldId id="261" r:id="rId7"/>
+    <p:sldId id="269" r:id="rId8"/>
+    <p:sldId id="265" r:id="rId9"/>
+    <p:sldId id="262" r:id="rId10"/>
+    <p:sldId id="266" r:id="rId11"/>
+    <p:sldId id="267" r:id="rId12"/>
   </p:sldIdLst>
   <p:sldSz cx="9144000" cy="6858000" type="screen4x3"/>
   <p:notesSz cx="6858000" cy="9144000"/>
@@ -198,7 +203,7 @@
             <a:fld id="{57858095-72F9-43BB-A066-B86780574045}" type="datetimeFigureOut">
               <a:rPr lang="fr-FR" smtClean="0"/>
               <a:pPr/>
-              <a:t>26/05/2014</a:t>
+              <a:t>03/06/2014</a:t>
             </a:fld>
             <a:endParaRPr lang="fr-FR"/>
           </a:p>
@@ -659,7 +664,7 @@
             <a:fld id="{07B4B78A-921A-432E-AE09-0908E19A9D73}" type="datetime1">
               <a:rPr lang="fr-FR" smtClean="0"/>
               <a:pPr/>
-              <a:t>26/05/2014</a:t>
+              <a:t>03/06/2014</a:t>
             </a:fld>
             <a:endParaRPr lang="fr-FR"/>
           </a:p>
@@ -826,7 +831,7 @@
             <a:fld id="{507F9D55-1D55-4DDC-A7A1-1E715A205335}" type="datetime1">
               <a:rPr lang="fr-FR" smtClean="0"/>
               <a:pPr/>
-              <a:t>26/05/2014</a:t>
+              <a:t>03/06/2014</a:t>
             </a:fld>
             <a:endParaRPr lang="fr-FR"/>
           </a:p>
@@ -1003,7 +1008,7 @@
             <a:fld id="{756595A8-5964-44B0-88C9-E62BD5F1F957}" type="datetime1">
               <a:rPr lang="fr-FR" smtClean="0"/>
               <a:pPr/>
-              <a:t>26/05/2014</a:t>
+              <a:t>03/06/2014</a:t>
             </a:fld>
             <a:endParaRPr lang="fr-FR"/>
           </a:p>
@@ -1170,7 +1175,7 @@
             <a:fld id="{E497DD4F-0A40-4CED-9D38-A31F0A7CC3E6}" type="datetime1">
               <a:rPr lang="fr-FR" smtClean="0"/>
               <a:pPr/>
-              <a:t>26/05/2014</a:t>
+              <a:t>03/06/2014</a:t>
             </a:fld>
             <a:endParaRPr lang="fr-FR"/>
           </a:p>
@@ -1413,7 +1418,7 @@
             <a:fld id="{7C65E5C4-F94B-43AE-93EB-3921D3843251}" type="datetime1">
               <a:rPr lang="fr-FR" smtClean="0"/>
               <a:pPr/>
-              <a:t>26/05/2014</a:t>
+              <a:t>03/06/2014</a:t>
             </a:fld>
             <a:endParaRPr lang="fr-FR"/>
           </a:p>
@@ -1698,7 +1703,7 @@
             <a:fld id="{5BC30517-1209-42F3-81D5-E28E22FC4465}" type="datetime1">
               <a:rPr lang="fr-FR" smtClean="0"/>
               <a:pPr/>
-              <a:t>26/05/2014</a:t>
+              <a:t>03/06/2014</a:t>
             </a:fld>
             <a:endParaRPr lang="fr-FR"/>
           </a:p>
@@ -2129,7 +2134,7 @@
             <a:fld id="{55830A16-778C-4EFE-A079-8E274EBB6D97}" type="datetime1">
               <a:rPr lang="fr-FR" smtClean="0"/>
               <a:pPr/>
-              <a:t>26/05/2014</a:t>
+              <a:t>03/06/2014</a:t>
             </a:fld>
             <a:endParaRPr lang="fr-FR"/>
           </a:p>
@@ -2244,7 +2249,7 @@
             <a:fld id="{A222192F-7F0D-45B5-8A1E-888CB9D1CD88}" type="datetime1">
               <a:rPr lang="fr-FR" smtClean="0"/>
               <a:pPr/>
-              <a:t>26/05/2014</a:t>
+              <a:t>03/06/2014</a:t>
             </a:fld>
             <a:endParaRPr lang="fr-FR"/>
           </a:p>
@@ -2336,7 +2341,7 @@
             <a:fld id="{6D224437-8759-425D-99F5-6659A271294E}" type="datetime1">
               <a:rPr lang="fr-FR" smtClean="0"/>
               <a:pPr/>
-              <a:t>26/05/2014</a:t>
+              <a:t>03/06/2014</a:t>
             </a:fld>
             <a:endParaRPr lang="fr-FR"/>
           </a:p>
@@ -2527,7 +2532,7 @@
             <a:fld id="{D79138C9-9C5E-4D85-A262-BE6866EC2C3C}" type="datetime1">
               <a:rPr lang="fr-FR" smtClean="0"/>
               <a:pPr/>
-              <a:t>26/05/2014</a:t>
+              <a:t>03/06/2014</a:t>
             </a:fld>
             <a:endParaRPr lang="fr-FR"/>
           </a:p>
@@ -2847,7 +2852,7 @@
             <a:fld id="{17AF1AA8-5869-4251-8CA0-DDA9E1271A0D}" type="datetime1">
               <a:rPr lang="fr-FR" smtClean="0"/>
               <a:pPr/>
-              <a:t>26/05/2014</a:t>
+              <a:t>03/06/2014</a:t>
             </a:fld>
             <a:endParaRPr lang="fr-FR"/>
           </a:p>
@@ -3229,7 +3234,7 @@
             <a:fld id="{71D81649-6301-4E05-A181-127886D380D6}" type="datetime1">
               <a:rPr lang="fr-FR" smtClean="0"/>
               <a:pPr/>
-              <a:t>26/05/2014</a:t>
+              <a:t>03/06/2014</a:t>
             </a:fld>
             <a:endParaRPr lang="fr-FR"/>
           </a:p>
@@ -3666,6 +3671,192 @@
 </p:sld>
 </file>
 
+<file path=ppt/slides/slide10.xml><?xml version="1.0" encoding="utf-8"?>
+<p:sld xmlns:a="http://schemas.openxmlformats.org/drawingml/2006/main" xmlns:r="http://schemas.openxmlformats.org/officeDocument/2006/relationships" xmlns:p="http://schemas.openxmlformats.org/presentationml/2006/main">
+  <p:cSld>
+    <p:spTree>
+      <p:nvGrpSpPr>
+        <p:cNvPr id="1" name=""/>
+        <p:cNvGrpSpPr/>
+        <p:nvPr/>
+      </p:nvGrpSpPr>
+      <p:grpSpPr>
+        <a:xfrm>
+          <a:off x="0" y="0"/>
+          <a:ext cx="0" cy="0"/>
+          <a:chOff x="0" y="0"/>
+          <a:chExt cx="0" cy="0"/>
+        </a:xfrm>
+      </p:grpSpPr>
+      <p:sp>
+        <p:nvSpPr>
+          <p:cNvPr id="2" name="Titre 1"/>
+          <p:cNvSpPr>
+            <a:spLocks noGrp="1"/>
+          </p:cNvSpPr>
+          <p:nvPr>
+            <p:ph type="title"/>
+          </p:nvPr>
+        </p:nvSpPr>
+        <p:spPr/>
+        <p:txBody>
+          <a:bodyPr/>
+          <a:lstStyle/>
+          <a:p>
+            <a:r>
+              <a:rPr lang="fr-FR" u="sng" dirty="0" smtClean="0"/>
+              <a:t>III.2 Main </a:t>
+            </a:r>
+            <a:r>
+              <a:rPr lang="fr-FR" u="sng" dirty="0" err="1" smtClean="0"/>
+              <a:t>Functions</a:t>
+            </a:r>
+            <a:endParaRPr lang="fr-FR" u="sng" dirty="0"/>
+          </a:p>
+        </p:txBody>
+      </p:sp>
+      <p:sp>
+        <p:nvSpPr>
+          <p:cNvPr id="3" name="Espace réservé du contenu 2"/>
+          <p:cNvSpPr>
+            <a:spLocks noGrp="1"/>
+          </p:cNvSpPr>
+          <p:nvPr>
+            <p:ph idx="1"/>
+          </p:nvPr>
+        </p:nvSpPr>
+        <p:spPr/>
+        <p:txBody>
+          <a:bodyPr/>
+          <a:lstStyle/>
+          <a:p>
+            <a:endParaRPr lang="fr-FR"/>
+          </a:p>
+        </p:txBody>
+      </p:sp>
+      <p:sp>
+        <p:nvSpPr>
+          <p:cNvPr id="4" name="Espace réservé du numéro de diapositive 3"/>
+          <p:cNvSpPr>
+            <a:spLocks noGrp="1"/>
+          </p:cNvSpPr>
+          <p:nvPr>
+            <p:ph type="sldNum" sz="quarter" idx="12"/>
+          </p:nvPr>
+        </p:nvSpPr>
+        <p:spPr/>
+        <p:txBody>
+          <a:bodyPr/>
+          <a:lstStyle/>
+          <a:p>
+            <a:fld id="{F11F904F-FEF2-4E2C-83CF-293F7ABA8B38}" type="slidenum">
+              <a:rPr lang="fr-FR" smtClean="0"/>
+              <a:pPr/>
+              <a:t>10</a:t>
+            </a:fld>
+            <a:endParaRPr lang="fr-FR"/>
+          </a:p>
+        </p:txBody>
+      </p:sp>
+    </p:spTree>
+  </p:cSld>
+  <p:clrMapOvr>
+    <a:masterClrMapping/>
+  </p:clrMapOvr>
+</p:sld>
+</file>
+
+<file path=ppt/slides/slide11.xml><?xml version="1.0" encoding="utf-8"?>
+<p:sld xmlns:a="http://schemas.openxmlformats.org/drawingml/2006/main" xmlns:r="http://schemas.openxmlformats.org/officeDocument/2006/relationships" xmlns:p="http://schemas.openxmlformats.org/presentationml/2006/main">
+  <p:cSld>
+    <p:spTree>
+      <p:nvGrpSpPr>
+        <p:cNvPr id="1" name=""/>
+        <p:cNvGrpSpPr/>
+        <p:nvPr/>
+      </p:nvGrpSpPr>
+      <p:grpSpPr>
+        <a:xfrm>
+          <a:off x="0" y="0"/>
+          <a:ext cx="0" cy="0"/>
+          <a:chOff x="0" y="0"/>
+          <a:chExt cx="0" cy="0"/>
+        </a:xfrm>
+      </p:grpSpPr>
+      <p:sp>
+        <p:nvSpPr>
+          <p:cNvPr id="2" name="Titre 1"/>
+          <p:cNvSpPr>
+            <a:spLocks noGrp="1"/>
+          </p:cNvSpPr>
+          <p:nvPr>
+            <p:ph type="title"/>
+          </p:nvPr>
+        </p:nvSpPr>
+        <p:spPr/>
+        <p:txBody>
+          <a:bodyPr/>
+          <a:lstStyle/>
+          <a:p>
+            <a:r>
+              <a:rPr lang="fr-FR" b="1" u="sng" dirty="0" smtClean="0"/>
+              <a:t>Conclusion</a:t>
+            </a:r>
+            <a:endParaRPr lang="fr-FR" b="1" u="sng" dirty="0"/>
+          </a:p>
+        </p:txBody>
+      </p:sp>
+      <p:sp>
+        <p:nvSpPr>
+          <p:cNvPr id="3" name="Espace réservé du texte 2"/>
+          <p:cNvSpPr>
+            <a:spLocks noGrp="1"/>
+          </p:cNvSpPr>
+          <p:nvPr>
+            <p:ph type="body" idx="1"/>
+          </p:nvPr>
+        </p:nvSpPr>
+        <p:spPr/>
+        <p:txBody>
+          <a:bodyPr/>
+          <a:lstStyle/>
+          <a:p>
+            <a:endParaRPr lang="fr-FR"/>
+          </a:p>
+        </p:txBody>
+      </p:sp>
+      <p:sp>
+        <p:nvSpPr>
+          <p:cNvPr id="4" name="Espace réservé du numéro de diapositive 3"/>
+          <p:cNvSpPr>
+            <a:spLocks noGrp="1"/>
+          </p:cNvSpPr>
+          <p:nvPr>
+            <p:ph type="sldNum" sz="quarter" idx="12"/>
+          </p:nvPr>
+        </p:nvSpPr>
+        <p:spPr/>
+        <p:txBody>
+          <a:bodyPr/>
+          <a:lstStyle/>
+          <a:p>
+            <a:fld id="{F11F904F-FEF2-4E2C-83CF-293F7ABA8B38}" type="slidenum">
+              <a:rPr lang="fr-FR" smtClean="0"/>
+              <a:pPr/>
+              <a:t>11</a:t>
+            </a:fld>
+            <a:endParaRPr lang="fr-FR"/>
+          </a:p>
+        </p:txBody>
+      </p:sp>
+    </p:spTree>
+  </p:cSld>
+  <p:clrMapOvr>
+    <a:masterClrMapping/>
+  </p:clrMapOvr>
+</p:sld>
+</file>
+
 <file path=ppt/slides/slide2.xml><?xml version="1.0" encoding="utf-8"?>
 <p:sld xmlns:a="http://schemas.openxmlformats.org/drawingml/2006/main" xmlns:r="http://schemas.openxmlformats.org/officeDocument/2006/relationships" xmlns:p="http://schemas.openxmlformats.org/presentationml/2006/main">
   <p:cSld>
@@ -3751,6 +3942,46 @@
             <a:endParaRPr lang="fr-FR" dirty="0" smtClean="0"/>
           </a:p>
           <a:p>
+            <a:pPr lvl="1"/>
+            <a:r>
+              <a:rPr lang="fr-FR" dirty="0" smtClean="0"/>
+              <a:t>1) </a:t>
+            </a:r>
+            <a:r>
+              <a:rPr lang="fr-FR" dirty="0" err="1" smtClean="0"/>
+              <a:t>Stardict</a:t>
+            </a:r>
+            <a:r>
+              <a:rPr lang="fr-FR" dirty="0" smtClean="0"/>
+              <a:t> </a:t>
+            </a:r>
+            <a:r>
+              <a:rPr lang="fr-FR" dirty="0" err="1" smtClean="0"/>
+              <a:t>Presentation</a:t>
+            </a:r>
+            <a:endParaRPr lang="fr-FR" dirty="0" smtClean="0"/>
+          </a:p>
+          <a:p>
+            <a:pPr lvl="1"/>
+            <a:r>
+              <a:rPr lang="fr-FR" dirty="0" smtClean="0"/>
+              <a:t>2) </a:t>
+            </a:r>
+            <a:r>
+              <a:rPr lang="fr-FR" dirty="0" err="1" smtClean="0"/>
+              <a:t>Stardict</a:t>
+            </a:r>
+            <a:r>
+              <a:rPr lang="fr-FR" dirty="0" smtClean="0"/>
+              <a:t> </a:t>
+            </a:r>
+            <a:r>
+              <a:rPr lang="fr-FR" dirty="0" err="1" smtClean="0"/>
+              <a:t>Launch</a:t>
+            </a:r>
+            <a:endParaRPr lang="fr-FR" dirty="0" smtClean="0"/>
+          </a:p>
+          <a:p>
             <a:r>
               <a:rPr lang="fr-FR" dirty="0" smtClean="0"/>
               <a:t>III. </a:t>
@@ -3770,8 +4001,52 @@
             <a:endParaRPr lang="fr-FR" dirty="0" smtClean="0"/>
           </a:p>
           <a:p>
-            <a:r>
-              <a:rPr lang="fr-FR" smtClean="0"/>
+            <a:pPr lvl="1"/>
+            <a:r>
+              <a:rPr lang="fr-FR" dirty="0" smtClean="0"/>
+              <a:t>1) </a:t>
+            </a:r>
+            <a:r>
+              <a:rPr lang="fr-FR" dirty="0" err="1" smtClean="0"/>
+              <a:t>Shelldict</a:t>
+            </a:r>
+            <a:r>
+              <a:rPr lang="fr-FR" dirty="0" smtClean="0"/>
+              <a:t> </a:t>
+            </a:r>
+            <a:r>
+              <a:rPr lang="fr-FR" dirty="0" err="1" smtClean="0"/>
+              <a:t>Presentation</a:t>
+            </a:r>
+            <a:endParaRPr lang="fr-FR" dirty="0" smtClean="0"/>
+          </a:p>
+          <a:p>
+            <a:pPr lvl="1"/>
+            <a:r>
+              <a:rPr lang="fr-FR" dirty="0" smtClean="0"/>
+              <a:t>2) </a:t>
+            </a:r>
+            <a:r>
+              <a:rPr lang="fr-FR" dirty="0" err="1" smtClean="0"/>
+              <a:t>Commands</a:t>
+            </a:r>
+            <a:r>
+              <a:rPr lang="fr-FR" dirty="0" smtClean="0"/>
+              <a:t> </a:t>
+            </a:r>
+            <a:r>
+              <a:rPr lang="fr-FR" dirty="0" err="1" smtClean="0"/>
+              <a:t>U</a:t>
+            </a:r>
+            <a:r>
+              <a:rPr lang="fr-FR" dirty="0" err="1" smtClean="0"/>
+              <a:t>sed</a:t>
+            </a:r>
+            <a:endParaRPr lang="fr-FR" dirty="0" smtClean="0"/>
+          </a:p>
+          <a:p>
+            <a:r>
+              <a:rPr lang="fr-FR" dirty="0" smtClean="0"/>
               <a:t>Conclusion</a:t>
             </a:r>
             <a:endParaRPr lang="fr-FR" dirty="0"/>
@@ -3843,32 +4118,35 @@
           <a:lstStyle/>
           <a:p>
             <a:r>
-              <a:rPr lang="fr-FR" u="sng" dirty="0" smtClean="0"/>
+              <a:rPr lang="fr-FR" b="1" u="sng" dirty="0" smtClean="0"/>
               <a:t>I. Project </a:t>
             </a:r>
             <a:r>
-              <a:rPr lang="fr-FR" u="sng" dirty="0" err="1" smtClean="0"/>
+              <a:rPr lang="fr-FR" b="1" u="sng" dirty="0" err="1" smtClean="0"/>
               <a:t>Presentation</a:t>
             </a:r>
-            <a:endParaRPr lang="fr-FR" u="sng" dirty="0"/>
-          </a:p>
-        </p:txBody>
-      </p:sp>
-      <p:sp>
-        <p:nvSpPr>
-          <p:cNvPr id="3" name="Espace réservé du contenu 2"/>
-          <p:cNvSpPr>
-            <a:spLocks noGrp="1"/>
-          </p:cNvSpPr>
-          <p:nvPr>
-            <p:ph idx="1"/>
-          </p:nvPr>
-        </p:nvSpPr>
-        <p:spPr/>
-        <p:txBody>
-          <a:bodyPr/>
-          <a:lstStyle/>
-          <a:p>
+            <a:endParaRPr lang="fr-FR" b="1" dirty="0"/>
+          </a:p>
+        </p:txBody>
+      </p:sp>
+      <p:sp>
+        <p:nvSpPr>
+          <p:cNvPr id="3" name="Espace réservé du texte 2"/>
+          <p:cNvSpPr>
+            <a:spLocks noGrp="1"/>
+          </p:cNvSpPr>
+          <p:nvPr>
+            <p:ph type="body" idx="1"/>
+          </p:nvPr>
+        </p:nvSpPr>
+        <p:spPr/>
+        <p:txBody>
+          <a:bodyPr/>
+          <a:lstStyle/>
+          <a:p>
+            <a:pPr marL="457200" indent="-457200">
+              <a:buAutoNum type="arabicParenR"/>
+            </a:pPr>
             <a:endParaRPr lang="fr-FR" dirty="0" smtClean="0"/>
           </a:p>
         </p:txBody>
@@ -3938,142 +4216,385 @@
           <a:lstStyle/>
           <a:p>
             <a:r>
+              <a:rPr lang="fr-FR" u="sng" dirty="0" err="1" smtClean="0"/>
+              <a:t>Bash</a:t>
+            </a:r>
+            <a:r>
               <a:rPr lang="fr-FR" u="sng" dirty="0" smtClean="0"/>
-              <a:t>II. </a:t>
+              <a:t> </a:t>
             </a:r>
             <a:r>
               <a:rPr lang="fr-FR" u="sng" dirty="0" err="1" smtClean="0"/>
+              <a:t>Dictionary</a:t>
+            </a:r>
+            <a:r>
+              <a:rPr lang="fr-FR" u="sng" dirty="0" smtClean="0"/>
+              <a:t> Project</a:t>
+            </a:r>
+            <a:endParaRPr lang="fr-FR" u="sng" dirty="0"/>
+          </a:p>
+        </p:txBody>
+      </p:sp>
+      <p:sp>
+        <p:nvSpPr>
+          <p:cNvPr id="3" name="Espace réservé du contenu 2"/>
+          <p:cNvSpPr>
+            <a:spLocks noGrp="1"/>
+          </p:cNvSpPr>
+          <p:nvPr>
+            <p:ph idx="1"/>
+          </p:nvPr>
+        </p:nvSpPr>
+        <p:spPr/>
+        <p:txBody>
+          <a:bodyPr/>
+          <a:lstStyle/>
+          <a:p>
+            <a:r>
+              <a:rPr lang="fr-FR" dirty="0" err="1" smtClean="0"/>
+              <a:t>We</a:t>
+            </a:r>
+            <a:r>
+              <a:rPr lang="fr-FR" dirty="0" smtClean="0"/>
+              <a:t> </a:t>
+            </a:r>
+            <a:r>
+              <a:rPr lang="fr-FR" dirty="0" err="1" smtClean="0"/>
+              <a:t>wanted</a:t>
+            </a:r>
+            <a:r>
+              <a:rPr lang="fr-FR" dirty="0" smtClean="0"/>
+              <a:t> a </a:t>
+            </a:r>
+            <a:r>
+              <a:rPr lang="fr-FR" dirty="0" err="1" smtClean="0"/>
+              <a:t>userto</a:t>
+            </a:r>
+            <a:r>
+              <a:rPr lang="fr-FR" dirty="0" smtClean="0"/>
+              <a:t> </a:t>
+            </a:r>
+            <a:r>
+              <a:rPr lang="fr-FR" dirty="0" err="1" smtClean="0"/>
+              <a:t>be</a:t>
+            </a:r>
+            <a:r>
+              <a:rPr lang="fr-FR" dirty="0" smtClean="0"/>
+              <a:t> able to look for the </a:t>
+            </a:r>
+            <a:r>
+              <a:rPr lang="fr-FR" dirty="0" err="1" smtClean="0"/>
+              <a:t>meaning</a:t>
+            </a:r>
+            <a:r>
+              <a:rPr lang="fr-FR" dirty="0" smtClean="0"/>
+              <a:t> of a </a:t>
+            </a:r>
+            <a:r>
+              <a:rPr lang="fr-FR" dirty="0" err="1" smtClean="0"/>
+              <a:t>word</a:t>
+            </a:r>
+            <a:r>
+              <a:rPr lang="fr-FR" dirty="0" smtClean="0"/>
+              <a:t> </a:t>
+            </a:r>
+            <a:r>
+              <a:rPr lang="fr-FR" dirty="0" err="1" smtClean="0"/>
+              <a:t>without</a:t>
+            </a:r>
+            <a:r>
+              <a:rPr lang="fr-FR" dirty="0" smtClean="0"/>
+              <a:t> </a:t>
+            </a:r>
+            <a:r>
+              <a:rPr lang="fr-FR" dirty="0" err="1" smtClean="0"/>
+              <a:t>having</a:t>
+            </a:r>
+            <a:r>
+              <a:rPr lang="fr-FR" dirty="0" smtClean="0"/>
+              <a:t> to </a:t>
+            </a:r>
+            <a:r>
+              <a:rPr lang="fr-FR" dirty="0" err="1" smtClean="0"/>
+              <a:t>search</a:t>
+            </a:r>
+            <a:r>
+              <a:rPr lang="fr-FR" dirty="0" smtClean="0"/>
+              <a:t> for a </a:t>
+            </a:r>
+            <a:r>
+              <a:rPr lang="fr-FR" dirty="0" err="1" smtClean="0"/>
+              <a:t>dictionary</a:t>
+            </a:r>
+            <a:r>
+              <a:rPr lang="fr-FR" dirty="0" smtClean="0"/>
+              <a:t> </a:t>
+            </a:r>
+            <a:r>
+              <a:rPr lang="fr-FR" dirty="0" err="1" smtClean="0"/>
+              <a:t>website</a:t>
+            </a:r>
+            <a:r>
+              <a:rPr lang="fr-FR" dirty="0" smtClean="0"/>
+              <a:t>, </a:t>
+            </a:r>
+            <a:r>
+              <a:rPr lang="fr-FR" dirty="0" err="1" smtClean="0"/>
+              <a:t>only</a:t>
+            </a:r>
+            <a:r>
+              <a:rPr lang="fr-FR" dirty="0" smtClean="0"/>
+              <a:t> </a:t>
+            </a:r>
+            <a:r>
+              <a:rPr lang="fr-FR" dirty="0" err="1" smtClean="0"/>
+              <a:t>using</a:t>
+            </a:r>
+            <a:r>
+              <a:rPr lang="fr-FR" dirty="0" smtClean="0"/>
+              <a:t> a </a:t>
+            </a:r>
+            <a:r>
+              <a:rPr lang="fr-FR" b="1" dirty="0" smtClean="0"/>
+              <a:t>command-line </a:t>
+            </a:r>
+            <a:r>
+              <a:rPr lang="fr-FR" b="1" dirty="0" err="1" smtClean="0"/>
+              <a:t>dictionary</a:t>
+            </a:r>
+            <a:endParaRPr lang="fr-FR" b="1" dirty="0" smtClean="0"/>
+          </a:p>
+          <a:p>
+            <a:r>
+              <a:rPr lang="fr-FR" dirty="0" smtClean="0"/>
+              <a:t>It </a:t>
+            </a:r>
+            <a:r>
+              <a:rPr lang="fr-FR" dirty="0" err="1" smtClean="0"/>
+              <a:t>should</a:t>
+            </a:r>
+            <a:r>
+              <a:rPr lang="fr-FR" dirty="0" smtClean="0"/>
+              <a:t> </a:t>
+            </a:r>
+            <a:r>
+              <a:rPr lang="fr-FR" dirty="0" err="1" smtClean="0"/>
+              <a:t>be</a:t>
+            </a:r>
+            <a:r>
+              <a:rPr lang="fr-FR" dirty="0" smtClean="0"/>
+              <a:t> </a:t>
+            </a:r>
+            <a:r>
+              <a:rPr lang="fr-FR" dirty="0" err="1" smtClean="0"/>
+              <a:t>available</a:t>
+            </a:r>
+            <a:r>
+              <a:rPr lang="fr-FR" dirty="0" smtClean="0"/>
+              <a:t> </a:t>
+            </a:r>
+            <a:r>
+              <a:rPr lang="fr-FR" dirty="0" err="1" smtClean="0"/>
+              <a:t>both</a:t>
+            </a:r>
+            <a:r>
+              <a:rPr lang="fr-FR" dirty="0" smtClean="0"/>
+              <a:t>:</a:t>
+            </a:r>
+          </a:p>
+          <a:p>
+            <a:pPr lvl="1"/>
+            <a:r>
+              <a:rPr lang="fr-FR" b="1" dirty="0" smtClean="0"/>
+              <a:t>Off line</a:t>
+            </a:r>
+          </a:p>
+          <a:p>
+            <a:pPr lvl="1"/>
+            <a:r>
+              <a:rPr lang="fr-FR" dirty="0" smtClean="0"/>
+              <a:t>And </a:t>
+            </a:r>
+            <a:r>
+              <a:rPr lang="fr-FR" b="1" dirty="0" smtClean="0"/>
+              <a:t>online</a:t>
+            </a:r>
+            <a:endParaRPr lang="fr-FR" b="1" dirty="0" smtClean="0"/>
+          </a:p>
+          <a:p>
+            <a:r>
+              <a:rPr lang="fr-FR" dirty="0" smtClean="0"/>
+              <a:t>It </a:t>
+            </a:r>
+            <a:r>
+              <a:rPr lang="fr-FR" dirty="0" err="1" smtClean="0"/>
+              <a:t>should</a:t>
+            </a:r>
+            <a:r>
+              <a:rPr lang="fr-FR" dirty="0" smtClean="0"/>
+              <a:t> </a:t>
+            </a:r>
+            <a:r>
+              <a:rPr lang="fr-FR" dirty="0" err="1" smtClean="0"/>
+              <a:t>be</a:t>
+            </a:r>
+            <a:r>
+              <a:rPr lang="fr-FR" dirty="0" smtClean="0"/>
+              <a:t> </a:t>
+            </a:r>
+            <a:r>
+              <a:rPr lang="fr-FR" b="1" dirty="0" smtClean="0"/>
+              <a:t>simple</a:t>
+            </a:r>
+            <a:r>
+              <a:rPr lang="fr-FR" dirty="0" smtClean="0"/>
+              <a:t> , </a:t>
+            </a:r>
+            <a:r>
+              <a:rPr lang="fr-FR" b="1" dirty="0" err="1" smtClean="0"/>
+              <a:t>easy</a:t>
+            </a:r>
+            <a:r>
+              <a:rPr lang="fr-FR" dirty="0" smtClean="0"/>
+              <a:t> to use and </a:t>
+            </a:r>
+            <a:r>
+              <a:rPr lang="fr-FR" b="1" dirty="0" smtClean="0"/>
+              <a:t>accessible</a:t>
+            </a:r>
+            <a:r>
+              <a:rPr lang="fr-FR" dirty="0" smtClean="0"/>
+              <a:t> for all</a:t>
+            </a:r>
+          </a:p>
+          <a:p>
+            <a:r>
+              <a:rPr lang="fr-FR" dirty="0" smtClean="0"/>
+              <a:t>Solution </a:t>
+            </a:r>
+            <a:r>
+              <a:rPr lang="fr-FR" dirty="0" err="1" smtClean="0"/>
+              <a:t>chosen</a:t>
+            </a:r>
+            <a:r>
+              <a:rPr lang="fr-FR" dirty="0" smtClean="0"/>
+              <a:t>:</a:t>
+            </a:r>
+          </a:p>
+          <a:p>
+            <a:pPr lvl="1"/>
+            <a:r>
+              <a:rPr lang="fr-FR" dirty="0" smtClean="0"/>
+              <a:t>Use an </a:t>
+            </a:r>
+            <a:r>
+              <a:rPr lang="fr-FR" dirty="0" err="1" smtClean="0"/>
+              <a:t>existing</a:t>
+            </a:r>
+            <a:r>
+              <a:rPr lang="fr-FR" dirty="0" smtClean="0"/>
+              <a:t> Linux OS </a:t>
+            </a:r>
+            <a:r>
+              <a:rPr lang="fr-FR" dirty="0" err="1" smtClean="0"/>
+              <a:t>off-line</a:t>
+            </a:r>
+            <a:r>
+              <a:rPr lang="fr-FR" dirty="0" smtClean="0"/>
+              <a:t> </a:t>
+            </a:r>
+            <a:r>
+              <a:rPr lang="fr-FR" dirty="0" err="1" smtClean="0"/>
+              <a:t>dictionary</a:t>
+            </a:r>
+            <a:r>
+              <a:rPr lang="fr-FR" dirty="0" smtClean="0"/>
+              <a:t>: </a:t>
+            </a:r>
+            <a:r>
+              <a:rPr lang="fr-FR" b="1" dirty="0" err="1" smtClean="0"/>
               <a:t>Stardict</a:t>
             </a:r>
-            <a:r>
-              <a:rPr lang="fr-FR" u="sng" dirty="0" smtClean="0"/>
-              <a:t> – Off line </a:t>
-            </a:r>
-            <a:r>
-              <a:rPr lang="fr-FR" u="sng" dirty="0" err="1" smtClean="0"/>
-              <a:t>dictionary</a:t>
-            </a:r>
-            <a:endParaRPr lang="fr-FR" u="sng" dirty="0"/>
-          </a:p>
-        </p:txBody>
-      </p:sp>
-      <p:sp>
-        <p:nvSpPr>
-          <p:cNvPr id="3" name="Espace réservé du contenu 2"/>
-          <p:cNvSpPr>
-            <a:spLocks noGrp="1"/>
-          </p:cNvSpPr>
-          <p:nvPr>
-            <p:ph idx="1"/>
-          </p:nvPr>
-        </p:nvSpPr>
-        <p:spPr/>
-        <p:txBody>
-          <a:bodyPr/>
-          <a:lstStyle/>
-          <a:p>
-            <a:r>
-              <a:rPr lang="fr-FR" dirty="0" err="1" smtClean="0"/>
-              <a:t>Why</a:t>
-            </a:r>
-            <a:r>
-              <a:rPr lang="fr-FR" dirty="0" smtClean="0"/>
-              <a:t> use </a:t>
-            </a:r>
-            <a:r>
-              <a:rPr lang="fr-FR" dirty="0" err="1" smtClean="0"/>
-              <a:t>Stardict</a:t>
-            </a:r>
-            <a:r>
-              <a:rPr lang="fr-FR" dirty="0" smtClean="0"/>
-              <a:t>:</a:t>
-            </a:r>
+            <a:endParaRPr lang="fr-FR" b="1" dirty="0" smtClean="0"/>
           </a:p>
           <a:p>
             <a:pPr lvl="1"/>
             <a:r>
-              <a:rPr lang="fr-FR" dirty="0" smtClean="0"/>
-              <a:t>Efficient off line </a:t>
-            </a:r>
-            <a:r>
-              <a:rPr lang="fr-FR" dirty="0" err="1" smtClean="0"/>
-              <a:t>dictionary</a:t>
+              <a:rPr lang="fr-FR" dirty="0" err="1" smtClean="0"/>
+              <a:t>Create</a:t>
+            </a:r>
+            <a:r>
+              <a:rPr lang="fr-FR" dirty="0" smtClean="0"/>
+              <a:t> </a:t>
+            </a:r>
+            <a:r>
+              <a:rPr lang="fr-FR" dirty="0" err="1" smtClean="0"/>
+              <a:t>our</a:t>
+            </a:r>
+            <a:r>
+              <a:rPr lang="fr-FR" dirty="0" smtClean="0"/>
+              <a:t> </a:t>
+            </a:r>
+            <a:r>
+              <a:rPr lang="fr-FR" dirty="0" err="1" smtClean="0"/>
+              <a:t>own</a:t>
+            </a:r>
+            <a:r>
+              <a:rPr lang="fr-FR" dirty="0" smtClean="0"/>
+              <a:t> </a:t>
+            </a:r>
+            <a:r>
+              <a:rPr lang="fr-FR" dirty="0" err="1" smtClean="0"/>
+              <a:t>bash</a:t>
+            </a:r>
+            <a:r>
+              <a:rPr lang="fr-FR" dirty="0" smtClean="0"/>
+              <a:t> application: </a:t>
+            </a:r>
+            <a:r>
+              <a:rPr lang="fr-FR" b="1" dirty="0" err="1" smtClean="0"/>
+              <a:t>Shelldict</a:t>
+            </a:r>
+            <a:endParaRPr lang="fr-FR" b="1" dirty="0" smtClean="0"/>
+          </a:p>
+          <a:p>
+            <a:r>
+              <a:rPr lang="fr-FR" dirty="0" err="1" smtClean="0"/>
+              <a:t>We</a:t>
+            </a:r>
+            <a:r>
+              <a:rPr lang="fr-FR" dirty="0" smtClean="0"/>
+              <a:t> </a:t>
+            </a:r>
+            <a:r>
+              <a:rPr lang="fr-FR" dirty="0" err="1" smtClean="0"/>
+              <a:t>choose</a:t>
+            </a:r>
+            <a:r>
+              <a:rPr lang="fr-FR" dirty="0" smtClean="0"/>
+              <a:t> to use </a:t>
+            </a:r>
+            <a:r>
+              <a:rPr lang="fr-FR" dirty="0" err="1" smtClean="0"/>
+              <a:t>only</a:t>
+            </a:r>
+            <a:r>
+              <a:rPr lang="fr-FR" dirty="0" smtClean="0"/>
+              <a:t> </a:t>
+            </a:r>
+            <a:r>
+              <a:rPr lang="fr-FR" b="1" dirty="0" smtClean="0"/>
+              <a:t>English</a:t>
+            </a:r>
+            <a:r>
+              <a:rPr lang="fr-FR" dirty="0" smtClean="0"/>
+              <a:t> </a:t>
+            </a:r>
+            <a:r>
+              <a:rPr lang="fr-FR" dirty="0" err="1" smtClean="0"/>
+              <a:t>dictionaries</a:t>
             </a:r>
             <a:endParaRPr lang="fr-FR" dirty="0" smtClean="0"/>
-          </a:p>
-          <a:p>
-            <a:pPr lvl="1"/>
-            <a:r>
-              <a:rPr lang="fr-FR" dirty="0" err="1" smtClean="0"/>
-              <a:t>Available</a:t>
-            </a:r>
-            <a:r>
-              <a:rPr lang="fr-FR" smtClean="0"/>
-              <a:t> </a:t>
-            </a:r>
-            <a:endParaRPr lang="fr-FR" dirty="0" smtClean="0"/>
-          </a:p>
-          <a:p>
-            <a:r>
-              <a:rPr lang="fr-FR" dirty="0" smtClean="0"/>
-              <a:t>How to </a:t>
-            </a:r>
-            <a:r>
-              <a:rPr lang="fr-FR" dirty="0" err="1" smtClean="0"/>
-              <a:t>install</a:t>
-            </a:r>
-            <a:r>
-              <a:rPr lang="fr-FR" dirty="0" smtClean="0"/>
-              <a:t> </a:t>
-            </a:r>
-            <a:r>
-              <a:rPr lang="fr-FR" dirty="0" err="1" smtClean="0"/>
-              <a:t>it</a:t>
-            </a:r>
-            <a:r>
-              <a:rPr lang="fr-FR" dirty="0" smtClean="0"/>
-              <a:t>:</a:t>
-            </a:r>
-          </a:p>
-          <a:p>
-            <a:pPr lvl="1"/>
-            <a:r>
-              <a:rPr lang="fr-FR" dirty="0" err="1" smtClean="0"/>
-              <a:t>Follow</a:t>
-            </a:r>
-            <a:r>
-              <a:rPr lang="fr-FR" dirty="0" smtClean="0"/>
-              <a:t> the </a:t>
-            </a:r>
-            <a:r>
-              <a:rPr lang="fr-FR" dirty="0" err="1" smtClean="0"/>
-              <a:t>Ubuntu</a:t>
-            </a:r>
-            <a:r>
-              <a:rPr lang="fr-FR" dirty="0" smtClean="0"/>
-              <a:t> tutorial on </a:t>
-            </a:r>
-            <a:r>
-              <a:rPr lang="fr-FR" dirty="0" err="1" smtClean="0"/>
-              <a:t>our</a:t>
-            </a:r>
-            <a:r>
-              <a:rPr lang="fr-FR" dirty="0" smtClean="0"/>
-              <a:t> </a:t>
-            </a:r>
-            <a:r>
-              <a:rPr lang="fr-FR" dirty="0" err="1" smtClean="0"/>
-              <a:t>project</a:t>
-            </a:r>
-            <a:r>
-              <a:rPr lang="fr-FR" dirty="0" smtClean="0"/>
-              <a:t> </a:t>
-            </a:r>
-            <a:r>
-              <a:rPr lang="fr-FR" dirty="0" err="1" smtClean="0"/>
-              <a:t>folder</a:t>
-            </a:r>
-            <a:endParaRPr lang="fr-FR" dirty="0"/>
           </a:p>
         </p:txBody>
       </p:sp>
@@ -4142,41 +4663,74 @@
           <a:lstStyle/>
           <a:p>
             <a:r>
-              <a:rPr lang="fr-FR" u="sng" dirty="0" smtClean="0"/>
-              <a:t>III. </a:t>
-            </a:r>
-            <a:r>
-              <a:rPr lang="fr-FR" u="sng" dirty="0" err="1" smtClean="0"/>
-              <a:t>Shelldict</a:t>
-            </a:r>
-            <a:r>
-              <a:rPr lang="fr-FR" u="sng" dirty="0" smtClean="0"/>
-              <a:t> – Online </a:t>
-            </a:r>
-            <a:r>
-              <a:rPr lang="fr-FR" u="sng" dirty="0" err="1" smtClean="0"/>
+              <a:rPr lang="fr-FR" b="1" u="sng" dirty="0" smtClean="0"/>
+              <a:t>II. </a:t>
+            </a:r>
+            <a:r>
+              <a:rPr lang="fr-FR" b="1" u="sng" dirty="0" err="1" smtClean="0"/>
+              <a:t>Stardict</a:t>
+            </a:r>
+            <a:r>
+              <a:rPr lang="fr-FR" b="1" u="sng" dirty="0" smtClean="0"/>
+              <a:t> – Off line </a:t>
+            </a:r>
+            <a:r>
+              <a:rPr lang="fr-FR" b="1" u="sng" dirty="0" err="1" smtClean="0"/>
               <a:t>dictionary</a:t>
             </a:r>
-            <a:endParaRPr lang="fr-FR" u="sng" dirty="0"/>
-          </a:p>
-        </p:txBody>
-      </p:sp>
-      <p:sp>
-        <p:nvSpPr>
-          <p:cNvPr id="3" name="Espace réservé du contenu 2"/>
-          <p:cNvSpPr>
-            <a:spLocks noGrp="1"/>
-          </p:cNvSpPr>
-          <p:nvPr>
-            <p:ph idx="1"/>
-          </p:nvPr>
-        </p:nvSpPr>
-        <p:spPr/>
-        <p:txBody>
-          <a:bodyPr/>
-          <a:lstStyle/>
-          <a:p>
-            <a:endParaRPr lang="fr-FR"/>
+            <a:endParaRPr lang="fr-FR" b="1" dirty="0"/>
+          </a:p>
+        </p:txBody>
+      </p:sp>
+      <p:sp>
+        <p:nvSpPr>
+          <p:cNvPr id="3" name="Espace réservé du texte 2"/>
+          <p:cNvSpPr>
+            <a:spLocks noGrp="1"/>
+          </p:cNvSpPr>
+          <p:nvPr>
+            <p:ph type="body" idx="1"/>
+          </p:nvPr>
+        </p:nvSpPr>
+        <p:spPr/>
+        <p:txBody>
+          <a:bodyPr/>
+          <a:lstStyle/>
+          <a:p>
+            <a:pPr marL="457200" indent="-457200">
+              <a:buAutoNum type="arabicParenR"/>
+            </a:pPr>
+            <a:r>
+              <a:rPr lang="fr-FR" dirty="0" err="1" smtClean="0"/>
+              <a:t>Stardict</a:t>
+            </a:r>
+            <a:r>
+              <a:rPr lang="fr-FR" dirty="0" smtClean="0"/>
+              <a:t> </a:t>
+            </a:r>
+            <a:r>
+              <a:rPr lang="fr-FR" dirty="0" err="1" smtClean="0"/>
+              <a:t>Presentation</a:t>
+            </a:r>
+            <a:endParaRPr lang="fr-FR" dirty="0" smtClean="0"/>
+          </a:p>
+          <a:p>
+            <a:pPr marL="457200" indent="-457200">
+              <a:buAutoNum type="arabicParenR"/>
+            </a:pPr>
+            <a:r>
+              <a:rPr lang="fr-FR" dirty="0" err="1" smtClean="0"/>
+              <a:t>Stardict</a:t>
+            </a:r>
+            <a:r>
+              <a:rPr lang="fr-FR" dirty="0" smtClean="0"/>
+              <a:t> </a:t>
+            </a:r>
+            <a:r>
+              <a:rPr lang="fr-FR" dirty="0" err="1" smtClean="0"/>
+              <a:t>Launch</a:t>
+            </a:r>
+            <a:endParaRPr lang="fr-FR" dirty="0" smtClean="0"/>
           </a:p>
         </p:txBody>
       </p:sp>
@@ -4246,7 +4800,19 @@
           <a:p>
             <a:r>
               <a:rPr lang="fr-FR" u="sng" dirty="0" smtClean="0"/>
-              <a:t>Conclusion</a:t>
+              <a:t>II.1 </a:t>
+            </a:r>
+            <a:r>
+              <a:rPr lang="fr-FR" u="sng" dirty="0" err="1" smtClean="0"/>
+              <a:t>Stardict</a:t>
+            </a:r>
+            <a:r>
+              <a:rPr lang="fr-FR" u="sng" dirty="0" smtClean="0"/>
+              <a:t> </a:t>
+            </a:r>
+            <a:r>
+              <a:rPr lang="fr-FR" u="sng" dirty="0" err="1" smtClean="0"/>
+              <a:t>Presentation</a:t>
             </a:r>
             <a:endParaRPr lang="fr-FR" u="sng" dirty="0"/>
           </a:p>
@@ -4262,12 +4828,262 @@
             <p:ph idx="1"/>
           </p:nvPr>
         </p:nvSpPr>
-        <p:spPr/>
-        <p:txBody>
-          <a:bodyPr/>
-          <a:lstStyle/>
-          <a:p>
-            <a:endParaRPr lang="fr-FR"/>
+        <p:spPr>
+          <a:xfrm>
+            <a:off x="457200" y="1600200"/>
+            <a:ext cx="7620000" cy="4925144"/>
+          </a:xfrm>
+        </p:spPr>
+        <p:txBody>
+          <a:bodyPr>
+            <a:normAutofit/>
+          </a:bodyPr>
+          <a:lstStyle/>
+          <a:p>
+            <a:r>
+              <a:rPr lang="fr-FR" b="1" dirty="0" err="1" smtClean="0"/>
+              <a:t>What</a:t>
+            </a:r>
+            <a:r>
+              <a:rPr lang="fr-FR" dirty="0" smtClean="0"/>
+              <a:t> </a:t>
+            </a:r>
+            <a:r>
+              <a:rPr lang="fr-FR" dirty="0" err="1" smtClean="0"/>
+              <a:t>is</a:t>
+            </a:r>
+            <a:r>
+              <a:rPr lang="fr-FR" dirty="0" smtClean="0"/>
+              <a:t> </a:t>
+            </a:r>
+            <a:r>
+              <a:rPr lang="fr-FR" dirty="0" err="1" smtClean="0"/>
+              <a:t>Stardict</a:t>
+            </a:r>
+            <a:r>
+              <a:rPr lang="fr-FR" dirty="0" smtClean="0"/>
+              <a:t>:</a:t>
+            </a:r>
+          </a:p>
+          <a:p>
+            <a:pPr lvl="1"/>
+            <a:r>
+              <a:rPr lang="fr-FR" dirty="0" smtClean="0"/>
+              <a:t>An international </a:t>
+            </a:r>
+            <a:r>
+              <a:rPr lang="fr-FR" dirty="0" err="1" smtClean="0"/>
+              <a:t>dictionary</a:t>
+            </a:r>
+            <a:r>
+              <a:rPr lang="fr-FR" dirty="0" smtClean="0"/>
+              <a:t> </a:t>
+            </a:r>
+            <a:r>
+              <a:rPr lang="fr-FR" dirty="0" err="1" smtClean="0"/>
+              <a:t>shell</a:t>
+            </a:r>
+            <a:endParaRPr lang="fr-FR" dirty="0" smtClean="0"/>
+          </a:p>
+          <a:p>
+            <a:pPr lvl="1"/>
+            <a:r>
+              <a:rPr lang="fr-FR" dirty="0" err="1" smtClean="0"/>
+              <a:t>Also</a:t>
+            </a:r>
+            <a:r>
+              <a:rPr lang="fr-FR" dirty="0" smtClean="0"/>
+              <a:t> serves as a translator</a:t>
+            </a:r>
+          </a:p>
+          <a:p>
+            <a:pPr lvl="1"/>
+            <a:r>
+              <a:rPr lang="fr-FR" dirty="0" err="1" smtClean="0"/>
+              <a:t>Actual</a:t>
+            </a:r>
+            <a:r>
+              <a:rPr lang="fr-FR" dirty="0" smtClean="0"/>
+              <a:t> version: 3.0.2</a:t>
+            </a:r>
+          </a:p>
+          <a:p>
+            <a:pPr lvl="1"/>
+            <a:r>
+              <a:rPr lang="fr-FR" dirty="0" smtClean="0"/>
+              <a:t>Cross-</a:t>
+            </a:r>
+            <a:r>
+              <a:rPr lang="fr-FR" dirty="0" err="1" smtClean="0"/>
+              <a:t>platform</a:t>
+            </a:r>
+            <a:r>
+              <a:rPr lang="fr-FR" dirty="0" smtClean="0"/>
+              <a:t> operating system</a:t>
+            </a:r>
+          </a:p>
+          <a:p>
+            <a:pPr lvl="2"/>
+            <a:r>
+              <a:rPr lang="fr-FR" dirty="0" smtClean="0"/>
+              <a:t>Linux, Windows, Mac OS X</a:t>
+            </a:r>
+            <a:r>
+              <a:rPr lang="fr-FR" dirty="0" smtClean="0"/>
+              <a:t>…</a:t>
+            </a:r>
+          </a:p>
+          <a:p>
+            <a:pPr lvl="1"/>
+            <a:r>
+              <a:rPr lang="fr-FR" dirty="0" smtClean="0"/>
+              <a:t>Compatible </a:t>
+            </a:r>
+            <a:r>
+              <a:rPr lang="fr-FR" dirty="0" err="1" smtClean="0"/>
+              <a:t>also</a:t>
+            </a:r>
+            <a:r>
+              <a:rPr lang="fr-FR" dirty="0" smtClean="0"/>
+              <a:t> </a:t>
+            </a:r>
+            <a:r>
+              <a:rPr lang="fr-FR" dirty="0" err="1" smtClean="0"/>
+              <a:t>with</a:t>
+            </a:r>
+            <a:r>
+              <a:rPr lang="fr-FR" dirty="0" smtClean="0"/>
+              <a:t> mobile </a:t>
+            </a:r>
+            <a:r>
+              <a:rPr lang="fr-FR" dirty="0" err="1" smtClean="0"/>
+              <a:t>platforms</a:t>
+            </a:r>
+            <a:endParaRPr lang="fr-FR" dirty="0" smtClean="0"/>
+          </a:p>
+          <a:p>
+            <a:pPr lvl="2"/>
+            <a:r>
+              <a:rPr lang="fr-FR" dirty="0" err="1" smtClean="0"/>
+              <a:t>Android</a:t>
+            </a:r>
+            <a:r>
+              <a:rPr lang="fr-FR" dirty="0" smtClean="0"/>
+              <a:t>, </a:t>
+            </a:r>
+            <a:r>
+              <a:rPr lang="fr-FR" dirty="0" err="1" smtClean="0"/>
+              <a:t>iOS</a:t>
+            </a:r>
+            <a:r>
+              <a:rPr lang="fr-FR" dirty="0" smtClean="0"/>
+              <a:t>, Windows phone…</a:t>
+            </a:r>
+          </a:p>
+          <a:p>
+            <a:r>
+              <a:rPr lang="fr-FR" b="1" dirty="0" err="1" smtClean="0"/>
+              <a:t>Why</a:t>
+            </a:r>
+            <a:r>
+              <a:rPr lang="fr-FR" dirty="0" smtClean="0"/>
+              <a:t> </a:t>
+            </a:r>
+            <a:r>
+              <a:rPr lang="fr-FR" dirty="0" smtClean="0"/>
+              <a:t>use </a:t>
+            </a:r>
+            <a:r>
+              <a:rPr lang="fr-FR" dirty="0" err="1" smtClean="0"/>
+              <a:t>Stardict</a:t>
+            </a:r>
+            <a:r>
+              <a:rPr lang="fr-FR" dirty="0" smtClean="0"/>
+              <a:t>:</a:t>
+            </a:r>
+          </a:p>
+          <a:p>
+            <a:pPr lvl="1"/>
+            <a:r>
+              <a:rPr lang="fr-FR" dirty="0" smtClean="0"/>
+              <a:t>Has an efficient </a:t>
+            </a:r>
+            <a:r>
+              <a:rPr lang="fr-FR" dirty="0" smtClean="0"/>
+              <a:t>off line </a:t>
+            </a:r>
+            <a:r>
+              <a:rPr lang="fr-FR" dirty="0" err="1" smtClean="0"/>
+              <a:t>dictionary</a:t>
+            </a:r>
+            <a:endParaRPr lang="fr-FR" dirty="0" smtClean="0"/>
+          </a:p>
+          <a:p>
+            <a:pPr lvl="1"/>
+            <a:r>
+              <a:rPr lang="fr-FR" dirty="0" err="1" smtClean="0"/>
+              <a:t>Provides</a:t>
+            </a:r>
+            <a:r>
+              <a:rPr lang="fr-FR" dirty="0" smtClean="0"/>
+              <a:t> a </a:t>
+            </a:r>
+            <a:r>
+              <a:rPr lang="fr-FR" dirty="0" err="1" smtClean="0"/>
+              <a:t>great</a:t>
+            </a:r>
+            <a:r>
+              <a:rPr lang="fr-FR" dirty="0" smtClean="0"/>
+              <a:t> </a:t>
+            </a:r>
+            <a:r>
+              <a:rPr lang="fr-FR" dirty="0" err="1" smtClean="0"/>
+              <a:t>choice</a:t>
+            </a:r>
+            <a:r>
+              <a:rPr lang="fr-FR" dirty="0" smtClean="0"/>
+              <a:t> of </a:t>
+            </a:r>
+            <a:r>
+              <a:rPr lang="fr-FR" dirty="0" err="1" smtClean="0"/>
+              <a:t>dictionaries</a:t>
+            </a:r>
+            <a:endParaRPr lang="fr-FR" dirty="0" smtClean="0"/>
+          </a:p>
+          <a:p>
+            <a:pPr lvl="1"/>
+            <a:r>
+              <a:rPr lang="fr-FR" dirty="0" err="1" smtClean="0"/>
+              <a:t>Easy</a:t>
+            </a:r>
+            <a:r>
+              <a:rPr lang="fr-FR" dirty="0" smtClean="0"/>
+              <a:t> to </a:t>
+            </a:r>
+            <a:r>
+              <a:rPr lang="fr-FR" dirty="0" err="1" smtClean="0"/>
+              <a:t>access</a:t>
+            </a:r>
+            <a:endParaRPr lang="fr-FR" dirty="0" smtClean="0"/>
+          </a:p>
+          <a:p>
+            <a:pPr lvl="1"/>
+            <a:r>
+              <a:rPr lang="fr-FR" dirty="0" smtClean="0"/>
+              <a:t>Free </a:t>
+            </a:r>
+            <a:r>
+              <a:rPr lang="fr-FR" dirty="0" err="1" smtClean="0"/>
+              <a:t>graphical</a:t>
+            </a:r>
+            <a:r>
+              <a:rPr lang="fr-FR" dirty="0" smtClean="0"/>
+              <a:t> user interface</a:t>
+            </a:r>
+          </a:p>
+          <a:p>
+            <a:pPr lvl="1"/>
+            <a:endParaRPr lang="fr-FR" dirty="0" smtClean="0"/>
           </a:p>
         </p:txBody>
       </p:sp>
@@ -4295,6 +5111,689 @@
           </a:p>
         </p:txBody>
       </p:sp>
+      <p:pic>
+        <p:nvPicPr>
+          <p:cNvPr id="1026" name="Picture 2" descr="C:\Users\Ariane\Pictures\Capture.PNG"/>
+          <p:cNvPicPr>
+            <a:picLocks noChangeAspect="1" noChangeArrowheads="1"/>
+          </p:cNvPicPr>
+          <p:nvPr/>
+        </p:nvPicPr>
+        <p:blipFill>
+          <a:blip r:embed="rId2" cstate="print"/>
+          <a:srcRect/>
+          <a:stretch>
+            <a:fillRect/>
+          </a:stretch>
+        </p:blipFill>
+        <p:spPr bwMode="auto">
+          <a:xfrm>
+            <a:off x="5698951" y="1628800"/>
+            <a:ext cx="2257425" cy="657225"/>
+          </a:xfrm>
+          <a:prstGeom prst="rect">
+            <a:avLst/>
+          </a:prstGeom>
+          <a:noFill/>
+        </p:spPr>
+      </p:pic>
+    </p:spTree>
+  </p:cSld>
+  <p:clrMapOvr>
+    <a:masterClrMapping/>
+  </p:clrMapOvr>
+</p:sld>
+</file>
+
+<file path=ppt/slides/slide7.xml><?xml version="1.0" encoding="utf-8"?>
+<p:sld xmlns:a="http://schemas.openxmlformats.org/drawingml/2006/main" xmlns:r="http://schemas.openxmlformats.org/officeDocument/2006/relationships" xmlns:p="http://schemas.openxmlformats.org/presentationml/2006/main">
+  <p:cSld>
+    <p:spTree>
+      <p:nvGrpSpPr>
+        <p:cNvPr id="1" name=""/>
+        <p:cNvGrpSpPr/>
+        <p:nvPr/>
+      </p:nvGrpSpPr>
+      <p:grpSpPr>
+        <a:xfrm>
+          <a:off x="0" y="0"/>
+          <a:ext cx="0" cy="0"/>
+          <a:chOff x="0" y="0"/>
+          <a:chExt cx="0" cy="0"/>
+        </a:xfrm>
+      </p:grpSpPr>
+      <p:sp>
+        <p:nvSpPr>
+          <p:cNvPr id="2" name="Titre 1"/>
+          <p:cNvSpPr>
+            <a:spLocks noGrp="1"/>
+          </p:cNvSpPr>
+          <p:nvPr>
+            <p:ph type="title"/>
+          </p:nvPr>
+        </p:nvSpPr>
+        <p:spPr/>
+        <p:txBody>
+          <a:bodyPr/>
+          <a:lstStyle/>
+          <a:p>
+            <a:r>
+              <a:rPr lang="fr-FR" u="sng" dirty="0" smtClean="0"/>
+              <a:t>II.2 </a:t>
+            </a:r>
+            <a:r>
+              <a:rPr lang="fr-FR" u="sng" dirty="0" err="1" smtClean="0"/>
+              <a:t>Stardict</a:t>
+            </a:r>
+            <a:r>
+              <a:rPr lang="fr-FR" u="sng" dirty="0" smtClean="0"/>
+              <a:t> </a:t>
+            </a:r>
+            <a:r>
+              <a:rPr lang="fr-FR" u="sng" dirty="0" err="1" smtClean="0"/>
+              <a:t>Launch</a:t>
+            </a:r>
+            <a:endParaRPr lang="fr-FR" u="sng" dirty="0"/>
+          </a:p>
+        </p:txBody>
+      </p:sp>
+      <p:sp>
+        <p:nvSpPr>
+          <p:cNvPr id="3" name="Espace réservé du contenu 2"/>
+          <p:cNvSpPr>
+            <a:spLocks noGrp="1"/>
+          </p:cNvSpPr>
+          <p:nvPr>
+            <p:ph idx="1"/>
+          </p:nvPr>
+        </p:nvSpPr>
+        <p:spPr/>
+        <p:txBody>
+          <a:bodyPr/>
+          <a:lstStyle/>
+          <a:p>
+            <a:r>
+              <a:rPr lang="fr-FR" b="1" dirty="0" smtClean="0"/>
+              <a:t>How</a:t>
+            </a:r>
+            <a:r>
+              <a:rPr lang="fr-FR" dirty="0" smtClean="0"/>
+              <a:t> </a:t>
+            </a:r>
+            <a:r>
+              <a:rPr lang="fr-FR" dirty="0" smtClean="0"/>
+              <a:t>to </a:t>
+            </a:r>
+            <a:r>
+              <a:rPr lang="fr-FR" dirty="0" err="1" smtClean="0"/>
+              <a:t>install</a:t>
+            </a:r>
+            <a:r>
+              <a:rPr lang="fr-FR" dirty="0" smtClean="0"/>
+              <a:t> </a:t>
+            </a:r>
+            <a:r>
+              <a:rPr lang="fr-FR" dirty="0" err="1" smtClean="0"/>
+              <a:t>it</a:t>
+            </a:r>
+            <a:r>
+              <a:rPr lang="fr-FR" dirty="0" smtClean="0"/>
+              <a:t>:</a:t>
+            </a:r>
+            <a:endParaRPr lang="fr-FR" dirty="0" smtClean="0"/>
+          </a:p>
+          <a:p>
+            <a:pPr lvl="1"/>
+            <a:r>
+              <a:rPr lang="fr-FR" dirty="0" err="1" smtClean="0"/>
+              <a:t>Follow</a:t>
+            </a:r>
+            <a:r>
+              <a:rPr lang="fr-FR" dirty="0" smtClean="0"/>
+              <a:t> the </a:t>
+            </a:r>
+            <a:r>
+              <a:rPr lang="fr-FR" dirty="0" err="1" smtClean="0"/>
+              <a:t>Ubuntu</a:t>
+            </a:r>
+            <a:r>
+              <a:rPr lang="fr-FR" dirty="0" smtClean="0"/>
+              <a:t> tutorial on </a:t>
+            </a:r>
+            <a:r>
+              <a:rPr lang="fr-FR" dirty="0" err="1" smtClean="0"/>
+              <a:t>our</a:t>
+            </a:r>
+            <a:r>
+              <a:rPr lang="fr-FR" dirty="0" smtClean="0"/>
+              <a:t> </a:t>
+            </a:r>
+            <a:r>
+              <a:rPr lang="fr-FR" dirty="0" err="1" smtClean="0"/>
+              <a:t>project</a:t>
+            </a:r>
+            <a:r>
+              <a:rPr lang="fr-FR" dirty="0" smtClean="0"/>
+              <a:t> </a:t>
+            </a:r>
+            <a:r>
+              <a:rPr lang="fr-FR" dirty="0" err="1" smtClean="0"/>
+              <a:t>folder</a:t>
+            </a:r>
+            <a:endParaRPr lang="fr-FR" dirty="0" smtClean="0"/>
+          </a:p>
+          <a:p>
+            <a:pPr lvl="1"/>
+            <a:r>
+              <a:rPr lang="fr-FR" dirty="0" err="1" smtClean="0"/>
+              <a:t>At</a:t>
+            </a:r>
+            <a:r>
+              <a:rPr lang="fr-FR" dirty="0" smtClean="0"/>
+              <a:t> the </a:t>
+            </a:r>
+            <a:r>
+              <a:rPr lang="fr-FR" dirty="0" err="1" smtClean="0"/>
+              <a:t>start</a:t>
+            </a:r>
+            <a:r>
+              <a:rPr lang="fr-FR" dirty="0" smtClean="0"/>
+              <a:t> </a:t>
+            </a:r>
+            <a:r>
+              <a:rPr lang="fr-FR" dirty="0" err="1" smtClean="0"/>
+              <a:t>Stardict</a:t>
+            </a:r>
+            <a:r>
+              <a:rPr lang="fr-FR" dirty="0" smtClean="0"/>
+              <a:t> </a:t>
+            </a:r>
+            <a:r>
+              <a:rPr lang="fr-FR" dirty="0" err="1" smtClean="0"/>
+              <a:t>doesn’t</a:t>
+            </a:r>
+            <a:r>
+              <a:rPr lang="fr-FR" dirty="0" smtClean="0"/>
+              <a:t> have </a:t>
+            </a:r>
+            <a:r>
+              <a:rPr lang="fr-FR" dirty="0" err="1" smtClean="0"/>
+              <a:t>any</a:t>
+            </a:r>
+            <a:r>
+              <a:rPr lang="fr-FR" dirty="0" smtClean="0"/>
+              <a:t> </a:t>
+            </a:r>
+            <a:r>
+              <a:rPr lang="fr-FR" dirty="0" err="1" smtClean="0"/>
+              <a:t>dictionary</a:t>
+            </a:r>
+            <a:r>
+              <a:rPr lang="fr-FR" dirty="0" smtClean="0"/>
+              <a:t>, </a:t>
+            </a:r>
+            <a:r>
+              <a:rPr lang="fr-FR" dirty="0" err="1" smtClean="0"/>
+              <a:t>we</a:t>
+            </a:r>
+            <a:r>
+              <a:rPr lang="fr-FR" dirty="0" smtClean="0"/>
+              <a:t> have to </a:t>
+            </a:r>
+            <a:r>
+              <a:rPr lang="fr-FR" dirty="0" err="1" smtClean="0"/>
+              <a:t>install</a:t>
+            </a:r>
+            <a:r>
+              <a:rPr lang="fr-FR" dirty="0" smtClean="0"/>
+              <a:t> </a:t>
+            </a:r>
+            <a:r>
+              <a:rPr lang="fr-FR" dirty="0" err="1" smtClean="0"/>
+              <a:t>them</a:t>
+            </a:r>
+            <a:endParaRPr lang="fr-FR" dirty="0" smtClean="0"/>
+          </a:p>
+          <a:p>
+            <a:r>
+              <a:rPr lang="fr-FR" b="1" dirty="0" smtClean="0"/>
+              <a:t>How</a:t>
+            </a:r>
+            <a:r>
+              <a:rPr lang="fr-FR" dirty="0" smtClean="0"/>
+              <a:t> to </a:t>
+            </a:r>
+            <a:r>
+              <a:rPr lang="fr-FR" dirty="0" err="1" smtClean="0"/>
+              <a:t>Launch</a:t>
+            </a:r>
+            <a:r>
+              <a:rPr lang="fr-FR" dirty="0" smtClean="0"/>
+              <a:t> </a:t>
+            </a:r>
+            <a:r>
+              <a:rPr lang="fr-FR" dirty="0" err="1" smtClean="0"/>
+              <a:t>it</a:t>
+            </a:r>
+            <a:r>
+              <a:rPr lang="fr-FR" dirty="0" smtClean="0"/>
+              <a:t>:</a:t>
+            </a:r>
+            <a:endParaRPr lang="fr-FR" dirty="0"/>
+          </a:p>
+        </p:txBody>
+      </p:sp>
+      <p:sp>
+        <p:nvSpPr>
+          <p:cNvPr id="4" name="Espace réservé du numéro de diapositive 3"/>
+          <p:cNvSpPr>
+            <a:spLocks noGrp="1"/>
+          </p:cNvSpPr>
+          <p:nvPr>
+            <p:ph type="sldNum" sz="quarter" idx="12"/>
+          </p:nvPr>
+        </p:nvSpPr>
+        <p:spPr/>
+        <p:txBody>
+          <a:bodyPr/>
+          <a:lstStyle/>
+          <a:p>
+            <a:fld id="{F11F904F-FEF2-4E2C-83CF-293F7ABA8B38}" type="slidenum">
+              <a:rPr lang="fr-FR" smtClean="0"/>
+              <a:pPr/>
+              <a:t>7</a:t>
+            </a:fld>
+            <a:endParaRPr lang="fr-FR"/>
+          </a:p>
+        </p:txBody>
+      </p:sp>
+    </p:spTree>
+  </p:cSld>
+  <p:clrMapOvr>
+    <a:masterClrMapping/>
+  </p:clrMapOvr>
+</p:sld>
+</file>
+
+<file path=ppt/slides/slide8.xml><?xml version="1.0" encoding="utf-8"?>
+<p:sld xmlns:a="http://schemas.openxmlformats.org/drawingml/2006/main" xmlns:r="http://schemas.openxmlformats.org/officeDocument/2006/relationships" xmlns:p="http://schemas.openxmlformats.org/presentationml/2006/main">
+  <p:cSld>
+    <p:spTree>
+      <p:nvGrpSpPr>
+        <p:cNvPr id="1" name=""/>
+        <p:cNvGrpSpPr/>
+        <p:nvPr/>
+      </p:nvGrpSpPr>
+      <p:grpSpPr>
+        <a:xfrm>
+          <a:off x="0" y="0"/>
+          <a:ext cx="0" cy="0"/>
+          <a:chOff x="0" y="0"/>
+          <a:chExt cx="0" cy="0"/>
+        </a:xfrm>
+      </p:grpSpPr>
+      <p:sp>
+        <p:nvSpPr>
+          <p:cNvPr id="2" name="Titre 1"/>
+          <p:cNvSpPr>
+            <a:spLocks noGrp="1"/>
+          </p:cNvSpPr>
+          <p:nvPr>
+            <p:ph type="title"/>
+          </p:nvPr>
+        </p:nvSpPr>
+        <p:spPr/>
+        <p:txBody>
+          <a:bodyPr/>
+          <a:lstStyle/>
+          <a:p>
+            <a:r>
+              <a:rPr lang="fr-FR" b="1" u="sng" dirty="0" smtClean="0"/>
+              <a:t>III. </a:t>
+            </a:r>
+            <a:r>
+              <a:rPr lang="fr-FR" b="1" u="sng" dirty="0" err="1" smtClean="0"/>
+              <a:t>Shelldict</a:t>
+            </a:r>
+            <a:r>
+              <a:rPr lang="fr-FR" b="1" u="sng" dirty="0" smtClean="0"/>
+              <a:t> – Online </a:t>
+            </a:r>
+            <a:r>
+              <a:rPr lang="fr-FR" b="1" u="sng" dirty="0" err="1" smtClean="0"/>
+              <a:t>dictionary</a:t>
+            </a:r>
+            <a:endParaRPr lang="fr-FR" b="1" dirty="0"/>
+          </a:p>
+        </p:txBody>
+      </p:sp>
+      <p:sp>
+        <p:nvSpPr>
+          <p:cNvPr id="3" name="Espace réservé du texte 2"/>
+          <p:cNvSpPr>
+            <a:spLocks noGrp="1"/>
+          </p:cNvSpPr>
+          <p:nvPr>
+            <p:ph type="body" idx="1"/>
+          </p:nvPr>
+        </p:nvSpPr>
+        <p:spPr/>
+        <p:txBody>
+          <a:bodyPr/>
+          <a:lstStyle/>
+          <a:p>
+            <a:pPr marL="457200" indent="-457200">
+              <a:buAutoNum type="arabicParenR"/>
+            </a:pPr>
+            <a:r>
+              <a:rPr lang="fr-FR" dirty="0" err="1" smtClean="0"/>
+              <a:t>Selldict</a:t>
+            </a:r>
+            <a:r>
+              <a:rPr lang="fr-FR" dirty="0" smtClean="0"/>
+              <a:t> </a:t>
+            </a:r>
+            <a:r>
+              <a:rPr lang="fr-FR" dirty="0" err="1" smtClean="0"/>
+              <a:t>Presentation</a:t>
+            </a:r>
+            <a:endParaRPr lang="fr-FR" dirty="0" smtClean="0"/>
+          </a:p>
+          <a:p>
+            <a:pPr marL="457200" indent="-457200">
+              <a:buAutoNum type="arabicParenR"/>
+            </a:pPr>
+            <a:r>
+              <a:rPr lang="fr-FR" dirty="0" smtClean="0"/>
+              <a:t>Main </a:t>
+            </a:r>
+            <a:r>
+              <a:rPr lang="fr-FR" dirty="0" err="1" smtClean="0"/>
+              <a:t>Functions</a:t>
+            </a:r>
+            <a:endParaRPr lang="fr-FR" dirty="0"/>
+          </a:p>
+        </p:txBody>
+      </p:sp>
+      <p:sp>
+        <p:nvSpPr>
+          <p:cNvPr id="4" name="Espace réservé du numéro de diapositive 3"/>
+          <p:cNvSpPr>
+            <a:spLocks noGrp="1"/>
+          </p:cNvSpPr>
+          <p:nvPr>
+            <p:ph type="sldNum" sz="quarter" idx="12"/>
+          </p:nvPr>
+        </p:nvSpPr>
+        <p:spPr/>
+        <p:txBody>
+          <a:bodyPr/>
+          <a:lstStyle/>
+          <a:p>
+            <a:fld id="{F11F904F-FEF2-4E2C-83CF-293F7ABA8B38}" type="slidenum">
+              <a:rPr lang="fr-FR" smtClean="0"/>
+              <a:pPr/>
+              <a:t>8</a:t>
+            </a:fld>
+            <a:endParaRPr lang="fr-FR"/>
+          </a:p>
+        </p:txBody>
+      </p:sp>
+    </p:spTree>
+  </p:cSld>
+  <p:clrMapOvr>
+    <a:masterClrMapping/>
+  </p:clrMapOvr>
+</p:sld>
+</file>
+
+<file path=ppt/slides/slide9.xml><?xml version="1.0" encoding="utf-8"?>
+<p:sld xmlns:a="http://schemas.openxmlformats.org/drawingml/2006/main" xmlns:r="http://schemas.openxmlformats.org/officeDocument/2006/relationships" xmlns:p="http://schemas.openxmlformats.org/presentationml/2006/main">
+  <p:cSld>
+    <p:spTree>
+      <p:nvGrpSpPr>
+        <p:cNvPr id="1" name=""/>
+        <p:cNvGrpSpPr/>
+        <p:nvPr/>
+      </p:nvGrpSpPr>
+      <p:grpSpPr>
+        <a:xfrm>
+          <a:off x="0" y="0"/>
+          <a:ext cx="0" cy="0"/>
+          <a:chOff x="0" y="0"/>
+          <a:chExt cx="0" cy="0"/>
+        </a:xfrm>
+      </p:grpSpPr>
+      <p:sp>
+        <p:nvSpPr>
+          <p:cNvPr id="2" name="Titre 1"/>
+          <p:cNvSpPr>
+            <a:spLocks noGrp="1"/>
+          </p:cNvSpPr>
+          <p:nvPr>
+            <p:ph type="title"/>
+          </p:nvPr>
+        </p:nvSpPr>
+        <p:spPr/>
+        <p:txBody>
+          <a:bodyPr/>
+          <a:lstStyle/>
+          <a:p>
+            <a:r>
+              <a:rPr lang="fr-FR" u="sng" dirty="0" smtClean="0"/>
+              <a:t>III.1 </a:t>
+            </a:r>
+            <a:r>
+              <a:rPr lang="fr-FR" u="sng" dirty="0" err="1" smtClean="0"/>
+              <a:t>Shelldict</a:t>
+            </a:r>
+            <a:r>
+              <a:rPr lang="fr-FR" u="sng" dirty="0" smtClean="0"/>
+              <a:t> </a:t>
+            </a:r>
+            <a:r>
+              <a:rPr lang="fr-FR" u="sng" dirty="0" err="1" smtClean="0"/>
+              <a:t>Presentation</a:t>
+            </a:r>
+            <a:endParaRPr lang="fr-FR" u="sng" dirty="0"/>
+          </a:p>
+        </p:txBody>
+      </p:sp>
+      <p:sp>
+        <p:nvSpPr>
+          <p:cNvPr id="3" name="Espace réservé du contenu 2"/>
+          <p:cNvSpPr>
+            <a:spLocks noGrp="1"/>
+          </p:cNvSpPr>
+          <p:nvPr>
+            <p:ph idx="1"/>
+          </p:nvPr>
+        </p:nvSpPr>
+        <p:spPr/>
+        <p:txBody>
+          <a:bodyPr/>
+          <a:lstStyle/>
+          <a:p>
+            <a:r>
+              <a:rPr lang="fr-FR" dirty="0" err="1" smtClean="0"/>
+              <a:t>We</a:t>
+            </a:r>
+            <a:r>
+              <a:rPr lang="fr-FR" dirty="0" smtClean="0"/>
+              <a:t> </a:t>
+            </a:r>
+            <a:r>
+              <a:rPr lang="fr-FR" dirty="0" err="1" smtClean="0"/>
+              <a:t>created</a:t>
+            </a:r>
+            <a:r>
+              <a:rPr lang="fr-FR" dirty="0" smtClean="0"/>
+              <a:t> </a:t>
+            </a:r>
+            <a:r>
+              <a:rPr lang="fr-FR" dirty="0" err="1" smtClean="0"/>
+              <a:t>our</a:t>
+            </a:r>
+            <a:r>
+              <a:rPr lang="fr-FR" dirty="0" smtClean="0"/>
+              <a:t> </a:t>
+            </a:r>
+            <a:r>
+              <a:rPr lang="fr-FR" dirty="0" err="1" smtClean="0"/>
+              <a:t>own</a:t>
+            </a:r>
+            <a:r>
+              <a:rPr lang="fr-FR" dirty="0" smtClean="0"/>
+              <a:t> </a:t>
+            </a:r>
+            <a:r>
+              <a:rPr lang="fr-FR" dirty="0" err="1" smtClean="0"/>
+              <a:t>Bash</a:t>
+            </a:r>
+            <a:r>
+              <a:rPr lang="fr-FR" dirty="0" smtClean="0"/>
+              <a:t> </a:t>
+            </a:r>
+            <a:r>
+              <a:rPr lang="fr-FR" dirty="0" err="1" smtClean="0"/>
+              <a:t>dictionary</a:t>
+            </a:r>
+            <a:r>
+              <a:rPr lang="fr-FR" dirty="0" smtClean="0"/>
+              <a:t> : </a:t>
+            </a:r>
+            <a:r>
+              <a:rPr lang="fr-FR" dirty="0" err="1" smtClean="0"/>
+              <a:t>Shelldict</a:t>
+            </a:r>
+            <a:endParaRPr lang="fr-FR" dirty="0" smtClean="0"/>
+          </a:p>
+          <a:p>
+            <a:r>
+              <a:rPr lang="fr-FR" dirty="0" smtClean="0"/>
+              <a:t>It uses an </a:t>
+            </a:r>
+            <a:r>
+              <a:rPr lang="fr-FR" dirty="0" err="1" smtClean="0"/>
+              <a:t>already</a:t>
+            </a:r>
+            <a:r>
+              <a:rPr lang="fr-FR" dirty="0" smtClean="0"/>
+              <a:t> </a:t>
+            </a:r>
+            <a:r>
+              <a:rPr lang="fr-FR" dirty="0" err="1" smtClean="0"/>
+              <a:t>existing</a:t>
+            </a:r>
+            <a:r>
+              <a:rPr lang="fr-FR" dirty="0" smtClean="0"/>
+              <a:t> online </a:t>
+            </a:r>
+            <a:r>
+              <a:rPr lang="fr-FR" dirty="0" err="1" smtClean="0"/>
+              <a:t>dictionary</a:t>
+            </a:r>
+            <a:r>
+              <a:rPr lang="fr-FR" dirty="0" smtClean="0"/>
+              <a:t>:</a:t>
+            </a:r>
+            <a:endParaRPr lang="fr-FR" dirty="0" smtClean="0"/>
+          </a:p>
+          <a:p>
+            <a:pPr lvl="1"/>
+            <a:r>
+              <a:rPr lang="fr-FR" dirty="0" smtClean="0"/>
+              <a:t>Oxford </a:t>
+            </a:r>
+            <a:r>
+              <a:rPr lang="fr-FR" dirty="0" err="1" smtClean="0"/>
+              <a:t>Dictionaries</a:t>
+            </a:r>
+            <a:r>
+              <a:rPr lang="fr-FR" dirty="0" smtClean="0"/>
+              <a:t>: </a:t>
+            </a:r>
+            <a:r>
+              <a:rPr lang="en-GB" sz="1800" i="1" dirty="0" smtClean="0">
+                <a:hlinkClick r:id="rId2"/>
+              </a:rPr>
+              <a:t>http://www.oxforddictionaries.com</a:t>
+            </a:r>
+            <a:r>
+              <a:rPr lang="en-GB" sz="1800" i="1" dirty="0" smtClean="0">
+                <a:hlinkClick r:id="rId2"/>
+              </a:rPr>
+              <a:t>/</a:t>
+            </a:r>
+            <a:endParaRPr lang="en-GB" sz="1800" i="1" dirty="0" smtClean="0"/>
+          </a:p>
+          <a:p>
+            <a:pPr lvl="2"/>
+            <a:r>
+              <a:rPr lang="en-GB" dirty="0" smtClean="0"/>
+              <a:t>Reference in terms of English dictionaries</a:t>
+            </a:r>
+          </a:p>
+          <a:p>
+            <a:pPr lvl="2"/>
+            <a:r>
+              <a:rPr lang="en-GB" dirty="0" smtClean="0"/>
+              <a:t>Has been making dictionaries for 150 years</a:t>
+            </a:r>
+            <a:endParaRPr lang="fr-FR" dirty="0" smtClean="0"/>
+          </a:p>
+        </p:txBody>
+      </p:sp>
+      <p:sp>
+        <p:nvSpPr>
+          <p:cNvPr id="4" name="Espace réservé du numéro de diapositive 3"/>
+          <p:cNvSpPr>
+            <a:spLocks noGrp="1"/>
+          </p:cNvSpPr>
+          <p:nvPr>
+            <p:ph type="sldNum" sz="quarter" idx="12"/>
+          </p:nvPr>
+        </p:nvSpPr>
+        <p:spPr/>
+        <p:txBody>
+          <a:bodyPr/>
+          <a:lstStyle/>
+          <a:p>
+            <a:fld id="{F11F904F-FEF2-4E2C-83CF-293F7ABA8B38}" type="slidenum">
+              <a:rPr lang="fr-FR" smtClean="0"/>
+              <a:pPr/>
+              <a:t>9</a:t>
+            </a:fld>
+            <a:endParaRPr lang="fr-FR"/>
+          </a:p>
+        </p:txBody>
+      </p:sp>
+      <p:pic>
+        <p:nvPicPr>
+          <p:cNvPr id="2050" name="Picture 2" descr="C:\Users\Ariane\Downloads\logo.png"/>
+          <p:cNvPicPr>
+            <a:picLocks noChangeAspect="1" noChangeArrowheads="1"/>
+          </p:cNvPicPr>
+          <p:nvPr/>
+        </p:nvPicPr>
+        <p:blipFill>
+          <a:blip r:embed="rId3" cstate="print"/>
+          <a:srcRect/>
+          <a:stretch>
+            <a:fillRect/>
+          </a:stretch>
+        </p:blipFill>
+        <p:spPr bwMode="auto">
+          <a:xfrm>
+            <a:off x="899592" y="3501008"/>
+            <a:ext cx="5715000" cy="1381125"/>
+          </a:xfrm>
+          <a:prstGeom prst="rect">
+            <a:avLst/>
+          </a:prstGeom>
+          <a:noFill/>
+        </p:spPr>
+      </p:pic>
     </p:spTree>
   </p:cSld>
   <p:clrMapOvr>

--- a/projects/dictionary/Project_Presentation.pptx
+++ b/projects/dictionary/Project_Presentation.pptx
@@ -1,27 +1,33 @@
 
 <file path=ppt/presentation.xml><?xml version="1.0" encoding="utf-8"?>
-<p:presentation xmlns:a="http://schemas.openxmlformats.org/drawingml/2006/main" xmlns:r="http://schemas.openxmlformats.org/officeDocument/2006/relationships" xmlns:p="http://schemas.openxmlformats.org/presentationml/2006/main" showSpecialPlsOnTitleSld="0" saveSubsetFonts="1">
+<p:presentation xmlns:a="http://schemas.openxmlformats.org/drawingml/2006/main" xmlns:r="http://schemas.openxmlformats.org/officeDocument/2006/relationships" xmlns:p="http://schemas.openxmlformats.org/presentationml/2006/main">
   <p:sldMasterIdLst>
-    <p:sldMasterId id="2147483660" r:id="rId1"/>
+    <p:sldMasterId id="2147483674" r:id="rId1"/>
   </p:sldMasterIdLst>
   <p:notesMasterIdLst>
-    <p:notesMasterId r:id="rId13"/>
+    <p:notesMasterId r:id="rId19"/>
   </p:notesMasterIdLst>
   <p:sldIdLst>
-    <p:sldId id="258" r:id="rId2"/>
-    <p:sldId id="260" r:id="rId3"/>
-    <p:sldId id="268" r:id="rId4"/>
-    <p:sldId id="259" r:id="rId5"/>
-    <p:sldId id="264" r:id="rId6"/>
-    <p:sldId id="261" r:id="rId7"/>
-    <p:sldId id="269" r:id="rId8"/>
-    <p:sldId id="265" r:id="rId9"/>
-    <p:sldId id="262" r:id="rId10"/>
-    <p:sldId id="266" r:id="rId11"/>
-    <p:sldId id="267" r:id="rId12"/>
+    <p:sldId id="268" r:id="rId2"/>
+    <p:sldId id="269" r:id="rId3"/>
+    <p:sldId id="270" r:id="rId4"/>
+    <p:sldId id="271" r:id="rId5"/>
+    <p:sldId id="272" r:id="rId6"/>
+    <p:sldId id="273" r:id="rId7"/>
+    <p:sldId id="274" r:id="rId8"/>
+    <p:sldId id="275" r:id="rId9"/>
+    <p:sldId id="276" r:id="rId10"/>
+    <p:sldId id="277" r:id="rId11"/>
+    <p:sldId id="279" r:id="rId12"/>
+    <p:sldId id="281" r:id="rId13"/>
+    <p:sldId id="280" r:id="rId14"/>
+    <p:sldId id="283" r:id="rId15"/>
+    <p:sldId id="284" r:id="rId16"/>
+    <p:sldId id="278" r:id="rId17"/>
+    <p:sldId id="282" r:id="rId18"/>
   </p:sldIdLst>
   <p:sldSz cx="9144000" cy="6858000" type="screen4x3"/>
-  <p:notesSz cx="6858000" cy="9144000"/>
+  <p:notesSz cx="7559675" cy="10691813"/>
   <p:defaultTextStyle>
     <a:defPPr>
       <a:defRPr lang="fr-FR"/>
@@ -155,7 +161,7 @@
         <p:spPr>
           <a:xfrm>
             <a:off x="0" y="0"/>
-            <a:ext cx="2971800" cy="457200"/>
+            <a:ext cx="3276600" cy="534988"/>
           </a:xfrm>
           <a:prstGeom prst="rect">
             <a:avLst/>
@@ -185,8 +191,8 @@
         </p:nvSpPr>
         <p:spPr>
           <a:xfrm>
-            <a:off x="3884613" y="0"/>
-            <a:ext cx="2971800" cy="457200"/>
+            <a:off x="4281488" y="0"/>
+            <a:ext cx="3276600" cy="534988"/>
           </a:xfrm>
           <a:prstGeom prst="rect">
             <a:avLst/>
@@ -200,10 +206,10 @@
             </a:lvl1pPr>
           </a:lstStyle>
           <a:p>
-            <a:fld id="{57858095-72F9-43BB-A066-B86780574045}" type="datetimeFigureOut">
+            <a:fld id="{F8C838DF-83F7-4416-9F60-1F66E827130B}" type="datetimeFigureOut">
               <a:rPr lang="fr-FR" smtClean="0"/>
               <a:pPr/>
-              <a:t>03/06/2014</a:t>
+              <a:t>12/06/2014</a:t>
             </a:fld>
             <a:endParaRPr lang="fr-FR"/>
           </a:p>
@@ -221,8 +227,8 @@
         </p:nvSpPr>
         <p:spPr>
           <a:xfrm>
-            <a:off x="1143000" y="685800"/>
-            <a:ext cx="4572000" cy="3429000"/>
+            <a:off x="1106488" y="801688"/>
+            <a:ext cx="5346700" cy="4010025"/>
           </a:xfrm>
           <a:prstGeom prst="rect">
             <a:avLst/>
@@ -254,23 +260,21 @@
         </p:nvSpPr>
         <p:spPr>
           <a:xfrm>
-            <a:off x="685800" y="4343400"/>
-            <a:ext cx="5486400" cy="4114800"/>
+            <a:off x="755650" y="5078413"/>
+            <a:ext cx="6048375" cy="4811712"/>
           </a:xfrm>
           <a:prstGeom prst="rect">
             <a:avLst/>
           </a:prstGeom>
         </p:spPr>
         <p:txBody>
-          <a:bodyPr vert="horz" lIns="91440" tIns="45720" rIns="91440" bIns="45720" rtlCol="0">
-            <a:normAutofit/>
-          </a:bodyPr>
+          <a:bodyPr vert="horz" lIns="91440" tIns="45720" rIns="91440" bIns="45720" rtlCol="0"/>
           <a:lstStyle/>
           <a:p>
             <a:pPr lvl="0"/>
             <a:r>
               <a:rPr lang="fr-FR" smtClean="0"/>
-              <a:t>Cliquez pour modifier les styles du texte du masque</a:t>
+              <a:t>Modifiez les styles du texte du masque</a:t>
             </a:r>
           </a:p>
           <a:p>
@@ -316,8 +320,8 @@
         </p:nvSpPr>
         <p:spPr>
           <a:xfrm>
-            <a:off x="0" y="8685213"/>
-            <a:ext cx="2971800" cy="457200"/>
+            <a:off x="0" y="10155238"/>
+            <a:ext cx="3276600" cy="534987"/>
           </a:xfrm>
           <a:prstGeom prst="rect">
             <a:avLst/>
@@ -347,8 +351,8 @@
         </p:nvSpPr>
         <p:spPr>
           <a:xfrm>
-            <a:off x="3884613" y="8685213"/>
-            <a:ext cx="2971800" cy="457200"/>
+            <a:off x="4281488" y="10155238"/>
+            <a:ext cx="3276600" cy="534987"/>
           </a:xfrm>
           <a:prstGeom prst="rect">
             <a:avLst/>
@@ -362,7 +366,7 @@
             </a:lvl1pPr>
           </a:lstStyle>
           <a:p>
-            <a:fld id="{F287D140-7BB3-4313-A232-91DB6F7651AD}" type="slidenum">
+            <a:fld id="{A43B2042-789D-4D77-9255-6759AC9451DC}" type="slidenum">
               <a:rPr lang="fr-FR" smtClean="0"/>
               <a:pPr/>
               <a:t>‹N°›</a:t>
@@ -372,6 +376,11 @@
         </p:txBody>
       </p:sp>
     </p:spTree>
+    <p:extLst>
+      <p:ext uri="{BB962C8B-B14F-4D97-AF65-F5344CB8AC3E}">
+        <p14:creationId xmlns:p14="http://schemas.microsoft.com/office/powerpoint/2010/main" xmlns="" val="1725411168"/>
+      </p:ext>
+    </p:extLst>
   </p:cSld>
   <p:clrMap bg1="lt1" tx1="dk1" bg2="lt2" tx2="dk2" accent1="accent1" accent2="accent2" accent3="accent3" accent4="accent4" accent5="accent5" accent6="accent6" hlink="hlink" folHlink="folHlink"/>
   <p:notesStyle>
@@ -661,12 +670,11 @@
           <a:bodyPr/>
           <a:lstStyle/>
           <a:p>
-            <a:fld id="{07B4B78A-921A-432E-AE09-0908E19A9D73}" type="datetime1">
-              <a:rPr lang="fr-FR" smtClean="0"/>
-              <a:pPr/>
-              <a:t>03/06/2014</a:t>
-            </a:fld>
-            <a:endParaRPr lang="fr-FR"/>
+            <a:r>
+              <a:rPr lang="fr-FR" smtClean="0"/>
+              <a:t>6/12/2014</a:t>
+            </a:r>
+            <a:endParaRPr lang="en-US"/>
           </a:p>
         </p:txBody>
       </p:sp>
@@ -685,7 +693,7 @@
           <a:bodyPr/>
           <a:lstStyle/>
           <a:p>
-            <a:endParaRPr lang="fr-FR"/>
+            <a:endParaRPr lang="en-US"/>
           </a:p>
         </p:txBody>
       </p:sp>
@@ -704,12 +712,12 @@
           <a:bodyPr/>
           <a:lstStyle/>
           <a:p>
-            <a:fld id="{F11F904F-FEF2-4E2C-83CF-293F7ABA8B38}" type="slidenum">
-              <a:rPr lang="fr-FR" smtClean="0"/>
+            <a:fld id="{6E2D2B3B-882E-40F3-A32F-6DD516915044}" type="slidenum">
+              <a:rPr lang="en-US" smtClean="0"/>
               <a:pPr/>
               <a:t>‹N°›</a:t>
             </a:fld>
-            <a:endParaRPr lang="fr-FR"/>
+            <a:endParaRPr lang="en-US" dirty="0"/>
           </a:p>
         </p:txBody>
       </p:sp>
@@ -828,12 +836,11 @@
           <a:bodyPr/>
           <a:lstStyle/>
           <a:p>
-            <a:fld id="{507F9D55-1D55-4DDC-A7A1-1E715A205335}" type="datetime1">
-              <a:rPr lang="fr-FR" smtClean="0"/>
-              <a:pPr/>
-              <a:t>03/06/2014</a:t>
-            </a:fld>
-            <a:endParaRPr lang="fr-FR"/>
+            <a:r>
+              <a:rPr lang="fr-FR" smtClean="0"/>
+              <a:t>6/12/2014</a:t>
+            </a:r>
+            <a:endParaRPr lang="en-US"/>
           </a:p>
         </p:txBody>
       </p:sp>
@@ -852,7 +859,7 @@
           <a:bodyPr/>
           <a:lstStyle/>
           <a:p>
-            <a:endParaRPr lang="fr-FR"/>
+            <a:endParaRPr lang="en-US"/>
           </a:p>
         </p:txBody>
       </p:sp>
@@ -871,12 +878,12 @@
           <a:bodyPr/>
           <a:lstStyle/>
           <a:p>
-            <a:fld id="{F11F904F-FEF2-4E2C-83CF-293F7ABA8B38}" type="slidenum">
-              <a:rPr lang="fr-FR" smtClean="0"/>
+            <a:fld id="{6E2D2B3B-882E-40F3-A32F-6DD516915044}" type="slidenum">
+              <a:rPr lang="en-US" smtClean="0"/>
               <a:pPr/>
               <a:t>‹N°›</a:t>
             </a:fld>
-            <a:endParaRPr lang="fr-FR"/>
+            <a:endParaRPr lang="en-US"/>
           </a:p>
         </p:txBody>
       </p:sp>
@@ -1005,12 +1012,11 @@
           <a:bodyPr/>
           <a:lstStyle/>
           <a:p>
-            <a:fld id="{756595A8-5964-44B0-88C9-E62BD5F1F957}" type="datetime1">
-              <a:rPr lang="fr-FR" smtClean="0"/>
-              <a:pPr/>
-              <a:t>03/06/2014</a:t>
-            </a:fld>
-            <a:endParaRPr lang="fr-FR"/>
+            <a:r>
+              <a:rPr lang="fr-FR" smtClean="0"/>
+              <a:t>6/12/2014</a:t>
+            </a:r>
+            <a:endParaRPr lang="en-US"/>
           </a:p>
         </p:txBody>
       </p:sp>
@@ -1029,7 +1035,7 @@
           <a:bodyPr/>
           <a:lstStyle/>
           <a:p>
-            <a:endParaRPr lang="fr-FR"/>
+            <a:endParaRPr lang="en-US"/>
           </a:p>
         </p:txBody>
       </p:sp>
@@ -1048,12 +1054,12 @@
           <a:bodyPr/>
           <a:lstStyle/>
           <a:p>
-            <a:fld id="{F11F904F-FEF2-4E2C-83CF-293F7ABA8B38}" type="slidenum">
-              <a:rPr lang="fr-FR" smtClean="0"/>
+            <a:fld id="{6E2D2B3B-882E-40F3-A32F-6DD516915044}" type="slidenum">
+              <a:rPr lang="en-US" smtClean="0"/>
               <a:pPr/>
               <a:t>‹N°›</a:t>
             </a:fld>
-            <a:endParaRPr lang="fr-FR"/>
+            <a:endParaRPr lang="en-US"/>
           </a:p>
         </p:txBody>
       </p:sp>
@@ -1172,12 +1178,11 @@
           <a:bodyPr/>
           <a:lstStyle/>
           <a:p>
-            <a:fld id="{E497DD4F-0A40-4CED-9D38-A31F0A7CC3E6}" type="datetime1">
-              <a:rPr lang="fr-FR" smtClean="0"/>
-              <a:pPr/>
-              <a:t>03/06/2014</a:t>
-            </a:fld>
-            <a:endParaRPr lang="fr-FR"/>
+            <a:r>
+              <a:rPr lang="fr-FR" smtClean="0"/>
+              <a:t>6/12/2014</a:t>
+            </a:r>
+            <a:endParaRPr lang="en-US"/>
           </a:p>
         </p:txBody>
       </p:sp>
@@ -1196,7 +1201,7 @@
           <a:bodyPr/>
           <a:lstStyle/>
           <a:p>
-            <a:endParaRPr lang="fr-FR"/>
+            <a:endParaRPr lang="en-US"/>
           </a:p>
         </p:txBody>
       </p:sp>
@@ -1215,12 +1220,12 @@
           <a:bodyPr/>
           <a:lstStyle/>
           <a:p>
-            <a:fld id="{F11F904F-FEF2-4E2C-83CF-293F7ABA8B38}" type="slidenum">
-              <a:rPr lang="fr-FR" smtClean="0"/>
+            <a:fld id="{6E2D2B3B-882E-40F3-A32F-6DD516915044}" type="slidenum">
+              <a:rPr lang="en-US" smtClean="0"/>
               <a:pPr/>
               <a:t>‹N°›</a:t>
             </a:fld>
-            <a:endParaRPr lang="fr-FR"/>
+            <a:endParaRPr lang="en-US"/>
           </a:p>
         </p:txBody>
       </p:sp>
@@ -1415,12 +1420,11 @@
           <a:bodyPr/>
           <a:lstStyle/>
           <a:p>
-            <a:fld id="{7C65E5C4-F94B-43AE-93EB-3921D3843251}" type="datetime1">
-              <a:rPr lang="fr-FR" smtClean="0"/>
-              <a:pPr/>
-              <a:t>03/06/2014</a:t>
-            </a:fld>
-            <a:endParaRPr lang="fr-FR"/>
+            <a:r>
+              <a:rPr lang="fr-FR" smtClean="0"/>
+              <a:t>6/12/2014</a:t>
+            </a:r>
+            <a:endParaRPr lang="en-US"/>
           </a:p>
         </p:txBody>
       </p:sp>
@@ -1439,7 +1443,7 @@
           <a:bodyPr/>
           <a:lstStyle/>
           <a:p>
-            <a:endParaRPr lang="fr-FR"/>
+            <a:endParaRPr lang="en-US" dirty="0"/>
           </a:p>
         </p:txBody>
       </p:sp>
@@ -1458,12 +1462,12 @@
           <a:bodyPr/>
           <a:lstStyle/>
           <a:p>
-            <a:fld id="{F11F904F-FEF2-4E2C-83CF-293F7ABA8B38}" type="slidenum">
-              <a:rPr lang="fr-FR" smtClean="0"/>
+            <a:fld id="{6E2D2B3B-882E-40F3-A32F-6DD516915044}" type="slidenum">
+              <a:rPr lang="en-US" smtClean="0"/>
               <a:pPr/>
               <a:t>‹N°›</a:t>
             </a:fld>
-            <a:endParaRPr lang="fr-FR"/>
+            <a:endParaRPr lang="en-US"/>
           </a:p>
         </p:txBody>
       </p:sp>
@@ -1700,12 +1704,11 @@
           <a:bodyPr/>
           <a:lstStyle/>
           <a:p>
-            <a:fld id="{5BC30517-1209-42F3-81D5-E28E22FC4465}" type="datetime1">
-              <a:rPr lang="fr-FR" smtClean="0"/>
-              <a:pPr/>
-              <a:t>03/06/2014</a:t>
-            </a:fld>
-            <a:endParaRPr lang="fr-FR"/>
+            <a:r>
+              <a:rPr lang="fr-FR" smtClean="0"/>
+              <a:t>6/12/2014</a:t>
+            </a:r>
+            <a:endParaRPr lang="en-US"/>
           </a:p>
         </p:txBody>
       </p:sp>
@@ -1724,7 +1727,7 @@
           <a:bodyPr/>
           <a:lstStyle/>
           <a:p>
-            <a:endParaRPr lang="fr-FR"/>
+            <a:endParaRPr lang="en-US"/>
           </a:p>
         </p:txBody>
       </p:sp>
@@ -1743,12 +1746,12 @@
           <a:bodyPr/>
           <a:lstStyle/>
           <a:p>
-            <a:fld id="{F11F904F-FEF2-4E2C-83CF-293F7ABA8B38}" type="slidenum">
-              <a:rPr lang="fr-FR" smtClean="0"/>
+            <a:fld id="{6E2D2B3B-882E-40F3-A32F-6DD516915044}" type="slidenum">
+              <a:rPr lang="en-US" smtClean="0"/>
               <a:pPr/>
               <a:t>‹N°›</a:t>
             </a:fld>
-            <a:endParaRPr lang="fr-FR"/>
+            <a:endParaRPr lang="en-US"/>
           </a:p>
         </p:txBody>
       </p:sp>
@@ -2131,12 +2134,11 @@
           <a:bodyPr/>
           <a:lstStyle/>
           <a:p>
-            <a:fld id="{55830A16-778C-4EFE-A079-8E274EBB6D97}" type="datetime1">
-              <a:rPr lang="fr-FR" smtClean="0"/>
-              <a:pPr/>
-              <a:t>03/06/2014</a:t>
-            </a:fld>
-            <a:endParaRPr lang="fr-FR"/>
+            <a:r>
+              <a:rPr lang="fr-FR" smtClean="0"/>
+              <a:t>6/12/2014</a:t>
+            </a:r>
+            <a:endParaRPr lang="en-US"/>
           </a:p>
         </p:txBody>
       </p:sp>
@@ -2155,7 +2157,7 @@
           <a:bodyPr/>
           <a:lstStyle/>
           <a:p>
-            <a:endParaRPr lang="fr-FR"/>
+            <a:endParaRPr lang="en-US"/>
           </a:p>
         </p:txBody>
       </p:sp>
@@ -2174,12 +2176,12 @@
           <a:bodyPr/>
           <a:lstStyle/>
           <a:p>
-            <a:fld id="{F11F904F-FEF2-4E2C-83CF-293F7ABA8B38}" type="slidenum">
-              <a:rPr lang="fr-FR" smtClean="0"/>
+            <a:fld id="{6E2D2B3B-882E-40F3-A32F-6DD516915044}" type="slidenum">
+              <a:rPr lang="en-US" smtClean="0"/>
               <a:pPr/>
               <a:t>‹N°›</a:t>
             </a:fld>
-            <a:endParaRPr lang="fr-FR"/>
+            <a:endParaRPr lang="en-US"/>
           </a:p>
         </p:txBody>
       </p:sp>
@@ -2246,12 +2248,11 @@
           <a:bodyPr/>
           <a:lstStyle/>
           <a:p>
-            <a:fld id="{A222192F-7F0D-45B5-8A1E-888CB9D1CD88}" type="datetime1">
-              <a:rPr lang="fr-FR" smtClean="0"/>
-              <a:pPr/>
-              <a:t>03/06/2014</a:t>
-            </a:fld>
-            <a:endParaRPr lang="fr-FR"/>
+            <a:r>
+              <a:rPr lang="fr-FR" smtClean="0"/>
+              <a:t>6/12/2014</a:t>
+            </a:r>
+            <a:endParaRPr lang="en-US"/>
           </a:p>
         </p:txBody>
       </p:sp>
@@ -2270,7 +2271,7 @@
           <a:bodyPr/>
           <a:lstStyle/>
           <a:p>
-            <a:endParaRPr lang="fr-FR"/>
+            <a:endParaRPr lang="en-US"/>
           </a:p>
         </p:txBody>
       </p:sp>
@@ -2289,12 +2290,12 @@
           <a:bodyPr/>
           <a:lstStyle/>
           <a:p>
-            <a:fld id="{F11F904F-FEF2-4E2C-83CF-293F7ABA8B38}" type="slidenum">
-              <a:rPr lang="fr-FR" smtClean="0"/>
+            <a:fld id="{6E2D2B3B-882E-40F3-A32F-6DD516915044}" type="slidenum">
+              <a:rPr lang="en-US" smtClean="0"/>
               <a:pPr/>
               <a:t>‹N°›</a:t>
             </a:fld>
-            <a:endParaRPr lang="fr-FR"/>
+            <a:endParaRPr lang="en-US"/>
           </a:p>
         </p:txBody>
       </p:sp>
@@ -2338,12 +2339,11 @@
           <a:bodyPr/>
           <a:lstStyle/>
           <a:p>
-            <a:fld id="{6D224437-8759-425D-99F5-6659A271294E}" type="datetime1">
-              <a:rPr lang="fr-FR" smtClean="0"/>
-              <a:pPr/>
-              <a:t>03/06/2014</a:t>
-            </a:fld>
-            <a:endParaRPr lang="fr-FR"/>
+            <a:r>
+              <a:rPr lang="fr-FR" smtClean="0"/>
+              <a:t>6/12/2014</a:t>
+            </a:r>
+            <a:endParaRPr lang="en-US"/>
           </a:p>
         </p:txBody>
       </p:sp>
@@ -2362,7 +2362,7 @@
           <a:bodyPr/>
           <a:lstStyle/>
           <a:p>
-            <a:endParaRPr lang="fr-FR"/>
+            <a:endParaRPr lang="en-US"/>
           </a:p>
         </p:txBody>
       </p:sp>
@@ -2381,12 +2381,12 @@
           <a:bodyPr/>
           <a:lstStyle/>
           <a:p>
-            <a:fld id="{F11F904F-FEF2-4E2C-83CF-293F7ABA8B38}" type="slidenum">
-              <a:rPr lang="fr-FR" smtClean="0"/>
+            <a:fld id="{6E2D2B3B-882E-40F3-A32F-6DD516915044}" type="slidenum">
+              <a:rPr lang="en-US" smtClean="0"/>
               <a:pPr/>
               <a:t>‹N°›</a:t>
             </a:fld>
-            <a:endParaRPr lang="fr-FR"/>
+            <a:endParaRPr lang="en-US"/>
           </a:p>
         </p:txBody>
       </p:sp>
@@ -2529,12 +2529,11 @@
           <a:bodyPr/>
           <a:lstStyle/>
           <a:p>
-            <a:fld id="{D79138C9-9C5E-4D85-A262-BE6866EC2C3C}" type="datetime1">
-              <a:rPr lang="fr-FR" smtClean="0"/>
-              <a:pPr/>
-              <a:t>03/06/2014</a:t>
-            </a:fld>
-            <a:endParaRPr lang="fr-FR"/>
+            <a:r>
+              <a:rPr lang="fr-FR" smtClean="0"/>
+              <a:t>6/12/2014</a:t>
+            </a:r>
+            <a:endParaRPr lang="en-US"/>
           </a:p>
         </p:txBody>
       </p:sp>
@@ -2553,7 +2552,7 @@
           <a:bodyPr/>
           <a:lstStyle/>
           <a:p>
-            <a:endParaRPr lang="fr-FR"/>
+            <a:endParaRPr lang="en-US"/>
           </a:p>
         </p:txBody>
       </p:sp>
@@ -2572,12 +2571,12 @@
           <a:bodyPr/>
           <a:lstStyle/>
           <a:p>
-            <a:fld id="{F11F904F-FEF2-4E2C-83CF-293F7ABA8B38}" type="slidenum">
-              <a:rPr lang="fr-FR" smtClean="0"/>
+            <a:fld id="{6E2D2B3B-882E-40F3-A32F-6DD516915044}" type="slidenum">
+              <a:rPr lang="en-US" smtClean="0"/>
               <a:pPr/>
               <a:t>‹N°›</a:t>
             </a:fld>
-            <a:endParaRPr lang="fr-FR"/>
+            <a:endParaRPr lang="en-US"/>
           </a:p>
         </p:txBody>
       </p:sp>
@@ -2849,12 +2848,11 @@
           <a:bodyPr/>
           <a:lstStyle/>
           <a:p>
-            <a:fld id="{17AF1AA8-5869-4251-8CA0-DDA9E1271A0D}" type="datetime1">
-              <a:rPr lang="fr-FR" smtClean="0"/>
-              <a:pPr/>
-              <a:t>03/06/2014</a:t>
-            </a:fld>
-            <a:endParaRPr lang="fr-FR"/>
+            <a:r>
+              <a:rPr lang="fr-FR" smtClean="0"/>
+              <a:t>6/12/2014</a:t>
+            </a:r>
+            <a:endParaRPr lang="en-US" dirty="0"/>
           </a:p>
         </p:txBody>
       </p:sp>
@@ -2873,12 +2871,12 @@
           <a:bodyPr/>
           <a:lstStyle/>
           <a:p>
-            <a:fld id="{F11F904F-FEF2-4E2C-83CF-293F7ABA8B38}" type="slidenum">
-              <a:rPr lang="fr-FR" smtClean="0"/>
+            <a:fld id="{6E2D2B3B-882E-40F3-A32F-6DD516915044}" type="slidenum">
+              <a:rPr lang="en-US" smtClean="0"/>
               <a:pPr/>
               <a:t>‹N°›</a:t>
             </a:fld>
-            <a:endParaRPr lang="fr-FR"/>
+            <a:endParaRPr lang="en-US" dirty="0"/>
           </a:p>
         </p:txBody>
       </p:sp>
@@ -2897,7 +2895,7 @@
           <a:bodyPr/>
           <a:lstStyle/>
           <a:p>
-            <a:endParaRPr lang="fr-FR"/>
+            <a:endParaRPr lang="en-US" dirty="0"/>
           </a:p>
         </p:txBody>
       </p:sp>
@@ -3156,12 +3154,12 @@
             </a:lvl1pPr>
           </a:lstStyle>
           <a:p>
-            <a:fld id="{F11F904F-FEF2-4E2C-83CF-293F7ABA8B38}" type="slidenum">
-              <a:rPr lang="fr-FR" smtClean="0"/>
+            <a:fld id="{6E2D2B3B-882E-40F3-A32F-6DD516915044}" type="slidenum">
+              <a:rPr lang="en-US" smtClean="0"/>
               <a:pPr/>
               <a:t>‹N°›</a:t>
             </a:fld>
-            <a:endParaRPr lang="fr-FR"/>
+            <a:endParaRPr lang="en-US" dirty="0"/>
           </a:p>
         </p:txBody>
       </p:sp>
@@ -3196,7 +3194,7 @@
             </a:lvl1pPr>
           </a:lstStyle>
           <a:p>
-            <a:endParaRPr lang="fr-FR"/>
+            <a:endParaRPr lang="en-US" dirty="0"/>
           </a:p>
         </p:txBody>
       </p:sp>
@@ -3231,12 +3229,11 @@
             </a:lvl1pPr>
           </a:lstStyle>
           <a:p>
-            <a:fld id="{71D81649-6301-4E05-A181-127886D380D6}" type="datetime1">
-              <a:rPr lang="fr-FR" smtClean="0"/>
-              <a:pPr/>
-              <a:t>03/06/2014</a:t>
-            </a:fld>
-            <a:endParaRPr lang="fr-FR"/>
+            <a:r>
+              <a:rPr lang="fr-FR" smtClean="0"/>
+              <a:t>6/12/2014</a:t>
+            </a:r>
+            <a:endParaRPr lang="en-US" dirty="0"/>
           </a:p>
         </p:txBody>
       </p:sp>
@@ -3244,17 +3241,17 @@
   </p:cSld>
   <p:clrMap bg1="lt1" tx1="dk1" bg2="lt2" tx2="dk2" accent1="accent1" accent2="accent2" accent3="accent3" accent4="accent4" accent5="accent5" accent6="accent6" hlink="hlink" folHlink="folHlink"/>
   <p:sldLayoutIdLst>
-    <p:sldLayoutId id="2147483661" r:id="rId1"/>
-    <p:sldLayoutId id="2147483662" r:id="rId2"/>
-    <p:sldLayoutId id="2147483663" r:id="rId3"/>
-    <p:sldLayoutId id="2147483664" r:id="rId4"/>
-    <p:sldLayoutId id="2147483665" r:id="rId5"/>
-    <p:sldLayoutId id="2147483666" r:id="rId6"/>
-    <p:sldLayoutId id="2147483667" r:id="rId7"/>
-    <p:sldLayoutId id="2147483668" r:id="rId8"/>
-    <p:sldLayoutId id="2147483669" r:id="rId9"/>
-    <p:sldLayoutId id="2147483670" r:id="rId10"/>
-    <p:sldLayoutId id="2147483671" r:id="rId11"/>
+    <p:sldLayoutId id="2147483675" r:id="rId1"/>
+    <p:sldLayoutId id="2147483676" r:id="rId2"/>
+    <p:sldLayoutId id="2147483677" r:id="rId3"/>
+    <p:sldLayoutId id="2147483678" r:id="rId4"/>
+    <p:sldLayoutId id="2147483679" r:id="rId5"/>
+    <p:sldLayoutId id="2147483680" r:id="rId6"/>
+    <p:sldLayoutId id="2147483681" r:id="rId7"/>
+    <p:sldLayoutId id="2147483682" r:id="rId8"/>
+    <p:sldLayoutId id="2147483683" r:id="rId9"/>
+    <p:sldLayoutId id="2147483684" r:id="rId10"/>
+    <p:sldLayoutId id="2147483685" r:id="rId11"/>
   </p:sldLayoutIdLst>
   <p:hf hdr="0" ftr="0" dt="0"/>
   <p:txStyles>
@@ -3560,7 +3557,7 @@
       </p:grpSpPr>
       <p:sp>
         <p:nvSpPr>
-          <p:cNvPr id="2" name="Titre 1"/>
+          <p:cNvPr id="4" name="Titre 3"/>
           <p:cNvSpPr>
             <a:spLocks noGrp="1"/>
           </p:cNvSpPr>
@@ -3568,80 +3565,34 @@
             <p:ph type="ctrTitle"/>
           </p:nvPr>
         </p:nvSpPr>
-        <p:spPr>
-          <a:xfrm>
-            <a:off x="683568" y="1628800"/>
-            <a:ext cx="7543800" cy="2593975"/>
-          </a:xfrm>
-        </p:spPr>
-        <p:txBody>
-          <a:bodyPr/>
-          <a:lstStyle/>
-          <a:p>
-            <a:pPr algn="ctr"/>
-            <a:r>
-              <a:rPr lang="fr-FR" b="1" u="sng" dirty="0" err="1" smtClean="0">
-                <a:effectLst>
-                  <a:outerShdw blurRad="38100" dist="38100" dir="2700000" algn="tl">
-                    <a:srgbClr val="000000">
-                      <a:alpha val="43137"/>
-                    </a:srgbClr>
-                  </a:outerShdw>
-                </a:effectLst>
-              </a:rPr>
+        <p:spPr/>
+        <p:txBody>
+          <a:bodyPr/>
+          <a:lstStyle/>
+          <a:p>
+            <a:r>
+              <a:rPr lang="fr-FR" u="sng" dirty="0" err="1" smtClean="0"/>
               <a:t>Bash</a:t>
             </a:r>
             <a:r>
-              <a:rPr lang="fr-FR" b="1" u="sng" dirty="0" smtClean="0">
-                <a:effectLst>
-                  <a:outerShdw blurRad="38100" dist="38100" dir="2700000" algn="tl">
-                    <a:srgbClr val="000000">
-                      <a:alpha val="43137"/>
-                    </a:srgbClr>
-                  </a:outerShdw>
-                </a:effectLst>
-              </a:rPr>
+              <a:rPr lang="fr-FR" u="sng" dirty="0" smtClean="0"/>
               <a:t> </a:t>
             </a:r>
             <a:r>
-              <a:rPr lang="fr-FR" b="1" u="sng" dirty="0" err="1" smtClean="0">
-                <a:effectLst>
-                  <a:outerShdw blurRad="38100" dist="38100" dir="2700000" algn="tl">
-                    <a:srgbClr val="000000">
-                      <a:alpha val="43137"/>
-                    </a:srgbClr>
-                  </a:outerShdw>
-                </a:effectLst>
-              </a:rPr>
+              <a:rPr lang="fr-FR" u="sng" dirty="0" err="1" smtClean="0"/>
               <a:t>Dictionary</a:t>
             </a:r>
             <a:r>
-              <a:rPr lang="fr-FR" b="1" u="sng" dirty="0" smtClean="0">
-                <a:effectLst>
-                  <a:outerShdw blurRad="38100" dist="38100" dir="2700000" algn="tl">
-                    <a:srgbClr val="000000">
-                      <a:alpha val="43137"/>
-                    </a:srgbClr>
-                  </a:outerShdw>
-                </a:effectLst>
-              </a:rPr>
+              <a:rPr lang="fr-FR" u="sng" dirty="0" smtClean="0"/>
               <a:t> Project</a:t>
             </a:r>
-            <a:endParaRPr lang="fr-FR" b="1" u="sng" dirty="0">
-              <a:effectLst>
-                <a:outerShdw blurRad="38100" dist="38100" dir="2700000" algn="tl">
-                  <a:srgbClr val="000000">
-                    <a:alpha val="43137"/>
-                  </a:srgbClr>
-                </a:outerShdw>
-              </a:effectLst>
-            </a:endParaRPr>
-          </a:p>
-        </p:txBody>
-      </p:sp>
-      <p:sp>
-        <p:nvSpPr>
-          <p:cNvPr id="3" name="Sous-titre 2"/>
+            <a:endParaRPr lang="fr-FR" u="sng" dirty="0"/>
+          </a:p>
+        </p:txBody>
+      </p:sp>
+      <p:sp>
+        <p:nvSpPr>
+          <p:cNvPr id="5" name="Sous-titre 4"/>
           <p:cNvSpPr>
             <a:spLocks noGrp="1"/>
           </p:cNvSpPr>
@@ -3654,7 +3605,6 @@
           <a:bodyPr/>
           <a:lstStyle/>
           <a:p>
-            <a:pPr algn="r"/>
             <a:r>
               <a:rPr lang="fr-FR" dirty="0" smtClean="0"/>
               <a:t>Eva BENOIT – Ariane BERTRAND – Guillaume FORMEY DE SAINT LOUVENT – Ang LI</a:t>
@@ -3663,11 +3613,47 @@
           </a:p>
         </p:txBody>
       </p:sp>
+      <p:sp>
+        <p:nvSpPr>
+          <p:cNvPr id="6" name="Espace réservé du numéro de diapositive 5"/>
+          <p:cNvSpPr>
+            <a:spLocks noGrp="1"/>
+          </p:cNvSpPr>
+          <p:nvPr>
+            <p:ph type="sldNum" sz="quarter" idx="12"/>
+          </p:nvPr>
+        </p:nvSpPr>
+        <p:spPr/>
+        <p:txBody>
+          <a:bodyPr/>
+          <a:lstStyle/>
+          <a:p>
+            <a:fld id="{6E2D2B3B-882E-40F3-A32F-6DD516915044}" type="slidenum">
+              <a:rPr lang="en-US" smtClean="0"/>
+              <a:pPr/>
+              <a:t>1</a:t>
+            </a:fld>
+            <a:endParaRPr lang="en-US" dirty="0"/>
+          </a:p>
+        </p:txBody>
+      </p:sp>
     </p:spTree>
+    <p:extLst>
+      <p:ext uri="{BB962C8B-B14F-4D97-AF65-F5344CB8AC3E}">
+        <p14:creationId xmlns:p14="http://schemas.microsoft.com/office/powerpoint/2010/main" xmlns="" val="3231753495"/>
+      </p:ext>
+    </p:extLst>
   </p:cSld>
   <p:clrMapOvr>
     <a:masterClrMapping/>
   </p:clrMapOvr>
+  <p:timing>
+    <p:tnLst>
+      <p:par>
+        <p:cTn id="1" dur="indefinite" restart="never" nodeType="tmRoot"/>
+      </p:par>
+    </p:tnLst>
+  </p:timing>
 </p:sld>
 </file>
 
@@ -3690,7 +3676,7 @@
       </p:grpSpPr>
       <p:sp>
         <p:nvSpPr>
-          <p:cNvPr id="2" name="Titre 1"/>
+          <p:cNvPr id="4" name="Titre 3"/>
           <p:cNvSpPr>
             <a:spLocks noGrp="1"/>
           </p:cNvSpPr>
@@ -3705,11 +3691,19 @@
           <a:p>
             <a:r>
               <a:rPr lang="fr-FR" u="sng" dirty="0" smtClean="0"/>
-              <a:t>III.2 Main </a:t>
+              <a:t>III.1 </a:t>
             </a:r>
             <a:r>
               <a:rPr lang="fr-FR" u="sng" dirty="0" err="1" smtClean="0"/>
-              <a:t>Functions</a:t>
+              <a:t>Shelldict</a:t>
+            </a:r>
+            <a:r>
+              <a:rPr lang="fr-FR" u="sng" dirty="0" smtClean="0"/>
+              <a:t> </a:t>
+            </a:r>
+            <a:r>
+              <a:rPr lang="fr-FR" u="sng" dirty="0" err="1" smtClean="0"/>
+              <a:t>presentation</a:t>
             </a:r>
             <a:endParaRPr lang="fr-FR" u="sng" dirty="0"/>
           </a:p>
@@ -3717,7 +3711,7 @@
       </p:sp>
       <p:sp>
         <p:nvSpPr>
-          <p:cNvPr id="3" name="Espace réservé du contenu 2"/>
+          <p:cNvPr id="5" name="Espace réservé du contenu 4"/>
           <p:cNvSpPr>
             <a:spLocks noGrp="1"/>
           </p:cNvSpPr>
@@ -3730,13 +3724,94 @@
           <a:bodyPr/>
           <a:lstStyle/>
           <a:p>
-            <a:endParaRPr lang="fr-FR"/>
-          </a:p>
-        </p:txBody>
-      </p:sp>
-      <p:sp>
-        <p:nvSpPr>
-          <p:cNvPr id="4" name="Espace réservé du numéro de diapositive 3"/>
+            <a:r>
+              <a:rPr lang="en-US" dirty="0" smtClean="0"/>
+              <a:t>We created our own Bash dictionary: </a:t>
+            </a:r>
+            <a:r>
+              <a:rPr lang="en-US" dirty="0" err="1" smtClean="0"/>
+              <a:t>Shelldict</a:t>
+            </a:r>
+            <a:endParaRPr lang="en-US" dirty="0" smtClean="0"/>
+          </a:p>
+          <a:p>
+            <a:r>
+              <a:rPr lang="en-US" dirty="0" smtClean="0"/>
+              <a:t>It uses an already existing online dictionary</a:t>
+            </a:r>
+          </a:p>
+          <a:p>
+            <a:pPr lvl="1"/>
+            <a:r>
+              <a:rPr lang="en-US" dirty="0" smtClean="0"/>
+              <a:t>Oxford Dictionaries : </a:t>
+            </a:r>
+            <a:r>
+              <a:rPr lang="en-US" dirty="0" smtClean="0">
+                <a:hlinkClick r:id="rId2"/>
+              </a:rPr>
+              <a:t>http://www.oxforddictionaries.com/</a:t>
+            </a:r>
+            <a:r>
+              <a:rPr lang="en-US" dirty="0" smtClean="0"/>
+              <a:t> </a:t>
+            </a:r>
+          </a:p>
+          <a:p>
+            <a:pPr lvl="2"/>
+            <a:r>
+              <a:rPr lang="en-US" dirty="0" smtClean="0"/>
+              <a:t>Reference in terms of </a:t>
+            </a:r>
+            <a:r>
+              <a:rPr lang="en-US" dirty="0" err="1" smtClean="0"/>
+              <a:t>english</a:t>
+            </a:r>
+            <a:r>
+              <a:rPr lang="en-US" dirty="0" smtClean="0"/>
+              <a:t> dictionaries</a:t>
+            </a:r>
+          </a:p>
+          <a:p>
+            <a:pPr lvl="2"/>
+            <a:r>
+              <a:rPr lang="en-US" dirty="0" smtClean="0"/>
+              <a:t>Has been making dictionaries for 150 years</a:t>
+            </a:r>
+            <a:endParaRPr lang="en-US" dirty="0"/>
+          </a:p>
+        </p:txBody>
+      </p:sp>
+      <p:pic>
+        <p:nvPicPr>
+          <p:cNvPr id="6" name="Picture 2"/>
+          <p:cNvPicPr/>
+          <p:nvPr/>
+        </p:nvPicPr>
+        <p:blipFill>
+          <a:blip r:embed="rId3" cstate="print"/>
+          <a:stretch>
+            <a:fillRect/>
+          </a:stretch>
+        </p:blipFill>
+        <p:spPr>
+          <a:xfrm>
+            <a:off x="1714860" y="4136992"/>
+            <a:ext cx="5714280" cy="1380240"/>
+          </a:xfrm>
+          <a:prstGeom prst="rect">
+            <a:avLst/>
+          </a:prstGeom>
+          <a:ln>
+            <a:solidFill>
+              <a:schemeClr val="accent1"/>
+            </a:solidFill>
+          </a:ln>
+        </p:spPr>
+      </p:pic>
+      <p:sp>
+        <p:nvSpPr>
+          <p:cNvPr id="7" name="Espace réservé du numéro de diapositive 6"/>
           <p:cNvSpPr>
             <a:spLocks noGrp="1"/>
           </p:cNvSpPr>
@@ -3749,20 +3824,32 @@
           <a:bodyPr/>
           <a:lstStyle/>
           <a:p>
-            <a:fld id="{F11F904F-FEF2-4E2C-83CF-293F7ABA8B38}" type="slidenum">
-              <a:rPr lang="fr-FR" smtClean="0"/>
+            <a:fld id="{6E2D2B3B-882E-40F3-A32F-6DD516915044}" type="slidenum">
+              <a:rPr lang="en-US" smtClean="0"/>
               <a:pPr/>
               <a:t>10</a:t>
             </a:fld>
-            <a:endParaRPr lang="fr-FR"/>
+            <a:endParaRPr lang="en-US"/>
           </a:p>
         </p:txBody>
       </p:sp>
     </p:spTree>
+    <p:extLst>
+      <p:ext uri="{BB962C8B-B14F-4D97-AF65-F5344CB8AC3E}">
+        <p14:creationId xmlns:p14="http://schemas.microsoft.com/office/powerpoint/2010/main" xmlns="" val="4137986474"/>
+      </p:ext>
+    </p:extLst>
   </p:cSld>
   <p:clrMapOvr>
     <a:masterClrMapping/>
   </p:clrMapOvr>
+  <p:timing>
+    <p:tnLst>
+      <p:par>
+        <p:cTn id="1" dur="indefinite" restart="never" nodeType="tmRoot"/>
+      </p:par>
+    </p:tnLst>
+  </p:timing>
 </p:sld>
 </file>
 
@@ -3799,29 +3886,151 @@
           <a:lstStyle/>
           <a:p>
             <a:r>
-              <a:rPr lang="fr-FR" b="1" u="sng" dirty="0" smtClean="0"/>
-              <a:t>Conclusion</a:t>
-            </a:r>
-            <a:endParaRPr lang="fr-FR" b="1" u="sng" dirty="0"/>
-          </a:p>
-        </p:txBody>
-      </p:sp>
-      <p:sp>
-        <p:nvSpPr>
-          <p:cNvPr id="3" name="Espace réservé du texte 2"/>
-          <p:cNvSpPr>
-            <a:spLocks noGrp="1"/>
-          </p:cNvSpPr>
-          <p:nvPr>
-            <p:ph type="body" idx="1"/>
-          </p:nvPr>
-        </p:nvSpPr>
-        <p:spPr/>
-        <p:txBody>
-          <a:bodyPr/>
-          <a:lstStyle/>
-          <a:p>
-            <a:endParaRPr lang="fr-FR"/>
+              <a:rPr lang="fr-FR" u="sng" dirty="0" smtClean="0"/>
+              <a:t>III.2 Main </a:t>
+            </a:r>
+            <a:r>
+              <a:rPr lang="fr-FR" u="sng" dirty="0" err="1" smtClean="0"/>
+              <a:t>functions</a:t>
+            </a:r>
+            <a:endParaRPr lang="fr-FR" u="sng" dirty="0"/>
+          </a:p>
+        </p:txBody>
+      </p:sp>
+      <p:sp>
+        <p:nvSpPr>
+          <p:cNvPr id="3" name="Espace réservé du contenu 2"/>
+          <p:cNvSpPr>
+            <a:spLocks noGrp="1"/>
+          </p:cNvSpPr>
+          <p:nvPr>
+            <p:ph idx="1"/>
+          </p:nvPr>
+        </p:nvSpPr>
+        <p:spPr/>
+        <p:txBody>
+          <a:bodyPr>
+            <a:normAutofit/>
+          </a:bodyPr>
+          <a:lstStyle/>
+          <a:p>
+            <a:r>
+              <a:rPr lang="en-US" dirty="0" smtClean="0"/>
+              <a:t>Commands used</a:t>
+            </a:r>
+          </a:p>
+          <a:p>
+            <a:pPr lvl="1"/>
+            <a:r>
+              <a:rPr lang="en-US" b="1" dirty="0" smtClean="0"/>
+              <a:t>Curl</a:t>
+            </a:r>
+            <a:r>
+              <a:rPr lang="en-US" dirty="0" smtClean="0"/>
+              <a:t>: grab the full HTML code of a web page thanks to its URL.</a:t>
+            </a:r>
+          </a:p>
+          <a:p>
+            <a:pPr lvl="2"/>
+            <a:r>
+              <a:rPr lang="en-US" b="1" i="1" dirty="0" smtClean="0"/>
+              <a:t>curl http://www.oxforddictionaries.com/definition/english/hello</a:t>
+            </a:r>
+            <a:r>
+              <a:rPr lang="en-US" dirty="0" smtClean="0"/>
+              <a:t> get the HTML code of the specific web page.</a:t>
+            </a:r>
+            <a:endParaRPr lang="en-US" b="1" i="1" dirty="0" smtClean="0"/>
+          </a:p>
+          <a:p>
+            <a:pPr lvl="1"/>
+            <a:r>
+              <a:rPr lang="en-US" b="1" dirty="0" err="1" smtClean="0"/>
+              <a:t>Sed</a:t>
+            </a:r>
+            <a:r>
+              <a:rPr lang="en-US" dirty="0" smtClean="0"/>
+              <a:t>: can be used to find some portions of the code or even replace them by another string thanks to the flag –</a:t>
+            </a:r>
+            <a:r>
+              <a:rPr lang="en-US" dirty="0" err="1" smtClean="0"/>
+              <a:t>i</a:t>
+            </a:r>
+            <a:r>
+              <a:rPr lang="en-US" dirty="0" smtClean="0"/>
+              <a:t>.</a:t>
+            </a:r>
+          </a:p>
+          <a:p>
+            <a:pPr lvl="2"/>
+            <a:r>
+              <a:rPr lang="en-US" b="1" i="1" dirty="0" err="1"/>
+              <a:t>sed</a:t>
+            </a:r>
+            <a:r>
+              <a:rPr lang="en-US" b="1" i="1" dirty="0"/>
+              <a:t> -</a:t>
+            </a:r>
+            <a:r>
+              <a:rPr lang="en-US" b="1" i="1" dirty="0" err="1"/>
+              <a:t>i</a:t>
+            </a:r>
+            <a:r>
+              <a:rPr lang="en-US" b="1" i="1" dirty="0"/>
+              <a:t> "s/&lt;\/section&gt;/\</a:t>
+            </a:r>
+            <a:r>
+              <a:rPr lang="en-US" b="1" i="1" dirty="0" smtClean="0"/>
+              <a:t>n/g“</a:t>
+            </a:r>
+            <a:r>
+              <a:rPr lang="en-US" dirty="0" smtClean="0"/>
+              <a:t> replaces every occurrence of &lt;section&gt; by a line break.</a:t>
+            </a:r>
+            <a:endParaRPr lang="en-US" b="1" i="1" dirty="0" smtClean="0"/>
+          </a:p>
+          <a:p>
+            <a:pPr lvl="1"/>
+            <a:r>
+              <a:rPr lang="en-US" b="1" dirty="0" err="1" smtClean="0"/>
+              <a:t>Grep</a:t>
+            </a:r>
+            <a:r>
+              <a:rPr lang="en-US" dirty="0" smtClean="0"/>
+              <a:t>: look for some portions of the code given by a regex. The flag –o is used to display only the parts found and a filename needs to be specified to make it work.</a:t>
+            </a:r>
+          </a:p>
+          <a:p>
+            <a:pPr lvl="2"/>
+            <a:r>
+              <a:rPr lang="en-US" b="1" i="1" dirty="0" err="1" smtClean="0"/>
+              <a:t>grep</a:t>
+            </a:r>
+            <a:r>
+              <a:rPr lang="en-US" b="1" i="1" dirty="0" smtClean="0"/>
+              <a:t> -o '&lt;section class="</a:t>
+            </a:r>
+            <a:r>
+              <a:rPr lang="en-US" b="1" i="1" dirty="0" err="1" smtClean="0"/>
+              <a:t>senseGroup</a:t>
+            </a:r>
+            <a:r>
+              <a:rPr lang="en-US" b="1" i="1" dirty="0" smtClean="0"/>
+              <a:t>"&gt;.*' lineCode.txt</a:t>
+            </a:r>
+            <a:r>
+              <a:rPr lang="en-US" dirty="0" smtClean="0"/>
+              <a:t> finds all the lines of the document lineCode.txt which start by the string &lt;section class=“</a:t>
+            </a:r>
+            <a:r>
+              <a:rPr lang="en-US" dirty="0" err="1" smtClean="0"/>
+              <a:t>senseGroup</a:t>
+            </a:r>
+            <a:r>
+              <a:rPr lang="en-US" dirty="0" smtClean="0"/>
+              <a:t>”&gt;.</a:t>
+            </a:r>
+            <a:endParaRPr lang="en-US" b="1" i="1" dirty="0" smtClean="0"/>
           </a:p>
         </p:txBody>
       </p:sp>
@@ -3840,20 +4049,1120 @@
           <a:bodyPr/>
           <a:lstStyle/>
           <a:p>
-            <a:fld id="{F11F904F-FEF2-4E2C-83CF-293F7ABA8B38}" type="slidenum">
-              <a:rPr lang="fr-FR" smtClean="0"/>
+            <a:fld id="{6E2D2B3B-882E-40F3-A32F-6DD516915044}" type="slidenum">
+              <a:rPr lang="en-US" smtClean="0"/>
               <a:pPr/>
               <a:t>11</a:t>
             </a:fld>
-            <a:endParaRPr lang="fr-FR"/>
+            <a:endParaRPr lang="en-US"/>
           </a:p>
         </p:txBody>
       </p:sp>
     </p:spTree>
+    <p:extLst>
+      <p:ext uri="{BB962C8B-B14F-4D97-AF65-F5344CB8AC3E}">
+        <p14:creationId xmlns:p14="http://schemas.microsoft.com/office/powerpoint/2010/main" xmlns="" val="1262338259"/>
+      </p:ext>
+    </p:extLst>
   </p:cSld>
   <p:clrMapOvr>
     <a:masterClrMapping/>
   </p:clrMapOvr>
+  <p:timing>
+    <p:tnLst>
+      <p:par>
+        <p:cTn id="1" dur="indefinite" restart="never" nodeType="tmRoot"/>
+      </p:par>
+    </p:tnLst>
+  </p:timing>
+</p:sld>
+</file>
+
+<file path=ppt/slides/slide12.xml><?xml version="1.0" encoding="utf-8"?>
+<p:sld xmlns:a="http://schemas.openxmlformats.org/drawingml/2006/main" xmlns:r="http://schemas.openxmlformats.org/officeDocument/2006/relationships" xmlns:p="http://schemas.openxmlformats.org/presentationml/2006/main">
+  <p:cSld>
+    <p:spTree>
+      <p:nvGrpSpPr>
+        <p:cNvPr id="1" name=""/>
+        <p:cNvGrpSpPr/>
+        <p:nvPr/>
+      </p:nvGrpSpPr>
+      <p:grpSpPr>
+        <a:xfrm>
+          <a:off x="0" y="0"/>
+          <a:ext cx="0" cy="0"/>
+          <a:chOff x="0" y="0"/>
+          <a:chExt cx="0" cy="0"/>
+        </a:xfrm>
+      </p:grpSpPr>
+      <p:sp>
+        <p:nvSpPr>
+          <p:cNvPr id="2" name="Titre 1"/>
+          <p:cNvSpPr>
+            <a:spLocks noGrp="1"/>
+          </p:cNvSpPr>
+          <p:nvPr>
+            <p:ph type="title"/>
+          </p:nvPr>
+        </p:nvSpPr>
+        <p:spPr/>
+        <p:txBody>
+          <a:bodyPr/>
+          <a:lstStyle/>
+          <a:p>
+            <a:r>
+              <a:rPr lang="fr-FR" u="sng" dirty="0" smtClean="0"/>
+              <a:t>III.3 </a:t>
+            </a:r>
+            <a:r>
+              <a:rPr lang="fr-FR" u="sng" dirty="0" err="1" smtClean="0"/>
+              <a:t>Problems</a:t>
+            </a:r>
+            <a:r>
+              <a:rPr lang="fr-FR" u="sng" dirty="0" smtClean="0"/>
+              <a:t> and solutions</a:t>
+            </a:r>
+            <a:endParaRPr lang="fr-FR" u="sng" dirty="0"/>
+          </a:p>
+        </p:txBody>
+      </p:sp>
+      <p:sp>
+        <p:nvSpPr>
+          <p:cNvPr id="3" name="Espace réservé du contenu 2"/>
+          <p:cNvSpPr>
+            <a:spLocks noGrp="1"/>
+          </p:cNvSpPr>
+          <p:nvPr>
+            <p:ph idx="1"/>
+          </p:nvPr>
+        </p:nvSpPr>
+        <p:spPr/>
+        <p:txBody>
+          <a:bodyPr>
+            <a:normAutofit lnSpcReduction="10000"/>
+          </a:bodyPr>
+          <a:lstStyle/>
+          <a:p>
+            <a:r>
+              <a:rPr lang="en-US" b="1" dirty="0" smtClean="0"/>
+              <a:t>Difficulties</a:t>
+            </a:r>
+            <a:r>
+              <a:rPr lang="en-US" dirty="0" smtClean="0"/>
+              <a:t> we had</a:t>
+            </a:r>
+          </a:p>
+          <a:p>
+            <a:pPr lvl="1"/>
+            <a:r>
+              <a:rPr lang="en-US" dirty="0" smtClean="0"/>
+              <a:t>Find a way to grab the definitions of a word without making too many commands</a:t>
+            </a:r>
+          </a:p>
+          <a:p>
+            <a:pPr lvl="1"/>
+            <a:r>
+              <a:rPr lang="en-US" dirty="0" smtClean="0"/>
+              <a:t>Make the code work for every Linux systems</a:t>
+            </a:r>
+          </a:p>
+          <a:p>
+            <a:pPr lvl="1"/>
+            <a:r>
+              <a:rPr lang="en-US" dirty="0" smtClean="0"/>
+              <a:t>Test the code for many words</a:t>
+            </a:r>
+          </a:p>
+          <a:p>
+            <a:r>
+              <a:rPr lang="en-US" b="1" dirty="0" smtClean="0"/>
+              <a:t>Solutions</a:t>
+            </a:r>
+            <a:r>
+              <a:rPr lang="en-US" dirty="0" smtClean="0"/>
+              <a:t> we found</a:t>
+            </a:r>
+          </a:p>
+          <a:p>
+            <a:pPr lvl="1"/>
+            <a:r>
+              <a:rPr lang="en-US" dirty="0" smtClean="0"/>
+              <a:t>We’ve called the command </a:t>
+            </a:r>
+            <a:r>
+              <a:rPr lang="en-US" b="1" i="1" dirty="0" err="1" smtClean="0"/>
+              <a:t>sed</a:t>
+            </a:r>
+            <a:r>
+              <a:rPr lang="en-US" dirty="0" smtClean="0"/>
+              <a:t> many times to isolate the parts that interested us by using several regex</a:t>
+            </a:r>
+          </a:p>
+          <a:p>
+            <a:pPr lvl="1"/>
+            <a:r>
+              <a:rPr lang="en-US" dirty="0" smtClean="0"/>
+              <a:t>At first, we were using the command </a:t>
+            </a:r>
+            <a:r>
+              <a:rPr lang="en-US" b="1" dirty="0" err="1" smtClean="0"/>
+              <a:t>egrep</a:t>
+            </a:r>
+            <a:r>
+              <a:rPr lang="en-US" dirty="0" smtClean="0"/>
+              <a:t> to grab some parts of the code. Finally, we decided to use </a:t>
+            </a:r>
+            <a:r>
+              <a:rPr lang="en-US" b="1" dirty="0" err="1" smtClean="0"/>
+              <a:t>grep</a:t>
+            </a:r>
+            <a:r>
+              <a:rPr lang="en-US" dirty="0" smtClean="0"/>
+              <a:t> so that the code could work with the Linux systems we were working with</a:t>
+            </a:r>
+          </a:p>
+          <a:p>
+            <a:pPr lvl="1"/>
+            <a:r>
+              <a:rPr lang="en-US" dirty="0" smtClean="0"/>
+              <a:t>We needed to test the code many times to see if it was returning the right definitions and that there wasn’t any HTML code in it, such as links with &lt;a&gt;&lt;/a&gt; tags.</a:t>
+            </a:r>
+          </a:p>
+        </p:txBody>
+      </p:sp>
+      <p:sp>
+        <p:nvSpPr>
+          <p:cNvPr id="4" name="Espace réservé du numéro de diapositive 3"/>
+          <p:cNvSpPr>
+            <a:spLocks noGrp="1"/>
+          </p:cNvSpPr>
+          <p:nvPr>
+            <p:ph type="sldNum" sz="quarter" idx="12"/>
+          </p:nvPr>
+        </p:nvSpPr>
+        <p:spPr/>
+        <p:txBody>
+          <a:bodyPr/>
+          <a:lstStyle/>
+          <a:p>
+            <a:fld id="{6E2D2B3B-882E-40F3-A32F-6DD516915044}" type="slidenum">
+              <a:rPr lang="en-US" smtClean="0"/>
+              <a:pPr/>
+              <a:t>12</a:t>
+            </a:fld>
+            <a:endParaRPr lang="en-US"/>
+          </a:p>
+        </p:txBody>
+      </p:sp>
+    </p:spTree>
+    <p:extLst>
+      <p:ext uri="{BB962C8B-B14F-4D97-AF65-F5344CB8AC3E}">
+        <p14:creationId xmlns:p14="http://schemas.microsoft.com/office/powerpoint/2010/main" xmlns="" val="1504066399"/>
+      </p:ext>
+    </p:extLst>
+  </p:cSld>
+  <p:clrMapOvr>
+    <a:masterClrMapping/>
+  </p:clrMapOvr>
+  <p:timing>
+    <p:tnLst>
+      <p:par>
+        <p:cTn id="1" dur="indefinite" restart="never" nodeType="tmRoot"/>
+      </p:par>
+    </p:tnLst>
+  </p:timing>
+</p:sld>
+</file>
+
+<file path=ppt/slides/slide13.xml><?xml version="1.0" encoding="utf-8"?>
+<p:sld xmlns:a="http://schemas.openxmlformats.org/drawingml/2006/main" xmlns:r="http://schemas.openxmlformats.org/officeDocument/2006/relationships" xmlns:p="http://schemas.openxmlformats.org/presentationml/2006/main">
+  <p:cSld>
+    <p:spTree>
+      <p:nvGrpSpPr>
+        <p:cNvPr id="1" name=""/>
+        <p:cNvGrpSpPr/>
+        <p:nvPr/>
+      </p:nvGrpSpPr>
+      <p:grpSpPr>
+        <a:xfrm>
+          <a:off x="0" y="0"/>
+          <a:ext cx="0" cy="0"/>
+          <a:chOff x="0" y="0"/>
+          <a:chExt cx="0" cy="0"/>
+        </a:xfrm>
+      </p:grpSpPr>
+      <p:sp>
+        <p:nvSpPr>
+          <p:cNvPr id="2" name="Titre 1"/>
+          <p:cNvSpPr>
+            <a:spLocks noGrp="1"/>
+          </p:cNvSpPr>
+          <p:nvPr>
+            <p:ph type="title"/>
+          </p:nvPr>
+        </p:nvSpPr>
+        <p:spPr/>
+        <p:txBody>
+          <a:bodyPr/>
+          <a:lstStyle/>
+          <a:p>
+            <a:r>
+              <a:rPr lang="fr-FR" u="sng" dirty="0" smtClean="0"/>
+              <a:t>III.4 Structure of the program</a:t>
+            </a:r>
+            <a:endParaRPr lang="fr-FR" u="sng" dirty="0"/>
+          </a:p>
+        </p:txBody>
+      </p:sp>
+      <p:sp>
+        <p:nvSpPr>
+          <p:cNvPr id="3" name="Espace réservé du contenu 2"/>
+          <p:cNvSpPr>
+            <a:spLocks noGrp="1"/>
+          </p:cNvSpPr>
+          <p:nvPr>
+            <p:ph idx="1"/>
+          </p:nvPr>
+        </p:nvSpPr>
+        <p:spPr>
+          <a:xfrm>
+            <a:off x="457200" y="1600200"/>
+            <a:ext cx="7715200" cy="4800600"/>
+          </a:xfrm>
+        </p:spPr>
+        <p:txBody>
+          <a:bodyPr>
+            <a:normAutofit/>
+          </a:bodyPr>
+          <a:lstStyle/>
+          <a:p>
+            <a:r>
+              <a:rPr lang="en-US" dirty="0" smtClean="0"/>
+              <a:t>Structure of the program (first part)</a:t>
+            </a:r>
+          </a:p>
+          <a:p>
+            <a:pPr lvl="1"/>
+            <a:r>
+              <a:rPr lang="en-US" dirty="0" smtClean="0"/>
+              <a:t>Grab the word entered by the user in the terminal</a:t>
+            </a:r>
+          </a:p>
+          <a:p>
+            <a:pPr lvl="2"/>
+            <a:r>
+              <a:rPr lang="en-US" b="1" i="1" dirty="0"/>
+              <a:t>read </a:t>
+            </a:r>
+            <a:r>
+              <a:rPr lang="en-US" b="1" i="1" dirty="0" smtClean="0"/>
+              <a:t>word</a:t>
+            </a:r>
+            <a:r>
+              <a:rPr lang="en-US" dirty="0" smtClean="0"/>
+              <a:t> picks up the word entered by the user on his keyboard and puts it in a variable named </a:t>
+            </a:r>
+            <a:r>
+              <a:rPr lang="en-US" b="1" i="1" dirty="0" smtClean="0"/>
+              <a:t>word</a:t>
+            </a:r>
+            <a:r>
+              <a:rPr lang="en-US" dirty="0" smtClean="0"/>
+              <a:t>.</a:t>
+            </a:r>
+            <a:endParaRPr lang="en-US" b="1" i="1" dirty="0" smtClean="0"/>
+          </a:p>
+          <a:p>
+            <a:pPr lvl="1"/>
+            <a:r>
+              <a:rPr lang="en-US" dirty="0" smtClean="0"/>
+              <a:t>Take the HTML code of the right web page</a:t>
+            </a:r>
+          </a:p>
+          <a:p>
+            <a:pPr lvl="2"/>
+            <a:r>
+              <a:rPr lang="en-US" b="1" i="1" dirty="0" err="1"/>
+              <a:t>wordUrl</a:t>
+            </a:r>
+            <a:r>
+              <a:rPr lang="en-US" b="1" i="1" dirty="0"/>
+              <a:t>=$</a:t>
+            </a:r>
+            <a:r>
+              <a:rPr lang="en-US" b="1" i="1" dirty="0" err="1" smtClean="0"/>
+              <a:t>dictionaryUrl</a:t>
+            </a:r>
+            <a:r>
+              <a:rPr lang="en-US" dirty="0" smtClean="0"/>
+              <a:t> and </a:t>
+            </a:r>
+            <a:r>
+              <a:rPr lang="en-US" b="1" i="1" dirty="0" smtClean="0"/>
+              <a:t>$</a:t>
+            </a:r>
+            <a:r>
+              <a:rPr lang="en-US" b="1" i="1" dirty="0" err="1"/>
+              <a:t>wordcurl</a:t>
+            </a:r>
+            <a:r>
+              <a:rPr lang="en-US" b="1" i="1" dirty="0"/>
+              <a:t> $</a:t>
+            </a:r>
+            <a:r>
+              <a:rPr lang="en-US" b="1" i="1" dirty="0" err="1"/>
+              <a:t>wordUrl</a:t>
+            </a:r>
+            <a:r>
+              <a:rPr lang="en-US" b="1" i="1" dirty="0"/>
+              <a:t> &gt; </a:t>
+            </a:r>
+            <a:r>
+              <a:rPr lang="en-US" b="1" i="1" dirty="0" smtClean="0"/>
+              <a:t>pagecode.txt</a:t>
+            </a:r>
+            <a:r>
+              <a:rPr lang="en-US" dirty="0" smtClean="0"/>
+              <a:t> grabs the HTML code from the URL associated to the word and puts the entire code in a .txt file named </a:t>
+            </a:r>
+            <a:r>
+              <a:rPr lang="en-US" b="1" i="1" dirty="0" smtClean="0"/>
+              <a:t>pagecode.txt</a:t>
+            </a:r>
+            <a:r>
+              <a:rPr lang="en-US" dirty="0" smtClean="0"/>
+              <a:t>.</a:t>
+            </a:r>
+            <a:endParaRPr lang="en-US" b="1" i="1" dirty="0" smtClean="0"/>
+          </a:p>
+          <a:p>
+            <a:pPr lvl="1"/>
+            <a:r>
+              <a:rPr lang="en-US" dirty="0" smtClean="0"/>
+              <a:t>Delete blank lines to make the web-scraping easier</a:t>
+            </a:r>
+          </a:p>
+          <a:p>
+            <a:pPr lvl="2"/>
+            <a:r>
+              <a:rPr lang="en-US" dirty="0" smtClean="0"/>
+              <a:t>We used the command </a:t>
+            </a:r>
+            <a:r>
+              <a:rPr lang="en-US" b="1" i="1" dirty="0" err="1" smtClean="0"/>
+              <a:t>tr</a:t>
+            </a:r>
+            <a:r>
+              <a:rPr lang="en-US" dirty="0" smtClean="0"/>
+              <a:t> to delete blank lines with the flag –d.</a:t>
+            </a:r>
+          </a:p>
+          <a:p>
+            <a:pPr lvl="1"/>
+            <a:r>
+              <a:rPr lang="en-US" dirty="0" smtClean="0"/>
+              <a:t>Get all definitions of the word in the code page</a:t>
+            </a:r>
+          </a:p>
+          <a:p>
+            <a:pPr lvl="2"/>
+            <a:r>
+              <a:rPr lang="en-US" dirty="0" smtClean="0"/>
+              <a:t>Thanks to the two commands </a:t>
+            </a:r>
+            <a:r>
+              <a:rPr lang="en-US" b="1" i="1" dirty="0" err="1" smtClean="0"/>
+              <a:t>sed</a:t>
+            </a:r>
+            <a:r>
+              <a:rPr lang="en-US" dirty="0" smtClean="0"/>
+              <a:t> and </a:t>
+            </a:r>
+            <a:r>
+              <a:rPr lang="en-US" b="1" i="1" dirty="0" err="1" smtClean="0"/>
+              <a:t>grep</a:t>
+            </a:r>
+            <a:r>
+              <a:rPr lang="en-US" dirty="0" smtClean="0"/>
+              <a:t>, we’ve isolate the tags that interested us for finding the meanings of the word, such as </a:t>
+            </a:r>
+            <a:r>
+              <a:rPr lang="en-US" b="1" i="1" dirty="0" smtClean="0"/>
+              <a:t>&lt;span class=“iteration”&gt;&lt;/span&gt; </a:t>
+            </a:r>
+            <a:r>
+              <a:rPr lang="en-US" dirty="0" smtClean="0"/>
+              <a:t>and</a:t>
+            </a:r>
+            <a:r>
+              <a:rPr lang="en-US" b="1" i="1" dirty="0" smtClean="0"/>
+              <a:t> &lt;span class=“definition”&gt;&lt;/span&gt;</a:t>
+            </a:r>
+            <a:r>
+              <a:rPr lang="en-US" dirty="0"/>
+              <a:t>.</a:t>
+            </a:r>
+            <a:endParaRPr lang="en-US" b="1" i="1" dirty="0" smtClean="0"/>
+          </a:p>
+        </p:txBody>
+      </p:sp>
+      <p:sp>
+        <p:nvSpPr>
+          <p:cNvPr id="4" name="Espace réservé du numéro de diapositive 3"/>
+          <p:cNvSpPr>
+            <a:spLocks noGrp="1"/>
+          </p:cNvSpPr>
+          <p:nvPr>
+            <p:ph type="sldNum" sz="quarter" idx="12"/>
+          </p:nvPr>
+        </p:nvSpPr>
+        <p:spPr/>
+        <p:txBody>
+          <a:bodyPr/>
+          <a:lstStyle/>
+          <a:p>
+            <a:fld id="{6E2D2B3B-882E-40F3-A32F-6DD516915044}" type="slidenum">
+              <a:rPr lang="en-US" smtClean="0"/>
+              <a:pPr/>
+              <a:t>13</a:t>
+            </a:fld>
+            <a:endParaRPr lang="en-US"/>
+          </a:p>
+        </p:txBody>
+      </p:sp>
+    </p:spTree>
+    <p:extLst>
+      <p:ext uri="{BB962C8B-B14F-4D97-AF65-F5344CB8AC3E}">
+        <p14:creationId xmlns:p14="http://schemas.microsoft.com/office/powerpoint/2010/main" xmlns="" val="3308289681"/>
+      </p:ext>
+    </p:extLst>
+  </p:cSld>
+  <p:clrMapOvr>
+    <a:masterClrMapping/>
+  </p:clrMapOvr>
+  <p:timing>
+    <p:tnLst>
+      <p:par>
+        <p:cTn id="1" dur="indefinite" restart="never" nodeType="tmRoot"/>
+      </p:par>
+    </p:tnLst>
+  </p:timing>
+</p:sld>
+</file>
+
+<file path=ppt/slides/slide14.xml><?xml version="1.0" encoding="utf-8"?>
+<p:sld xmlns:a="http://schemas.openxmlformats.org/drawingml/2006/main" xmlns:r="http://schemas.openxmlformats.org/officeDocument/2006/relationships" xmlns:p="http://schemas.openxmlformats.org/presentationml/2006/main">
+  <p:cSld>
+    <p:spTree>
+      <p:nvGrpSpPr>
+        <p:cNvPr id="1" name=""/>
+        <p:cNvGrpSpPr/>
+        <p:nvPr/>
+      </p:nvGrpSpPr>
+      <p:grpSpPr>
+        <a:xfrm>
+          <a:off x="0" y="0"/>
+          <a:ext cx="0" cy="0"/>
+          <a:chOff x="0" y="0"/>
+          <a:chExt cx="0" cy="0"/>
+        </a:xfrm>
+      </p:grpSpPr>
+      <p:sp>
+        <p:nvSpPr>
+          <p:cNvPr id="2" name="Titre 1"/>
+          <p:cNvSpPr>
+            <a:spLocks noGrp="1"/>
+          </p:cNvSpPr>
+          <p:nvPr>
+            <p:ph type="title"/>
+          </p:nvPr>
+        </p:nvSpPr>
+        <p:spPr/>
+        <p:txBody>
+          <a:bodyPr/>
+          <a:lstStyle/>
+          <a:p>
+            <a:r>
+              <a:rPr lang="fr-FR" u="sng" dirty="0" smtClean="0"/>
+              <a:t>III.4 Structure of the program</a:t>
+            </a:r>
+            <a:endParaRPr lang="fr-FR" u="sng" dirty="0"/>
+          </a:p>
+        </p:txBody>
+      </p:sp>
+      <p:sp>
+        <p:nvSpPr>
+          <p:cNvPr id="3" name="Espace réservé du contenu 2"/>
+          <p:cNvSpPr>
+            <a:spLocks noGrp="1"/>
+          </p:cNvSpPr>
+          <p:nvPr>
+            <p:ph idx="1"/>
+          </p:nvPr>
+        </p:nvSpPr>
+        <p:spPr/>
+        <p:txBody>
+          <a:bodyPr>
+            <a:normAutofit/>
+          </a:bodyPr>
+          <a:lstStyle/>
+          <a:p>
+            <a:r>
+              <a:rPr lang="en-US" dirty="0" smtClean="0"/>
+              <a:t>Structure of the program (second part)</a:t>
+            </a:r>
+          </a:p>
+          <a:p>
+            <a:pPr lvl="1"/>
+            <a:r>
+              <a:rPr lang="en-US" dirty="0" smtClean="0"/>
+              <a:t>Delete links which can be contained in some definitions</a:t>
+            </a:r>
+          </a:p>
+          <a:p>
+            <a:pPr lvl="2"/>
+            <a:r>
+              <a:rPr lang="en-US" dirty="0" smtClean="0"/>
+              <a:t>We’ve used the command </a:t>
+            </a:r>
+            <a:r>
+              <a:rPr lang="en-US" b="1" i="1" dirty="0" err="1" smtClean="0"/>
+              <a:t>sed</a:t>
+            </a:r>
+            <a:r>
+              <a:rPr lang="en-US" dirty="0" smtClean="0"/>
+              <a:t> with its replace function to do this.</a:t>
+            </a:r>
+          </a:p>
+          <a:p>
+            <a:pPr lvl="1"/>
+            <a:r>
+              <a:rPr lang="en-US" dirty="0" smtClean="0"/>
+              <a:t>Read the content of the file containing the definitions and print them for the user in the terminal</a:t>
+            </a:r>
+          </a:p>
+          <a:p>
+            <a:pPr lvl="2"/>
+            <a:r>
+              <a:rPr lang="en-US" dirty="0" smtClean="0"/>
+              <a:t>Using a loop, we read the lines of the file and print it for the user.</a:t>
+            </a:r>
+          </a:p>
+          <a:p>
+            <a:pPr lvl="1"/>
+            <a:r>
+              <a:rPr lang="en-US" dirty="0" smtClean="0"/>
+              <a:t>Delete all the files used for the program</a:t>
+            </a:r>
+          </a:p>
+          <a:p>
+            <a:pPr lvl="2"/>
+            <a:r>
+              <a:rPr lang="en-US" dirty="0" smtClean="0"/>
+              <a:t>Made using the command </a:t>
+            </a:r>
+            <a:r>
+              <a:rPr lang="en-US" b="1" i="1" dirty="0" smtClean="0"/>
+              <a:t>rm</a:t>
+            </a:r>
+            <a:r>
+              <a:rPr lang="en-US" dirty="0" smtClean="0"/>
+              <a:t>.</a:t>
+            </a:r>
+            <a:endParaRPr lang="en-US" dirty="0"/>
+          </a:p>
+        </p:txBody>
+      </p:sp>
+      <p:sp>
+        <p:nvSpPr>
+          <p:cNvPr id="4" name="Espace réservé du numéro de diapositive 3"/>
+          <p:cNvSpPr>
+            <a:spLocks noGrp="1"/>
+          </p:cNvSpPr>
+          <p:nvPr>
+            <p:ph type="sldNum" sz="quarter" idx="12"/>
+          </p:nvPr>
+        </p:nvSpPr>
+        <p:spPr/>
+        <p:txBody>
+          <a:bodyPr/>
+          <a:lstStyle/>
+          <a:p>
+            <a:fld id="{6E2D2B3B-882E-40F3-A32F-6DD516915044}" type="slidenum">
+              <a:rPr lang="en-US" smtClean="0"/>
+              <a:pPr/>
+              <a:t>14</a:t>
+            </a:fld>
+            <a:endParaRPr lang="en-US"/>
+          </a:p>
+        </p:txBody>
+      </p:sp>
+    </p:spTree>
+    <p:extLst>
+      <p:ext uri="{BB962C8B-B14F-4D97-AF65-F5344CB8AC3E}">
+        <p14:creationId xmlns:p14="http://schemas.microsoft.com/office/powerpoint/2010/main" xmlns="" val="1790727383"/>
+      </p:ext>
+    </p:extLst>
+  </p:cSld>
+  <p:clrMapOvr>
+    <a:masterClrMapping/>
+  </p:clrMapOvr>
+  <p:timing>
+    <p:tnLst>
+      <p:par>
+        <p:cTn id="1" dur="indefinite" restart="never" nodeType="tmRoot"/>
+      </p:par>
+    </p:tnLst>
+  </p:timing>
+</p:sld>
+</file>
+
+<file path=ppt/slides/slide15.xml><?xml version="1.0" encoding="utf-8"?>
+<p:sld xmlns:a="http://schemas.openxmlformats.org/drawingml/2006/main" xmlns:r="http://schemas.openxmlformats.org/officeDocument/2006/relationships" xmlns:p="http://schemas.openxmlformats.org/presentationml/2006/main">
+  <p:cSld>
+    <p:spTree>
+      <p:nvGrpSpPr>
+        <p:cNvPr id="1" name=""/>
+        <p:cNvGrpSpPr/>
+        <p:nvPr/>
+      </p:nvGrpSpPr>
+      <p:grpSpPr>
+        <a:xfrm>
+          <a:off x="0" y="0"/>
+          <a:ext cx="0" cy="0"/>
+          <a:chOff x="0" y="0"/>
+          <a:chExt cx="0" cy="0"/>
+        </a:xfrm>
+      </p:grpSpPr>
+      <p:sp>
+        <p:nvSpPr>
+          <p:cNvPr id="2" name="Titre 1"/>
+          <p:cNvSpPr>
+            <a:spLocks noGrp="1"/>
+          </p:cNvSpPr>
+          <p:nvPr>
+            <p:ph type="title"/>
+          </p:nvPr>
+        </p:nvSpPr>
+        <p:spPr/>
+        <p:txBody>
+          <a:bodyPr/>
+          <a:lstStyle/>
+          <a:p>
+            <a:r>
+              <a:rPr lang="fr-FR" u="sng" dirty="0" smtClean="0"/>
+              <a:t>III.5 </a:t>
+            </a:r>
+            <a:r>
+              <a:rPr lang="fr-FR" u="sng" dirty="0" err="1" smtClean="0"/>
+              <a:t>Result</a:t>
+            </a:r>
+            <a:endParaRPr lang="fr-FR" u="sng" dirty="0"/>
+          </a:p>
+        </p:txBody>
+      </p:sp>
+      <p:pic>
+        <p:nvPicPr>
+          <p:cNvPr id="5" name="Espace réservé du contenu 4"/>
+          <p:cNvPicPr>
+            <a:picLocks noGrp="1" noChangeAspect="1"/>
+          </p:cNvPicPr>
+          <p:nvPr>
+            <p:ph idx="1"/>
+          </p:nvPr>
+        </p:nvPicPr>
+        <p:blipFill rotWithShape="1">
+          <a:blip r:embed="rId2" cstate="print">
+            <a:extLst>
+              <a:ext uri="{28A0092B-C50C-407E-A947-70E740481C1C}">
+                <a14:useLocalDpi xmlns:a14="http://schemas.microsoft.com/office/drawing/2010/main" xmlns="" val="0"/>
+              </a:ext>
+            </a:extLst>
+          </a:blip>
+          <a:srcRect l="511"/>
+          <a:stretch/>
+        </p:blipFill>
+        <p:spPr>
+          <a:xfrm>
+            <a:off x="731519" y="1600200"/>
+            <a:ext cx="7107869" cy="4800600"/>
+          </a:xfrm>
+          <a:ln>
+            <a:solidFill>
+              <a:schemeClr val="accent1"/>
+            </a:solidFill>
+          </a:ln>
+        </p:spPr>
+      </p:pic>
+      <p:sp>
+        <p:nvSpPr>
+          <p:cNvPr id="4" name="Espace réservé du numéro de diapositive 3"/>
+          <p:cNvSpPr>
+            <a:spLocks noGrp="1"/>
+          </p:cNvSpPr>
+          <p:nvPr>
+            <p:ph type="sldNum" sz="quarter" idx="12"/>
+          </p:nvPr>
+        </p:nvSpPr>
+        <p:spPr/>
+        <p:txBody>
+          <a:bodyPr/>
+          <a:lstStyle/>
+          <a:p>
+            <a:fld id="{6E2D2B3B-882E-40F3-A32F-6DD516915044}" type="slidenum">
+              <a:rPr lang="en-US" smtClean="0"/>
+              <a:pPr/>
+              <a:t>15</a:t>
+            </a:fld>
+            <a:endParaRPr lang="en-US"/>
+          </a:p>
+        </p:txBody>
+      </p:sp>
+    </p:spTree>
+    <p:extLst>
+      <p:ext uri="{BB962C8B-B14F-4D97-AF65-F5344CB8AC3E}">
+        <p14:creationId xmlns:p14="http://schemas.microsoft.com/office/powerpoint/2010/main" xmlns="" val="1886708745"/>
+      </p:ext>
+    </p:extLst>
+  </p:cSld>
+  <p:clrMapOvr>
+    <a:masterClrMapping/>
+  </p:clrMapOvr>
+  <p:timing>
+    <p:tnLst>
+      <p:par>
+        <p:cTn id="1" dur="indefinite" restart="never" nodeType="tmRoot"/>
+      </p:par>
+    </p:tnLst>
+  </p:timing>
+</p:sld>
+</file>
+
+<file path=ppt/slides/slide16.xml><?xml version="1.0" encoding="utf-8"?>
+<p:sld xmlns:a="http://schemas.openxmlformats.org/drawingml/2006/main" xmlns:r="http://schemas.openxmlformats.org/officeDocument/2006/relationships" xmlns:p="http://schemas.openxmlformats.org/presentationml/2006/main">
+  <p:cSld>
+    <p:spTree>
+      <p:nvGrpSpPr>
+        <p:cNvPr id="1" name=""/>
+        <p:cNvGrpSpPr/>
+        <p:nvPr/>
+      </p:nvGrpSpPr>
+      <p:grpSpPr>
+        <a:xfrm>
+          <a:off x="0" y="0"/>
+          <a:ext cx="0" cy="0"/>
+          <a:chOff x="0" y="0"/>
+          <a:chExt cx="0" cy="0"/>
+        </a:xfrm>
+      </p:grpSpPr>
+      <p:sp>
+        <p:nvSpPr>
+          <p:cNvPr id="2" name="Titre 1"/>
+          <p:cNvSpPr>
+            <a:spLocks noGrp="1"/>
+          </p:cNvSpPr>
+          <p:nvPr>
+            <p:ph type="title"/>
+          </p:nvPr>
+        </p:nvSpPr>
+        <p:spPr/>
+        <p:txBody>
+          <a:bodyPr/>
+          <a:lstStyle/>
+          <a:p>
+            <a:r>
+              <a:rPr lang="fr-FR" u="sng" dirty="0" smtClean="0"/>
+              <a:t>IV. Conclusion</a:t>
+            </a:r>
+            <a:endParaRPr lang="fr-FR" u="sng" dirty="0"/>
+          </a:p>
+        </p:txBody>
+      </p:sp>
+      <p:sp>
+        <p:nvSpPr>
+          <p:cNvPr id="4" name="Espace réservé du numéro de diapositive 3"/>
+          <p:cNvSpPr>
+            <a:spLocks noGrp="1"/>
+          </p:cNvSpPr>
+          <p:nvPr>
+            <p:ph type="sldNum" sz="quarter" idx="12"/>
+          </p:nvPr>
+        </p:nvSpPr>
+        <p:spPr/>
+        <p:txBody>
+          <a:bodyPr/>
+          <a:lstStyle/>
+          <a:p>
+            <a:fld id="{6E2D2B3B-882E-40F3-A32F-6DD516915044}" type="slidenum">
+              <a:rPr lang="en-US" smtClean="0"/>
+              <a:pPr/>
+              <a:t>16</a:t>
+            </a:fld>
+            <a:endParaRPr lang="en-US"/>
+          </a:p>
+        </p:txBody>
+      </p:sp>
+    </p:spTree>
+    <p:extLst>
+      <p:ext uri="{BB962C8B-B14F-4D97-AF65-F5344CB8AC3E}">
+        <p14:creationId xmlns:p14="http://schemas.microsoft.com/office/powerpoint/2010/main" xmlns="" val="392590380"/>
+      </p:ext>
+    </p:extLst>
+  </p:cSld>
+  <p:clrMapOvr>
+    <a:masterClrMapping/>
+  </p:clrMapOvr>
+  <p:timing>
+    <p:tnLst>
+      <p:par>
+        <p:cTn id="1" dur="indefinite" restart="never" nodeType="tmRoot"/>
+      </p:par>
+    </p:tnLst>
+  </p:timing>
+</p:sld>
+</file>
+
+<file path=ppt/slides/slide17.xml><?xml version="1.0" encoding="utf-8"?>
+<p:sld xmlns:a="http://schemas.openxmlformats.org/drawingml/2006/main" xmlns:r="http://schemas.openxmlformats.org/officeDocument/2006/relationships" xmlns:p="http://schemas.openxmlformats.org/presentationml/2006/main">
+  <p:cSld>
+    <p:spTree>
+      <p:nvGrpSpPr>
+        <p:cNvPr id="1" name=""/>
+        <p:cNvGrpSpPr/>
+        <p:nvPr/>
+      </p:nvGrpSpPr>
+      <p:grpSpPr>
+        <a:xfrm>
+          <a:off x="0" y="0"/>
+          <a:ext cx="0" cy="0"/>
+          <a:chOff x="0" y="0"/>
+          <a:chExt cx="0" cy="0"/>
+        </a:xfrm>
+      </p:grpSpPr>
+      <p:sp>
+        <p:nvSpPr>
+          <p:cNvPr id="5" name="Titre 4"/>
+          <p:cNvSpPr>
+            <a:spLocks noGrp="1"/>
+          </p:cNvSpPr>
+          <p:nvPr>
+            <p:ph type="title"/>
+          </p:nvPr>
+        </p:nvSpPr>
+        <p:spPr/>
+        <p:txBody>
+          <a:bodyPr/>
+          <a:lstStyle/>
+          <a:p>
+            <a:r>
+              <a:rPr lang="fr-FR" u="sng" dirty="0" smtClean="0"/>
+              <a:t>IV. Conclusion</a:t>
+            </a:r>
+            <a:endParaRPr lang="fr-FR" u="sng" dirty="0"/>
+          </a:p>
+        </p:txBody>
+      </p:sp>
+      <p:sp>
+        <p:nvSpPr>
+          <p:cNvPr id="6" name="Espace réservé du contenu 5"/>
+          <p:cNvSpPr>
+            <a:spLocks noGrp="1"/>
+          </p:cNvSpPr>
+          <p:nvPr>
+            <p:ph idx="1"/>
+          </p:nvPr>
+        </p:nvSpPr>
+        <p:spPr/>
+        <p:txBody>
+          <a:bodyPr/>
+          <a:lstStyle/>
+          <a:p>
+            <a:pPr algn="just"/>
+            <a:r>
+              <a:rPr lang="en-US" dirty="0">
+                <a:latin typeface="Calibri" pitchFamily="34" charset="0"/>
+              </a:rPr>
+              <a:t>At the end of this project a user is now able to find definitions </a:t>
+            </a:r>
+            <a:r>
+              <a:rPr lang="en-US" dirty="0" smtClean="0">
+                <a:latin typeface="Calibri" pitchFamily="34" charset="0"/>
+              </a:rPr>
+              <a:t>of words </a:t>
+            </a:r>
+            <a:r>
+              <a:rPr lang="en-US" dirty="0">
+                <a:latin typeface="Calibri" pitchFamily="34" charset="0"/>
+              </a:rPr>
+              <a:t>in both online and off line </a:t>
+            </a:r>
+            <a:r>
+              <a:rPr lang="en-US" dirty="0" smtClean="0">
+                <a:latin typeface="Calibri" pitchFamily="34" charset="0"/>
+              </a:rPr>
+              <a:t>dictionaries. </a:t>
+            </a:r>
+          </a:p>
+          <a:p>
+            <a:pPr algn="just"/>
+            <a:r>
+              <a:rPr lang="en-US" dirty="0" smtClean="0">
+                <a:latin typeface="Calibri" pitchFamily="34" charset="0"/>
+              </a:rPr>
+              <a:t>This </a:t>
+            </a:r>
+            <a:r>
+              <a:rPr lang="en-US" dirty="0">
+                <a:latin typeface="Calibri" pitchFamily="34" charset="0"/>
+              </a:rPr>
+              <a:t>experience allowed us to use what we learned </a:t>
+            </a:r>
+            <a:r>
+              <a:rPr lang="en-US" dirty="0" smtClean="0">
+                <a:latin typeface="Calibri" pitchFamily="34" charset="0"/>
+              </a:rPr>
+              <a:t>theoretically </a:t>
+            </a:r>
+            <a:r>
+              <a:rPr lang="en-US" dirty="0">
+                <a:latin typeface="Calibri" pitchFamily="34" charset="0"/>
+              </a:rPr>
+              <a:t>during this class</a:t>
+            </a:r>
+            <a:r>
+              <a:rPr lang="en-US" dirty="0" smtClean="0">
+                <a:latin typeface="Calibri" pitchFamily="34" charset="0"/>
+              </a:rPr>
+              <a:t>. </a:t>
+            </a:r>
+          </a:p>
+          <a:p>
+            <a:pPr algn="just"/>
+            <a:r>
+              <a:rPr lang="en-US" dirty="0" smtClean="0">
+                <a:latin typeface="Calibri" pitchFamily="34" charset="0"/>
+              </a:rPr>
+              <a:t>More </a:t>
+            </a:r>
+            <a:r>
+              <a:rPr lang="en-US" dirty="0">
+                <a:latin typeface="Calibri" pitchFamily="34" charset="0"/>
+              </a:rPr>
+              <a:t>details about the code lines are presented above</a:t>
+            </a:r>
+            <a:r>
+              <a:rPr lang="en-US" dirty="0" smtClean="0">
+                <a:latin typeface="Calibri" pitchFamily="34" charset="0"/>
+              </a:rPr>
+              <a:t>. </a:t>
+            </a:r>
+          </a:p>
+          <a:p>
+            <a:pPr algn="just"/>
+            <a:r>
+              <a:rPr lang="en-US" dirty="0" smtClean="0">
+                <a:latin typeface="Calibri" pitchFamily="34" charset="0"/>
+              </a:rPr>
+              <a:t>If </a:t>
+            </a:r>
+            <a:r>
+              <a:rPr lang="en-US" dirty="0">
+                <a:latin typeface="Calibri" pitchFamily="34" charset="0"/>
+              </a:rPr>
+              <a:t>we had more time we would have liked to create a graphic interface. </a:t>
+            </a:r>
+            <a:endParaRPr lang="en-US" dirty="0" smtClean="0">
+              <a:latin typeface="Calibri" pitchFamily="34" charset="0"/>
+            </a:endParaRPr>
+          </a:p>
+          <a:p>
+            <a:pPr algn="just"/>
+            <a:r>
+              <a:rPr lang="en-US" dirty="0" smtClean="0">
+                <a:latin typeface="Calibri" pitchFamily="34" charset="0"/>
+              </a:rPr>
+              <a:t>An </a:t>
+            </a:r>
+            <a:r>
+              <a:rPr lang="en-US" dirty="0">
+                <a:latin typeface="Calibri" pitchFamily="34" charset="0"/>
+              </a:rPr>
+              <a:t>other implementation could have been to send a mail to a </a:t>
+            </a:r>
+            <a:r>
+              <a:rPr lang="en-US" dirty="0" smtClean="0">
+                <a:latin typeface="Calibri" pitchFamily="34" charset="0"/>
+              </a:rPr>
+              <a:t>web </a:t>
+            </a:r>
+            <a:r>
+              <a:rPr lang="en-US" dirty="0">
+                <a:latin typeface="Calibri" pitchFamily="34" charset="0"/>
+              </a:rPr>
+              <a:t>service that will call the dictionary and receive a mail </a:t>
+            </a:r>
+            <a:r>
+              <a:rPr lang="en-US" dirty="0" smtClean="0">
+                <a:latin typeface="Calibri" pitchFamily="34" charset="0"/>
+              </a:rPr>
+              <a:t>back with </a:t>
+            </a:r>
+            <a:r>
+              <a:rPr lang="en-US" dirty="0">
+                <a:latin typeface="Calibri" pitchFamily="34" charset="0"/>
+              </a:rPr>
+              <a:t>the definition of the word.</a:t>
+            </a:r>
+            <a:endParaRPr lang="fr-FR" dirty="0">
+              <a:latin typeface="Calibri" pitchFamily="34" charset="0"/>
+            </a:endParaRPr>
+          </a:p>
+          <a:p>
+            <a:endParaRPr lang="fr-FR" dirty="0"/>
+          </a:p>
+        </p:txBody>
+      </p:sp>
+      <p:sp>
+        <p:nvSpPr>
+          <p:cNvPr id="4" name="Espace réservé du numéro de diapositive 3"/>
+          <p:cNvSpPr>
+            <a:spLocks noGrp="1"/>
+          </p:cNvSpPr>
+          <p:nvPr>
+            <p:ph type="sldNum" sz="quarter" idx="12"/>
+          </p:nvPr>
+        </p:nvSpPr>
+        <p:spPr/>
+        <p:txBody>
+          <a:bodyPr/>
+          <a:lstStyle/>
+          <a:p>
+            <a:fld id="{6E2D2B3B-882E-40F3-A32F-6DD516915044}" type="slidenum">
+              <a:rPr lang="en-US" smtClean="0"/>
+              <a:pPr/>
+              <a:t>17</a:t>
+            </a:fld>
+            <a:endParaRPr lang="en-US"/>
+          </a:p>
+        </p:txBody>
+      </p:sp>
+    </p:spTree>
+    <p:extLst>
+      <p:ext uri="{BB962C8B-B14F-4D97-AF65-F5344CB8AC3E}">
+        <p14:creationId xmlns:p14="http://schemas.microsoft.com/office/powerpoint/2010/main" xmlns="" val="3939461433"/>
+      </p:ext>
+    </p:extLst>
+  </p:cSld>
+  <p:clrMapOvr>
+    <a:masterClrMapping/>
+  </p:clrMapOvr>
+  <p:timing>
+    <p:tnLst>
+      <p:par>
+        <p:cTn id="1" dur="indefinite" restart="never" nodeType="tmRoot"/>
+      </p:par>
+    </p:tnLst>
+  </p:timing>
 </p:sld>
 </file>
 
@@ -3891,7 +5200,7 @@
           <a:p>
             <a:r>
               <a:rPr lang="fr-FR" u="sng" dirty="0" smtClean="0"/>
-              <a:t>Table of Contents</a:t>
+              <a:t>Table of contents</a:t>
             </a:r>
             <a:endParaRPr lang="fr-FR" u="sng" dirty="0"/>
           </a:p>
@@ -3918,7 +5227,7 @@
             </a:r>
             <a:r>
               <a:rPr lang="fr-FR" dirty="0" err="1" smtClean="0"/>
-              <a:t>Presentation</a:t>
+              <a:t>presentation</a:t>
             </a:r>
             <a:endParaRPr lang="fr-FR" dirty="0" smtClean="0"/>
           </a:p>
@@ -3933,7 +5242,7 @@
             </a:r>
             <a:r>
               <a:rPr lang="fr-FR" dirty="0" smtClean="0"/>
-              <a:t> – Off line </a:t>
+              <a:t>: offline </a:t>
             </a:r>
             <a:r>
               <a:rPr lang="fr-FR" dirty="0" err="1" smtClean="0"/>
@@ -3957,7 +5266,7 @@
             </a:r>
             <a:r>
               <a:rPr lang="fr-FR" dirty="0" err="1" smtClean="0"/>
-              <a:t>Presentation</a:t>
+              <a:t>presentation</a:t>
             </a:r>
             <a:endParaRPr lang="fr-FR" dirty="0" smtClean="0"/>
           </a:p>
@@ -3965,26 +5274,66 @@
             <a:pPr lvl="1"/>
             <a:r>
               <a:rPr lang="fr-FR" dirty="0" smtClean="0"/>
-              <a:t>2) </a:t>
+              <a:t>2) How to </a:t>
+            </a:r>
+            <a:r>
+              <a:rPr lang="fr-FR" dirty="0" err="1" smtClean="0"/>
+              <a:t>install</a:t>
+            </a:r>
+            <a:r>
+              <a:rPr lang="fr-FR" dirty="0" smtClean="0"/>
+              <a:t> </a:t>
             </a:r>
             <a:r>
               <a:rPr lang="fr-FR" dirty="0" err="1" smtClean="0"/>
               <a:t>Stardict</a:t>
             </a:r>
+            <a:endParaRPr lang="fr-FR" dirty="0" smtClean="0"/>
+          </a:p>
+          <a:p>
+            <a:pPr lvl="1"/>
+            <a:r>
+              <a:rPr lang="fr-FR" dirty="0" smtClean="0"/>
+              <a:t>3) How to </a:t>
+            </a:r>
+            <a:r>
+              <a:rPr lang="fr-FR" dirty="0" err="1" smtClean="0"/>
+              <a:t>launch</a:t>
+            </a:r>
             <a:r>
               <a:rPr lang="fr-FR" dirty="0" smtClean="0"/>
               <a:t> </a:t>
             </a:r>
             <a:r>
               <a:rPr lang="fr-FR" dirty="0" err="1" smtClean="0"/>
-              <a:t>Launch</a:t>
+              <a:t>Stardict</a:t>
+            </a:r>
+            <a:endParaRPr lang="fr-FR" dirty="0"/>
+          </a:p>
+          <a:p>
+            <a:r>
+              <a:rPr lang="fr-FR" dirty="0" smtClean="0"/>
+              <a:t>III. </a:t>
+            </a:r>
+            <a:r>
+              <a:rPr lang="fr-FR" dirty="0" err="1" smtClean="0"/>
+              <a:t>Shelldict</a:t>
+            </a:r>
+            <a:r>
+              <a:rPr lang="fr-FR" dirty="0" smtClean="0"/>
+              <a:t>: online </a:t>
+            </a:r>
+            <a:r>
+              <a:rPr lang="fr-FR" dirty="0" err="1" smtClean="0"/>
+              <a:t>dictionary</a:t>
             </a:r>
             <a:endParaRPr lang="fr-FR" dirty="0" smtClean="0"/>
           </a:p>
           <a:p>
-            <a:r>
-              <a:rPr lang="fr-FR" dirty="0" smtClean="0"/>
-              <a:t>III. </a:t>
+            <a:pPr lvl="1"/>
+            <a:r>
+              <a:rPr lang="fr-FR" dirty="0" smtClean="0"/>
+              <a:t>1) </a:t>
             </a:r>
             <a:r>
               <a:rPr lang="fr-FR" dirty="0" err="1" smtClean="0"/>
@@ -3992,11 +5341,11 @@
             </a:r>
             <a:r>
               <a:rPr lang="fr-FR" dirty="0" smtClean="0"/>
-              <a:t> – On line </a:t>
-            </a:r>
-            <a:r>
-              <a:rPr lang="fr-FR" dirty="0" err="1" smtClean="0"/>
-              <a:t>dictionary</a:t>
+              <a:t> </a:t>
+            </a:r>
+            <a:r>
+              <a:rPr lang="fr-FR" dirty="0" err="1" smtClean="0"/>
+              <a:t>presentation</a:t>
             </a:r>
             <a:endParaRPr lang="fr-FR" dirty="0" smtClean="0"/>
           </a:p>
@@ -4004,19 +5353,11 @@
             <a:pPr lvl="1"/>
             <a:r>
               <a:rPr lang="fr-FR" dirty="0" smtClean="0"/>
-              <a:t>1) </a:t>
-            </a:r>
-            <a:r>
-              <a:rPr lang="fr-FR" dirty="0" err="1" smtClean="0"/>
-              <a:t>Shelldict</a:t>
-            </a:r>
-            <a:r>
-              <a:rPr lang="fr-FR" dirty="0" smtClean="0"/>
-              <a:t> </a:t>
-            </a:r>
-            <a:r>
-              <a:rPr lang="fr-FR" dirty="0" err="1" smtClean="0"/>
-              <a:t>Presentation</a:t>
+              <a:t>2) Main </a:t>
+            </a:r>
+            <a:r>
+              <a:rPr lang="fr-FR" dirty="0" err="1" smtClean="0"/>
+              <a:t>functions</a:t>
             </a:r>
             <a:endParaRPr lang="fr-FR" dirty="0" smtClean="0"/>
           </a:p>
@@ -4024,31 +5365,46 @@
             <a:pPr lvl="1"/>
             <a:r>
               <a:rPr lang="fr-FR" dirty="0" smtClean="0"/>
-              <a:t>2) </a:t>
-            </a:r>
-            <a:r>
-              <a:rPr lang="fr-FR" dirty="0" err="1" smtClean="0"/>
-              <a:t>Commands</a:t>
-            </a:r>
-            <a:r>
-              <a:rPr lang="fr-FR" dirty="0" smtClean="0"/>
-              <a:t> </a:t>
-            </a:r>
-            <a:r>
-              <a:rPr lang="fr-FR" dirty="0" err="1" smtClean="0"/>
-              <a:t>U</a:t>
-            </a:r>
-            <a:r>
-              <a:rPr lang="fr-FR" dirty="0" err="1" smtClean="0"/>
-              <a:t>sed</a:t>
+              <a:t>3) </a:t>
+            </a:r>
+            <a:r>
+              <a:rPr lang="fr-FR" dirty="0" err="1" smtClean="0"/>
+              <a:t>Problems</a:t>
+            </a:r>
+            <a:r>
+              <a:rPr lang="fr-FR" dirty="0" smtClean="0"/>
+              <a:t> and solutions</a:t>
+            </a:r>
+          </a:p>
+          <a:p>
+            <a:pPr lvl="1"/>
+            <a:r>
+              <a:rPr lang="fr-FR" dirty="0" smtClean="0"/>
+              <a:t>4) Structure of the program</a:t>
+            </a:r>
+          </a:p>
+          <a:p>
+            <a:pPr lvl="1"/>
+            <a:r>
+              <a:rPr lang="fr-FR" dirty="0" smtClean="0"/>
+              <a:t>5) </a:t>
+            </a:r>
+            <a:r>
+              <a:rPr lang="fr-FR" dirty="0" err="1" smtClean="0"/>
+              <a:t>Result</a:t>
             </a:r>
             <a:endParaRPr lang="fr-FR" dirty="0" smtClean="0"/>
           </a:p>
           <a:p>
             <a:r>
               <a:rPr lang="fr-FR" dirty="0" smtClean="0"/>
-              <a:t>Conclusion</a:t>
-            </a:r>
+              <a:t>IV. Conclusion</a:t>
+            </a:r>
+          </a:p>
+          <a:p>
+            <a:endParaRPr lang="fr-FR" dirty="0" smtClean="0"/>
+          </a:p>
+          <a:p>
             <a:endParaRPr lang="fr-FR" dirty="0"/>
           </a:p>
         </p:txBody>
@@ -4068,20 +5424,32 @@
           <a:bodyPr/>
           <a:lstStyle/>
           <a:p>
-            <a:fld id="{F11F904F-FEF2-4E2C-83CF-293F7ABA8B38}" type="slidenum">
-              <a:rPr lang="fr-FR" smtClean="0"/>
+            <a:fld id="{6E2D2B3B-882E-40F3-A32F-6DD516915044}" type="slidenum">
+              <a:rPr lang="en-US" smtClean="0"/>
               <a:pPr/>
               <a:t>2</a:t>
             </a:fld>
-            <a:endParaRPr lang="fr-FR"/>
+            <a:endParaRPr lang="en-US"/>
           </a:p>
         </p:txBody>
       </p:sp>
     </p:spTree>
+    <p:extLst>
+      <p:ext uri="{BB962C8B-B14F-4D97-AF65-F5344CB8AC3E}">
+        <p14:creationId xmlns:p14="http://schemas.microsoft.com/office/powerpoint/2010/main" xmlns="" val="1682134320"/>
+      </p:ext>
+    </p:extLst>
   </p:cSld>
   <p:clrMapOvr>
     <a:masterClrMapping/>
   </p:clrMapOvr>
+  <p:timing>
+    <p:tnLst>
+      <p:par>
+        <p:cTn id="1" dur="indefinite" restart="never" nodeType="tmRoot"/>
+      </p:par>
+    </p:tnLst>
+  </p:timing>
 </p:sld>
 </file>
 
@@ -4104,7 +5472,7 @@
       </p:grpSpPr>
       <p:sp>
         <p:nvSpPr>
-          <p:cNvPr id="2" name="Titre 1"/>
+          <p:cNvPr id="4" name="Titre 3"/>
           <p:cNvSpPr>
             <a:spLocks noGrp="1"/>
           </p:cNvSpPr>
@@ -4118,42 +5486,20 @@
           <a:lstStyle/>
           <a:p>
             <a:r>
-              <a:rPr lang="fr-FR" b="1" u="sng" dirty="0" smtClean="0"/>
+              <a:rPr lang="fr-FR" u="sng" dirty="0" smtClean="0"/>
               <a:t>I. Project </a:t>
             </a:r>
             <a:r>
-              <a:rPr lang="fr-FR" b="1" u="sng" dirty="0" err="1" smtClean="0"/>
+              <a:rPr lang="fr-FR" u="sng" dirty="0" err="1" smtClean="0"/>
               <a:t>Presentation</a:t>
             </a:r>
-            <a:endParaRPr lang="fr-FR" b="1" dirty="0"/>
-          </a:p>
-        </p:txBody>
-      </p:sp>
-      <p:sp>
-        <p:nvSpPr>
-          <p:cNvPr id="3" name="Espace réservé du texte 2"/>
-          <p:cNvSpPr>
-            <a:spLocks noGrp="1"/>
-          </p:cNvSpPr>
-          <p:nvPr>
-            <p:ph type="body" idx="1"/>
-          </p:nvPr>
-        </p:nvSpPr>
-        <p:spPr/>
-        <p:txBody>
-          <a:bodyPr/>
-          <a:lstStyle/>
-          <a:p>
-            <a:pPr marL="457200" indent="-457200">
-              <a:buAutoNum type="arabicParenR"/>
-            </a:pPr>
-            <a:endParaRPr lang="fr-FR" dirty="0" smtClean="0"/>
-          </a:p>
-        </p:txBody>
-      </p:sp>
-      <p:sp>
-        <p:nvSpPr>
-          <p:cNvPr id="4" name="Espace réservé du numéro de diapositive 3"/>
+            <a:endParaRPr lang="fr-FR" u="sng" dirty="0"/>
+          </a:p>
+        </p:txBody>
+      </p:sp>
+      <p:sp>
+        <p:nvSpPr>
+          <p:cNvPr id="6" name="Espace réservé du numéro de diapositive 5"/>
           <p:cNvSpPr>
             <a:spLocks noGrp="1"/>
           </p:cNvSpPr>
@@ -4166,20 +5512,32 @@
           <a:bodyPr/>
           <a:lstStyle/>
           <a:p>
-            <a:fld id="{F11F904F-FEF2-4E2C-83CF-293F7ABA8B38}" type="slidenum">
-              <a:rPr lang="fr-FR" smtClean="0"/>
+            <a:fld id="{6E2D2B3B-882E-40F3-A32F-6DD516915044}" type="slidenum">
+              <a:rPr lang="en-US" smtClean="0"/>
               <a:pPr/>
               <a:t>3</a:t>
             </a:fld>
-            <a:endParaRPr lang="fr-FR"/>
+            <a:endParaRPr lang="en-US"/>
           </a:p>
         </p:txBody>
       </p:sp>
     </p:spTree>
+    <p:extLst>
+      <p:ext uri="{BB962C8B-B14F-4D97-AF65-F5344CB8AC3E}">
+        <p14:creationId xmlns:p14="http://schemas.microsoft.com/office/powerpoint/2010/main" xmlns="" val="3498804249"/>
+      </p:ext>
+    </p:extLst>
   </p:cSld>
   <p:clrMapOvr>
     <a:masterClrMapping/>
   </p:clrMapOvr>
+  <p:timing>
+    <p:tnLst>
+      <p:par>
+        <p:cTn id="1" dur="indefinite" restart="never" nodeType="tmRoot"/>
+      </p:par>
+    </p:tnLst>
+  </p:timing>
 </p:sld>
 </file>
 
@@ -4202,7 +5560,7 @@
       </p:grpSpPr>
       <p:sp>
         <p:nvSpPr>
-          <p:cNvPr id="2" name="Titre 1"/>
+          <p:cNvPr id="4" name="Titre 3"/>
           <p:cNvSpPr>
             <a:spLocks noGrp="1"/>
           </p:cNvSpPr>
@@ -4216,63 +5574,47 @@
           <a:lstStyle/>
           <a:p>
             <a:r>
+              <a:rPr lang="fr-FR" u="sng" dirty="0" smtClean="0"/>
+              <a:t>I. Project </a:t>
+            </a:r>
+            <a:r>
               <a:rPr lang="fr-FR" u="sng" dirty="0" err="1" smtClean="0"/>
-              <a:t>Bash</a:t>
-            </a:r>
-            <a:r>
-              <a:rPr lang="fr-FR" u="sng" dirty="0" smtClean="0"/>
+              <a:t>presentation</a:t>
+            </a:r>
+            <a:endParaRPr lang="fr-FR" u="sng" dirty="0"/>
+          </a:p>
+        </p:txBody>
+      </p:sp>
+      <p:sp>
+        <p:nvSpPr>
+          <p:cNvPr id="5" name="Espace réservé du contenu 4"/>
+          <p:cNvSpPr>
+            <a:spLocks noGrp="1"/>
+          </p:cNvSpPr>
+          <p:nvPr>
+            <p:ph idx="1"/>
+          </p:nvPr>
+        </p:nvSpPr>
+        <p:spPr/>
+        <p:txBody>
+          <a:bodyPr/>
+          <a:lstStyle/>
+          <a:p>
+            <a:r>
+              <a:rPr lang="fr-FR" dirty="0" err="1" smtClean="0"/>
+              <a:t>We</a:t>
+            </a:r>
+            <a:r>
+              <a:rPr lang="fr-FR" dirty="0" smtClean="0"/>
               <a:t> </a:t>
             </a:r>
             <a:r>
-              <a:rPr lang="fr-FR" u="sng" dirty="0" err="1" smtClean="0"/>
-              <a:t>Dictionary</a:t>
-            </a:r>
-            <a:r>
-              <a:rPr lang="fr-FR" u="sng" dirty="0" smtClean="0"/>
-              <a:t> Project</a:t>
-            </a:r>
-            <a:endParaRPr lang="fr-FR" u="sng" dirty="0"/>
-          </a:p>
-        </p:txBody>
-      </p:sp>
-      <p:sp>
-        <p:nvSpPr>
-          <p:cNvPr id="3" name="Espace réservé du contenu 2"/>
-          <p:cNvSpPr>
-            <a:spLocks noGrp="1"/>
-          </p:cNvSpPr>
-          <p:nvPr>
-            <p:ph idx="1"/>
-          </p:nvPr>
-        </p:nvSpPr>
-        <p:spPr/>
-        <p:txBody>
-          <a:bodyPr/>
-          <a:lstStyle/>
-          <a:p>
-            <a:r>
-              <a:rPr lang="fr-FR" dirty="0" err="1" smtClean="0"/>
-              <a:t>We</a:t>
-            </a:r>
-            <a:r>
-              <a:rPr lang="fr-FR" dirty="0" smtClean="0"/>
-              <a:t> </a:t>
-            </a:r>
-            <a:r>
               <a:rPr lang="fr-FR" dirty="0" err="1" smtClean="0"/>
               <a:t>wanted</a:t>
             </a:r>
             <a:r>
               <a:rPr lang="fr-FR" dirty="0" smtClean="0"/>
-              <a:t> a </a:t>
-            </a:r>
-            <a:r>
-              <a:rPr lang="fr-FR" dirty="0" err="1" smtClean="0"/>
-              <a:t>userto</a:t>
-            </a:r>
-            <a:r>
-              <a:rPr lang="fr-FR" dirty="0" smtClean="0"/>
-              <a:t> </a:t>
+              <a:t> a user to </a:t>
             </a:r>
             <a:r>
               <a:rPr lang="fr-FR" dirty="0" err="1" smtClean="0"/>
@@ -4362,7 +5704,10 @@
               <a:rPr lang="fr-FR" b="1" dirty="0" err="1" smtClean="0"/>
               <a:t>dictionary</a:t>
             </a:r>
-            <a:endParaRPr lang="fr-FR" b="1" dirty="0" smtClean="0"/>
+            <a:r>
+              <a:rPr lang="fr-FR" dirty="0" smtClean="0"/>
+              <a:t>.</a:t>
+            </a:r>
           </a:p>
           <a:p>
             <a:r>
@@ -4406,20 +5751,15 @@
             <a:pPr lvl="1"/>
             <a:r>
               <a:rPr lang="fr-FR" b="1" dirty="0" smtClean="0"/>
-              <a:t>Off line</a:t>
+              <a:t>Offline</a:t>
             </a:r>
           </a:p>
           <a:p>
             <a:pPr lvl="1"/>
             <a:r>
-              <a:rPr lang="fr-FR" dirty="0" smtClean="0"/>
-              <a:t>And </a:t>
-            </a:r>
-            <a:r>
               <a:rPr lang="fr-FR" b="1" dirty="0" smtClean="0"/>
-              <a:t>online</a:t>
-            </a:r>
-            <a:endParaRPr lang="fr-FR" b="1" dirty="0" smtClean="0"/>
+              <a:t>Online</a:t>
+            </a:r>
           </a:p>
           <a:p>
             <a:r>
@@ -4448,7 +5788,7 @@
             </a:r>
             <a:r>
               <a:rPr lang="fr-FR" dirty="0" smtClean="0"/>
-              <a:t> , </a:t>
+              <a:t>, </a:t>
             </a:r>
             <a:r>
               <a:rPr lang="fr-FR" b="1" dirty="0" err="1" smtClean="0"/>
@@ -4485,7 +5825,7 @@
             <a:pPr lvl="1"/>
             <a:r>
               <a:rPr lang="fr-FR" dirty="0" smtClean="0"/>
-              <a:t>Use an </a:t>
+              <a:t>Use the </a:t>
             </a:r>
             <a:r>
               <a:rPr lang="fr-FR" dirty="0" err="1" smtClean="0"/>
@@ -4493,23 +5833,15 @@
             </a:r>
             <a:r>
               <a:rPr lang="fr-FR" dirty="0" smtClean="0"/>
-              <a:t> Linux OS </a:t>
-            </a:r>
-            <a:r>
-              <a:rPr lang="fr-FR" dirty="0" err="1" smtClean="0"/>
-              <a:t>off-line</a:t>
-            </a:r>
-            <a:r>
-              <a:rPr lang="fr-FR" dirty="0" smtClean="0"/>
+              <a:t> Linux OS offline </a:t>
+            </a:r>
+            <a:r>
+              <a:rPr lang="fr-FR" dirty="0" err="1" smtClean="0"/>
+              <a:t>dictionary</a:t>
+            </a:r>
+            <a:r>
+              <a:rPr lang="fr-FR" dirty="0"/>
               <a:t> </a:t>
-            </a:r>
-            <a:r>
-              <a:rPr lang="fr-FR" dirty="0" err="1" smtClean="0"/>
-              <a:t>dictionary</a:t>
-            </a:r>
-            <a:r>
-              <a:rPr lang="fr-FR" dirty="0" smtClean="0"/>
-              <a:t>: </a:t>
             </a:r>
             <a:r>
               <a:rPr lang="fr-FR" b="1" dirty="0" err="1" smtClean="0"/>
@@ -4545,11 +5877,11 @@
             </a:r>
             <a:r>
               <a:rPr lang="fr-FR" dirty="0" err="1" smtClean="0"/>
-              <a:t>bash</a:t>
-            </a:r>
-            <a:r>
-              <a:rPr lang="fr-FR" dirty="0" smtClean="0"/>
-              <a:t> application: </a:t>
+              <a:t>Bash</a:t>
+            </a:r>
+            <a:r>
+              <a:rPr lang="fr-FR" dirty="0" smtClean="0"/>
+              <a:t> application </a:t>
             </a:r>
             <a:r>
               <a:rPr lang="fr-FR" b="1" dirty="0" err="1" smtClean="0"/>
@@ -4583,8 +5915,8 @@
               <a:t> </a:t>
             </a:r>
             <a:r>
-              <a:rPr lang="fr-FR" b="1" dirty="0" smtClean="0"/>
-              <a:t>English</a:t>
+              <a:rPr lang="fr-FR" b="1" dirty="0" err="1" smtClean="0"/>
+              <a:t>english</a:t>
             </a:r>
             <a:r>
               <a:rPr lang="fr-FR" dirty="0" smtClean="0"/>
@@ -4594,13 +5926,13 @@
               <a:rPr lang="fr-FR" dirty="0" err="1" smtClean="0"/>
               <a:t>dictionaries</a:t>
             </a:r>
-            <a:endParaRPr lang="fr-FR" dirty="0" smtClean="0"/>
-          </a:p>
-        </p:txBody>
-      </p:sp>
-      <p:sp>
-        <p:nvSpPr>
-          <p:cNvPr id="4" name="Espace réservé du numéro de diapositive 3"/>
+            <a:endParaRPr lang="fr-FR" dirty="0"/>
+          </a:p>
+        </p:txBody>
+      </p:sp>
+      <p:sp>
+        <p:nvSpPr>
+          <p:cNvPr id="6" name="Espace réservé du numéro de diapositive 5"/>
           <p:cNvSpPr>
             <a:spLocks noGrp="1"/>
           </p:cNvSpPr>
@@ -4613,20 +5945,32 @@
           <a:bodyPr/>
           <a:lstStyle/>
           <a:p>
-            <a:fld id="{F11F904F-FEF2-4E2C-83CF-293F7ABA8B38}" type="slidenum">
-              <a:rPr lang="fr-FR" smtClean="0"/>
+            <a:fld id="{6E2D2B3B-882E-40F3-A32F-6DD516915044}" type="slidenum">
+              <a:rPr lang="en-US" smtClean="0"/>
               <a:pPr/>
               <a:t>4</a:t>
             </a:fld>
-            <a:endParaRPr lang="fr-FR"/>
+            <a:endParaRPr lang="en-US"/>
           </a:p>
         </p:txBody>
       </p:sp>
     </p:spTree>
+    <p:extLst>
+      <p:ext uri="{BB962C8B-B14F-4D97-AF65-F5344CB8AC3E}">
+        <p14:creationId xmlns:p14="http://schemas.microsoft.com/office/powerpoint/2010/main" xmlns="" val="2537812304"/>
+      </p:ext>
+    </p:extLst>
   </p:cSld>
   <p:clrMapOvr>
     <a:masterClrMapping/>
   </p:clrMapOvr>
+  <p:timing>
+    <p:tnLst>
+      <p:par>
+        <p:cTn id="1" dur="indefinite" restart="never" nodeType="tmRoot"/>
+      </p:par>
+    </p:tnLst>
+  </p:timing>
 </p:sld>
 </file>
 
@@ -4649,7 +5993,7 @@
       </p:grpSpPr>
       <p:sp>
         <p:nvSpPr>
-          <p:cNvPr id="2" name="Titre 1"/>
+          <p:cNvPr id="4" name="Titre 3"/>
           <p:cNvSpPr>
             <a:spLocks noGrp="1"/>
           </p:cNvSpPr>
@@ -4663,28 +6007,28 @@
           <a:lstStyle/>
           <a:p>
             <a:r>
-              <a:rPr lang="fr-FR" b="1" u="sng" dirty="0" smtClean="0"/>
+              <a:rPr lang="fr-FR" u="sng" dirty="0" smtClean="0"/>
               <a:t>II. </a:t>
             </a:r>
             <a:r>
-              <a:rPr lang="fr-FR" b="1" u="sng" dirty="0" err="1" smtClean="0"/>
+              <a:rPr lang="fr-FR" u="sng" dirty="0" err="1" smtClean="0"/>
               <a:t>Stardict</a:t>
             </a:r>
             <a:r>
-              <a:rPr lang="fr-FR" b="1" u="sng" dirty="0" smtClean="0"/>
-              <a:t> – Off line </a:t>
-            </a:r>
-            <a:r>
-              <a:rPr lang="fr-FR" b="1" u="sng" dirty="0" err="1" smtClean="0"/>
+              <a:rPr lang="fr-FR" u="sng" dirty="0" smtClean="0"/>
+              <a:t> – Offline </a:t>
+            </a:r>
+            <a:r>
+              <a:rPr lang="fr-FR" u="sng" dirty="0" err="1" smtClean="0"/>
               <a:t>dictionary</a:t>
             </a:r>
-            <a:endParaRPr lang="fr-FR" b="1" dirty="0"/>
-          </a:p>
-        </p:txBody>
-      </p:sp>
-      <p:sp>
-        <p:nvSpPr>
-          <p:cNvPr id="3" name="Espace réservé du texte 2"/>
+            <a:endParaRPr lang="fr-FR" u="sng" dirty="0"/>
+          </a:p>
+        </p:txBody>
+      </p:sp>
+      <p:sp>
+        <p:nvSpPr>
+          <p:cNvPr id="5" name="Espace réservé du texte 4"/>
           <p:cNvSpPr>
             <a:spLocks noGrp="1"/>
           </p:cNvSpPr>
@@ -4698,7 +6042,7 @@
           <a:lstStyle/>
           <a:p>
             <a:pPr marL="457200" indent="-457200">
-              <a:buAutoNum type="arabicParenR"/>
+              <a:buAutoNum type="arabicPeriod"/>
             </a:pPr>
             <a:r>
               <a:rPr lang="fr-FR" dirty="0" err="1" smtClean="0"/>
@@ -4709,26 +6053,57 @@
               <a:t> </a:t>
             </a:r>
             <a:r>
-              <a:rPr lang="fr-FR" dirty="0" err="1" smtClean="0"/>
-              <a:t>Presentation</a:t>
+              <a:rPr lang="fr-FR" dirty="0" err="1"/>
+              <a:t>p</a:t>
+            </a:r>
+            <a:r>
+              <a:rPr lang="fr-FR" dirty="0" err="1" smtClean="0"/>
+              <a:t>resentation</a:t>
             </a:r>
             <a:endParaRPr lang="fr-FR" dirty="0" smtClean="0"/>
           </a:p>
           <a:p>
             <a:pPr marL="457200" indent="-457200">
-              <a:buAutoNum type="arabicParenR"/>
+              <a:buAutoNum type="arabicPeriod"/>
             </a:pPr>
             <a:r>
+              <a:rPr lang="fr-FR" dirty="0" smtClean="0"/>
+              <a:t>How to </a:t>
+            </a:r>
+            <a:r>
+              <a:rPr lang="fr-FR" dirty="0" err="1" smtClean="0"/>
+              <a:t>install</a:t>
+            </a:r>
+            <a:r>
+              <a:rPr lang="fr-FR" dirty="0" smtClean="0"/>
+              <a:t> </a:t>
+            </a:r>
+            <a:r>
               <a:rPr lang="fr-FR" dirty="0" err="1" smtClean="0"/>
               <a:t>Stardict</a:t>
             </a:r>
+            <a:endParaRPr lang="fr-FR" dirty="0" smtClean="0"/>
+          </a:p>
+          <a:p>
+            <a:pPr marL="457200" indent="-457200">
+              <a:buFont typeface="Arial" pitchFamily="34" charset="0"/>
+              <a:buAutoNum type="arabicPeriod"/>
+            </a:pPr>
+            <a:r>
+              <a:rPr lang="fr-FR" dirty="0" smtClean="0"/>
+              <a:t>How to </a:t>
+            </a:r>
+            <a:r>
+              <a:rPr lang="fr-FR" dirty="0" err="1" smtClean="0"/>
+              <a:t>launch</a:t>
+            </a:r>
             <a:r>
               <a:rPr lang="fr-FR" dirty="0" smtClean="0"/>
               <a:t> </a:t>
             </a:r>
             <a:r>
               <a:rPr lang="fr-FR" dirty="0" err="1" smtClean="0"/>
-              <a:t>Launch</a:t>
+              <a:t>Stardict</a:t>
             </a:r>
             <a:endParaRPr lang="fr-FR" dirty="0" smtClean="0"/>
           </a:p>
@@ -4736,7 +6111,7 @@
       </p:sp>
       <p:sp>
         <p:nvSpPr>
-          <p:cNvPr id="4" name="Espace réservé du numéro de diapositive 3"/>
+          <p:cNvPr id="6" name="Espace réservé du numéro de diapositive 5"/>
           <p:cNvSpPr>
             <a:spLocks noGrp="1"/>
           </p:cNvSpPr>
@@ -4749,20 +6124,32 @@
           <a:bodyPr/>
           <a:lstStyle/>
           <a:p>
-            <a:fld id="{F11F904F-FEF2-4E2C-83CF-293F7ABA8B38}" type="slidenum">
-              <a:rPr lang="fr-FR" smtClean="0"/>
+            <a:fld id="{6E2D2B3B-882E-40F3-A32F-6DD516915044}" type="slidenum">
+              <a:rPr lang="en-US" smtClean="0"/>
               <a:pPr/>
               <a:t>5</a:t>
             </a:fld>
-            <a:endParaRPr lang="fr-FR"/>
+            <a:endParaRPr lang="en-US"/>
           </a:p>
         </p:txBody>
       </p:sp>
     </p:spTree>
+    <p:extLst>
+      <p:ext uri="{BB962C8B-B14F-4D97-AF65-F5344CB8AC3E}">
+        <p14:creationId xmlns:p14="http://schemas.microsoft.com/office/powerpoint/2010/main" xmlns="" val="1368623857"/>
+      </p:ext>
+    </p:extLst>
   </p:cSld>
   <p:clrMapOvr>
     <a:masterClrMapping/>
   </p:clrMapOvr>
+  <p:timing>
+    <p:tnLst>
+      <p:par>
+        <p:cTn id="1" dur="indefinite" restart="never" nodeType="tmRoot"/>
+      </p:par>
+    </p:tnLst>
+  </p:timing>
 </p:sld>
 </file>
 
@@ -4785,7 +6172,7 @@
       </p:grpSpPr>
       <p:sp>
         <p:nvSpPr>
-          <p:cNvPr id="2" name="Titre 1"/>
+          <p:cNvPr id="4" name="Titre 3"/>
           <p:cNvSpPr>
             <a:spLocks noGrp="1"/>
           </p:cNvSpPr>
@@ -4812,7 +6199,7 @@
             </a:r>
             <a:r>
               <a:rPr lang="fr-FR" u="sng" dirty="0" err="1" smtClean="0"/>
-              <a:t>Presentation</a:t>
+              <a:t>presentation</a:t>
             </a:r>
             <a:endParaRPr lang="fr-FR" u="sng" dirty="0"/>
           </a:p>
@@ -4820,7 +6207,7 @@
       </p:sp>
       <p:sp>
         <p:nvSpPr>
-          <p:cNvPr id="3" name="Espace réservé du contenu 2"/>
+          <p:cNvPr id="5" name="Espace réservé du contenu 4"/>
           <p:cNvSpPr>
             <a:spLocks noGrp="1"/>
           </p:cNvSpPr>
@@ -4828,16 +6215,9 @@
             <p:ph idx="1"/>
           </p:nvPr>
         </p:nvSpPr>
-        <p:spPr>
-          <a:xfrm>
-            <a:off x="457200" y="1600200"/>
-            <a:ext cx="7620000" cy="4925144"/>
-          </a:xfrm>
-        </p:spPr>
-        <p:txBody>
-          <a:bodyPr>
-            <a:normAutofit/>
-          </a:bodyPr>
+        <p:spPr/>
+        <p:txBody>
+          <a:bodyPr/>
           <a:lstStyle/>
           <a:p>
             <a:r>
@@ -4860,10 +6240,7 @@
               <a:rPr lang="fr-FR" dirty="0" err="1" smtClean="0"/>
               <a:t>Stardict</a:t>
             </a:r>
-            <a:r>
-              <a:rPr lang="fr-FR" dirty="0" smtClean="0"/>
-              <a:t>:</a:t>
-            </a:r>
+            <a:endParaRPr lang="fr-FR" dirty="0" smtClean="0"/>
           </a:p>
           <a:p>
             <a:pPr lvl="1"/>
@@ -4926,26 +6303,18 @@
             <a:pPr lvl="2"/>
             <a:r>
               <a:rPr lang="fr-FR" dirty="0" smtClean="0"/>
-              <a:t>Linux, Windows, Mac OS X</a:t>
-            </a:r>
-            <a:r>
-              <a:rPr lang="fr-FR" dirty="0" smtClean="0"/>
-              <a:t>…</a:t>
+              <a:t>Linux, Windows, Mac OS X…</a:t>
             </a:r>
           </a:p>
           <a:p>
             <a:pPr lvl="1"/>
             <a:r>
-              <a:rPr lang="fr-FR" dirty="0" smtClean="0"/>
-              <a:t>Compatible </a:t>
-            </a:r>
-            <a:r>
-              <a:rPr lang="fr-FR" dirty="0" err="1" smtClean="0"/>
-              <a:t>also</a:t>
-            </a:r>
-            <a:r>
-              <a:rPr lang="fr-FR" dirty="0" smtClean="0"/>
-              <a:t> </a:t>
+              <a:rPr lang="fr-FR" dirty="0" err="1" smtClean="0"/>
+              <a:t>Also</a:t>
+            </a:r>
+            <a:r>
+              <a:rPr lang="fr-FR" dirty="0" smtClean="0"/>
+              <a:t> compatible </a:t>
             </a:r>
             <a:r>
               <a:rPr lang="fr-FR" dirty="0" err="1" smtClean="0"/>
@@ -4964,12 +6333,8 @@
           <a:p>
             <a:pPr lvl="2"/>
             <a:r>
-              <a:rPr lang="fr-FR" dirty="0" err="1" smtClean="0"/>
-              <a:t>Android</a:t>
-            </a:r>
-            <a:r>
-              <a:rPr lang="fr-FR" dirty="0" smtClean="0"/>
-              <a:t>, </a:t>
+              <a:rPr lang="fr-FR" dirty="0" smtClean="0"/>
+              <a:t>Android, </a:t>
             </a:r>
             <a:r>
               <a:rPr lang="fr-FR" dirty="0" err="1" smtClean="0"/>
@@ -4987,88 +6352,73 @@
             </a:r>
             <a:r>
               <a:rPr lang="fr-FR" dirty="0" smtClean="0"/>
+              <a:t> use </a:t>
+            </a:r>
+            <a:r>
+              <a:rPr lang="fr-FR" dirty="0" err="1" smtClean="0"/>
+              <a:t>Stardict</a:t>
+            </a:r>
+            <a:endParaRPr lang="fr-FR" dirty="0" smtClean="0"/>
+          </a:p>
+          <a:p>
+            <a:pPr lvl="1"/>
+            <a:r>
+              <a:rPr lang="fr-FR" dirty="0" smtClean="0"/>
+              <a:t>Has an efficient offline </a:t>
+            </a:r>
+            <a:r>
+              <a:rPr lang="fr-FR" dirty="0" err="1" smtClean="0"/>
+              <a:t>dictionary</a:t>
+            </a:r>
+            <a:endParaRPr lang="fr-FR" dirty="0" smtClean="0"/>
+          </a:p>
+          <a:p>
+            <a:pPr lvl="1"/>
+            <a:r>
+              <a:rPr lang="fr-FR" dirty="0" smtClean="0"/>
+              <a:t>Provides a </a:t>
+            </a:r>
+            <a:r>
+              <a:rPr lang="fr-FR" dirty="0" err="1" smtClean="0"/>
+              <a:t>great</a:t>
+            </a:r>
+            <a:r>
+              <a:rPr lang="fr-FR" dirty="0" smtClean="0"/>
               <a:t> </a:t>
             </a:r>
             <a:r>
-              <a:rPr lang="fr-FR" dirty="0" smtClean="0"/>
-              <a:t>use </a:t>
-            </a:r>
-            <a:r>
-              <a:rPr lang="fr-FR" dirty="0" err="1" smtClean="0"/>
-              <a:t>Stardict</a:t>
-            </a:r>
-            <a:r>
-              <a:rPr lang="fr-FR" dirty="0" smtClean="0"/>
-              <a:t>:</a:t>
-            </a:r>
+              <a:rPr lang="fr-FR" dirty="0" err="1" smtClean="0"/>
+              <a:t>choice</a:t>
+            </a:r>
+            <a:r>
+              <a:rPr lang="fr-FR" dirty="0" smtClean="0"/>
+              <a:t> of </a:t>
+            </a:r>
+            <a:r>
+              <a:rPr lang="fr-FR" dirty="0" err="1" smtClean="0"/>
+              <a:t>dictionaries</a:t>
+            </a:r>
+            <a:endParaRPr lang="fr-FR" dirty="0" smtClean="0"/>
           </a:p>
           <a:p>
             <a:pPr lvl="1"/>
             <a:r>
-              <a:rPr lang="fr-FR" dirty="0" smtClean="0"/>
-              <a:t>Has an efficient </a:t>
-            </a:r>
-            <a:r>
-              <a:rPr lang="fr-FR" dirty="0" smtClean="0"/>
-              <a:t>off line </a:t>
-            </a:r>
-            <a:r>
-              <a:rPr lang="fr-FR" dirty="0" err="1" smtClean="0"/>
-              <a:t>dictionary</a:t>
+              <a:rPr lang="fr-FR" dirty="0" err="1" smtClean="0"/>
+              <a:t>Easy</a:t>
+            </a:r>
+            <a:r>
+              <a:rPr lang="fr-FR" dirty="0" smtClean="0"/>
+              <a:t> to </a:t>
+            </a:r>
+            <a:r>
+              <a:rPr lang="fr-FR" dirty="0" err="1" smtClean="0"/>
+              <a:t>access</a:t>
             </a:r>
             <a:endParaRPr lang="fr-FR" dirty="0" smtClean="0"/>
           </a:p>
           <a:p>
             <a:pPr lvl="1"/>
             <a:r>
-              <a:rPr lang="fr-FR" dirty="0" err="1" smtClean="0"/>
-              <a:t>Provides</a:t>
-            </a:r>
-            <a:r>
-              <a:rPr lang="fr-FR" dirty="0" smtClean="0"/>
-              <a:t> a </a:t>
-            </a:r>
-            <a:r>
-              <a:rPr lang="fr-FR" dirty="0" err="1" smtClean="0"/>
-              <a:t>great</a:t>
-            </a:r>
-            <a:r>
-              <a:rPr lang="fr-FR" dirty="0" smtClean="0"/>
-              <a:t> </a:t>
-            </a:r>
-            <a:r>
-              <a:rPr lang="fr-FR" dirty="0" err="1" smtClean="0"/>
-              <a:t>choice</a:t>
-            </a:r>
-            <a:r>
-              <a:rPr lang="fr-FR" dirty="0" smtClean="0"/>
-              <a:t> of </a:t>
-            </a:r>
-            <a:r>
-              <a:rPr lang="fr-FR" dirty="0" err="1" smtClean="0"/>
-              <a:t>dictionaries</a:t>
-            </a:r>
-            <a:endParaRPr lang="fr-FR" dirty="0" smtClean="0"/>
-          </a:p>
-          <a:p>
-            <a:pPr lvl="1"/>
-            <a:r>
-              <a:rPr lang="fr-FR" dirty="0" err="1" smtClean="0"/>
-              <a:t>Easy</a:t>
-            </a:r>
-            <a:r>
-              <a:rPr lang="fr-FR" dirty="0" smtClean="0"/>
-              <a:t> to </a:t>
-            </a:r>
-            <a:r>
-              <a:rPr lang="fr-FR" dirty="0" err="1" smtClean="0"/>
-              <a:t>access</a:t>
-            </a:r>
-            <a:endParaRPr lang="fr-FR" dirty="0" smtClean="0"/>
-          </a:p>
-          <a:p>
-            <a:pPr lvl="1"/>
-            <a:r>
               <a:rPr lang="fr-FR" dirty="0" smtClean="0"/>
               <a:t>Free </a:t>
             </a:r>
@@ -5080,68 +6430,90 @@
               <a:rPr lang="fr-FR" dirty="0" smtClean="0"/>
               <a:t> user interface</a:t>
             </a:r>
-          </a:p>
-          <a:p>
-            <a:pPr lvl="1"/>
-            <a:endParaRPr lang="fr-FR" dirty="0" smtClean="0"/>
-          </a:p>
-        </p:txBody>
-      </p:sp>
-      <p:sp>
-        <p:nvSpPr>
-          <p:cNvPr id="4" name="Espace réservé du numéro de diapositive 3"/>
-          <p:cNvSpPr>
-            <a:spLocks noGrp="1"/>
-          </p:cNvSpPr>
-          <p:nvPr>
-            <p:ph type="sldNum" sz="quarter" idx="12"/>
-          </p:nvPr>
-        </p:nvSpPr>
-        <p:spPr/>
-        <p:txBody>
-          <a:bodyPr/>
-          <a:lstStyle/>
-          <a:p>
-            <a:fld id="{F11F904F-FEF2-4E2C-83CF-293F7ABA8B38}" type="slidenum">
-              <a:rPr lang="fr-FR" smtClean="0"/>
-              <a:pPr/>
-              <a:t>6</a:t>
-            </a:fld>
-            <a:endParaRPr lang="fr-FR"/>
+            <a:endParaRPr lang="fr-FR" dirty="0"/>
           </a:p>
         </p:txBody>
       </p:sp>
       <p:pic>
         <p:nvPicPr>
-          <p:cNvPr id="1026" name="Picture 2" descr="C:\Users\Ariane\Pictures\Capture.PNG"/>
-          <p:cNvPicPr>
-            <a:picLocks noChangeAspect="1" noChangeArrowheads="1"/>
-          </p:cNvPicPr>
+          <p:cNvPr id="6" name="Picture 2"/>
+          <p:cNvPicPr/>
           <p:nvPr/>
         </p:nvPicPr>
         <p:blipFill>
-          <a:blip r:embed="rId2" cstate="print"/>
-          <a:srcRect/>
+          <a:blip r:embed="rId2" cstate="print">
+            <a:extLst>
+              <a:ext uri="{BEBA8EAE-BF5A-486C-A8C5-ECC9F3942E4B}">
+                <a14:imgProps xmlns:a14="http://schemas.microsoft.com/office/drawing/2010/main" xmlns="">
+                  <a14:imgLayer r:embed="rId3">
+                    <a14:imgEffect>
+                      <a14:sharpenSoften amount="50000"/>
+                    </a14:imgEffect>
+                  </a14:imgLayer>
+                </a14:imgProps>
+              </a:ext>
+            </a:extLst>
+          </a:blip>
           <a:stretch>
             <a:fillRect/>
           </a:stretch>
         </p:blipFill>
-        <p:spPr bwMode="auto">
+        <p:spPr>
           <a:xfrm>
-            <a:off x="5698951" y="1628800"/>
-            <a:ext cx="2257425" cy="657225"/>
+            <a:off x="5508104" y="1631294"/>
+            <a:ext cx="2256840" cy="656640"/>
           </a:xfrm>
           <a:prstGeom prst="rect">
             <a:avLst/>
           </a:prstGeom>
-          <a:noFill/>
+          <a:ln>
+            <a:solidFill>
+              <a:schemeClr val="accent1"/>
+            </a:solidFill>
+          </a:ln>
         </p:spPr>
       </p:pic>
+      <p:sp>
+        <p:nvSpPr>
+          <p:cNvPr id="7" name="Espace réservé du numéro de diapositive 6"/>
+          <p:cNvSpPr>
+            <a:spLocks noGrp="1"/>
+          </p:cNvSpPr>
+          <p:nvPr>
+            <p:ph type="sldNum" sz="quarter" idx="12"/>
+          </p:nvPr>
+        </p:nvSpPr>
+        <p:spPr/>
+        <p:txBody>
+          <a:bodyPr/>
+          <a:lstStyle/>
+          <a:p>
+            <a:fld id="{6E2D2B3B-882E-40F3-A32F-6DD516915044}" type="slidenum">
+              <a:rPr lang="en-US" smtClean="0"/>
+              <a:pPr/>
+              <a:t>6</a:t>
+            </a:fld>
+            <a:endParaRPr lang="en-US"/>
+          </a:p>
+        </p:txBody>
+      </p:sp>
     </p:spTree>
+    <p:extLst>
+      <p:ext uri="{BB962C8B-B14F-4D97-AF65-F5344CB8AC3E}">
+        <p14:creationId xmlns:p14="http://schemas.microsoft.com/office/powerpoint/2010/main" xmlns="" val="786480237"/>
+      </p:ext>
+    </p:extLst>
   </p:cSld>
   <p:clrMapOvr>
     <a:masterClrMapping/>
   </p:clrMapOvr>
+  <p:timing>
+    <p:tnLst>
+      <p:par>
+        <p:cTn id="1" dur="indefinite" restart="never" nodeType="tmRoot"/>
+      </p:par>
+    </p:tnLst>
+  </p:timing>
 </p:sld>
 </file>
 
@@ -5179,20 +6551,20 @@
           <a:p>
             <a:r>
               <a:rPr lang="fr-FR" u="sng" dirty="0" smtClean="0"/>
-              <a:t>II.2 </a:t>
+              <a:t>II.2 How to </a:t>
+            </a:r>
+            <a:r>
+              <a:rPr lang="fr-FR" u="sng" dirty="0" err="1" smtClean="0"/>
+              <a:t>install</a:t>
+            </a:r>
+            <a:r>
+              <a:rPr lang="fr-FR" u="sng" dirty="0" smtClean="0"/>
+              <a:t> </a:t>
             </a:r>
             <a:r>
               <a:rPr lang="fr-FR" u="sng" dirty="0" err="1" smtClean="0"/>
               <a:t>Stardict</a:t>
             </a:r>
-            <a:r>
-              <a:rPr lang="fr-FR" u="sng" dirty="0" smtClean="0"/>
-              <a:t> </a:t>
-            </a:r>
-            <a:r>
-              <a:rPr lang="fr-FR" u="sng" dirty="0" err="1" smtClean="0"/>
-              <a:t>Launch</a:t>
-            </a:r>
             <a:endParaRPr lang="fr-FR" u="sng" dirty="0"/>
           </a:p>
         </p:txBody>
@@ -5221,32 +6593,186 @@
               <a:t> </a:t>
             </a:r>
             <a:r>
-              <a:rPr lang="fr-FR" dirty="0" smtClean="0"/>
+              <a:rPr lang="fr-FR" b="1" dirty="0" smtClean="0"/>
               <a:t>to </a:t>
             </a:r>
             <a:r>
-              <a:rPr lang="fr-FR" dirty="0" err="1" smtClean="0"/>
+              <a:rPr lang="fr-FR" b="1" dirty="0" err="1" smtClean="0"/>
               <a:t>install</a:t>
             </a:r>
             <a:r>
-              <a:rPr lang="fr-FR" dirty="0" smtClean="0"/>
+              <a:rPr lang="fr-FR" b="1" dirty="0" smtClean="0"/>
               <a:t> </a:t>
             </a:r>
             <a:r>
               <a:rPr lang="fr-FR" dirty="0" err="1" smtClean="0"/>
-              <a:t>it</a:t>
-            </a:r>
-            <a:r>
-              <a:rPr lang="fr-FR" dirty="0" smtClean="0"/>
-              <a:t>:</a:t>
+              <a:t>Stardict</a:t>
             </a:r>
             <a:endParaRPr lang="fr-FR" dirty="0" smtClean="0"/>
           </a:p>
           <a:p>
             <a:pPr lvl="1"/>
             <a:r>
-              <a:rPr lang="fr-FR" dirty="0" err="1" smtClean="0"/>
-              <a:t>Follow</a:t>
+              <a:rPr lang="fr-FR" dirty="0" smtClean="0"/>
+              <a:t>Install the </a:t>
+            </a:r>
+            <a:r>
+              <a:rPr lang="fr-FR" dirty="0" err="1" smtClean="0"/>
+              <a:t>dictionary</a:t>
+            </a:r>
+            <a:endParaRPr lang="fr-FR" dirty="0" smtClean="0"/>
+          </a:p>
+          <a:p>
+            <a:pPr lvl="2"/>
+            <a:r>
+              <a:rPr lang="fr-FR" dirty="0" smtClean="0"/>
+              <a:t>Command line : </a:t>
+            </a:r>
+            <a:r>
+              <a:rPr lang="fr-FR" b="1" i="1" dirty="0" err="1" smtClean="0"/>
+              <a:t>sudo</a:t>
+            </a:r>
+            <a:r>
+              <a:rPr lang="fr-FR" b="1" i="1" dirty="0" smtClean="0"/>
+              <a:t> </a:t>
+            </a:r>
+            <a:r>
+              <a:rPr lang="fr-FR" b="1" i="1" dirty="0" err="1" smtClean="0"/>
+              <a:t>apt-get</a:t>
+            </a:r>
+            <a:r>
+              <a:rPr lang="fr-FR" b="1" i="1" dirty="0" smtClean="0"/>
+              <a:t> </a:t>
+            </a:r>
+            <a:r>
+              <a:rPr lang="fr-FR" b="1" i="1" dirty="0" err="1" smtClean="0"/>
+              <a:t>insntall</a:t>
+            </a:r>
+            <a:r>
+              <a:rPr lang="fr-FR" b="1" i="1" dirty="0" smtClean="0"/>
+              <a:t> </a:t>
+            </a:r>
+            <a:r>
+              <a:rPr lang="fr-FR" b="1" i="1" dirty="0" err="1" smtClean="0"/>
+              <a:t>sdcv</a:t>
+            </a:r>
+            <a:endParaRPr lang="fr-FR" b="1" i="1" dirty="0" smtClean="0"/>
+          </a:p>
+          <a:p>
+            <a:pPr lvl="2"/>
+            <a:r>
+              <a:rPr lang="fr-FR" b="1" i="1" dirty="0" err="1" smtClean="0"/>
+              <a:t>Sdcv</a:t>
+            </a:r>
+            <a:r>
+              <a:rPr lang="fr-FR" dirty="0" smtClean="0"/>
+              <a:t> </a:t>
+            </a:r>
+            <a:r>
+              <a:rPr lang="fr-FR" dirty="0" err="1" smtClean="0"/>
+              <a:t>is</a:t>
+            </a:r>
+            <a:r>
+              <a:rPr lang="fr-FR" dirty="0" smtClean="0"/>
+              <a:t> the console version of </a:t>
+            </a:r>
+            <a:r>
+              <a:rPr lang="fr-FR" dirty="0" err="1" smtClean="0"/>
+              <a:t>Stardict</a:t>
+            </a:r>
+            <a:endParaRPr lang="fr-FR" dirty="0" smtClean="0"/>
+          </a:p>
+          <a:p>
+            <a:pPr lvl="1"/>
+            <a:r>
+              <a:rPr lang="fr-FR" dirty="0" err="1" smtClean="0"/>
+              <a:t>Download</a:t>
+            </a:r>
+            <a:r>
+              <a:rPr lang="fr-FR" dirty="0" smtClean="0"/>
+              <a:t> </a:t>
+            </a:r>
+            <a:r>
+              <a:rPr lang="fr-FR" dirty="0" err="1" smtClean="0"/>
+              <a:t>dictionary</a:t>
+            </a:r>
+            <a:r>
+              <a:rPr lang="fr-FR" dirty="0" smtClean="0"/>
+              <a:t> files</a:t>
+            </a:r>
+          </a:p>
+          <a:p>
+            <a:pPr lvl="2"/>
+            <a:r>
+              <a:rPr lang="fr-FR" dirty="0" err="1" smtClean="0"/>
+              <a:t>At</a:t>
+            </a:r>
+            <a:r>
+              <a:rPr lang="fr-FR" dirty="0" smtClean="0"/>
+              <a:t> first, </a:t>
+            </a:r>
+            <a:r>
+              <a:rPr lang="fr-FR" dirty="0" err="1" smtClean="0"/>
+              <a:t>Stardict</a:t>
+            </a:r>
+            <a:r>
+              <a:rPr lang="fr-FR" dirty="0" smtClean="0"/>
+              <a:t> </a:t>
+            </a:r>
+            <a:r>
+              <a:rPr lang="fr-FR" dirty="0" err="1" smtClean="0"/>
+              <a:t>doesn’t</a:t>
+            </a:r>
+            <a:r>
+              <a:rPr lang="fr-FR" dirty="0" smtClean="0"/>
+              <a:t> have </a:t>
+            </a:r>
+            <a:r>
+              <a:rPr lang="fr-FR" dirty="0" err="1" smtClean="0"/>
+              <a:t>any</a:t>
+            </a:r>
+            <a:r>
+              <a:rPr lang="fr-FR" dirty="0" smtClean="0"/>
+              <a:t> </a:t>
+            </a:r>
+            <a:r>
+              <a:rPr lang="fr-FR" dirty="0" err="1" smtClean="0"/>
+              <a:t>dictionary</a:t>
+            </a:r>
+            <a:r>
+              <a:rPr lang="fr-FR" dirty="0" smtClean="0"/>
+              <a:t>.</a:t>
+            </a:r>
+          </a:p>
+          <a:p>
+            <a:pPr lvl="2"/>
+            <a:r>
+              <a:rPr lang="fr-FR" dirty="0" smtClean="0"/>
+              <a:t>Go </a:t>
+            </a:r>
+            <a:r>
+              <a:rPr lang="fr-FR" dirty="0"/>
+              <a:t>to </a:t>
+            </a:r>
+            <a:r>
+              <a:rPr lang="fr-FR" dirty="0">
+                <a:hlinkClick r:id="rId2"/>
+              </a:rPr>
+              <a:t>http://abloz.com/huzheng/stardict-dic/dict.org</a:t>
+            </a:r>
+            <a:r>
+              <a:rPr lang="fr-FR" dirty="0" smtClean="0">
+                <a:hlinkClick r:id="rId2"/>
+              </a:rPr>
+              <a:t>/</a:t>
+            </a:r>
+            <a:r>
+              <a:rPr lang="fr-FR" dirty="0" smtClean="0"/>
+              <a:t> and </a:t>
+            </a:r>
+            <a:r>
+              <a:rPr lang="fr-FR" dirty="0" err="1" smtClean="0"/>
+              <a:t>download</a:t>
             </a:r>
             <a:r>
               <a:rPr lang="fr-FR" dirty="0" smtClean="0"/>
@@ -5254,15 +6780,7 @@
             </a:r>
             <a:r>
               <a:rPr lang="fr-FR" dirty="0" err="1" smtClean="0"/>
-              <a:t>Ubuntu</a:t>
-            </a:r>
-            <a:r>
-              <a:rPr lang="fr-FR" dirty="0" smtClean="0"/>
-              <a:t> tutorial on </a:t>
-            </a:r>
-            <a:r>
-              <a:rPr lang="fr-FR" dirty="0" err="1" smtClean="0"/>
-              <a:t>our</a:t>
+              <a:t>dictionary</a:t>
             </a:r>
             <a:r>
               <a:rPr lang="fr-FR" dirty="0" smtClean="0"/>
@@ -5270,7 +6788,7 @@
             </a:r>
             <a:r>
               <a:rPr lang="fr-FR" dirty="0" err="1" smtClean="0"/>
-              <a:t>project</a:t>
+              <a:t>you</a:t>
             </a:r>
             <a:r>
               <a:rPr lang="fr-FR" dirty="0" smtClean="0"/>
@@ -5278,108 +6796,135 @@
             </a:r>
             <a:r>
               <a:rPr lang="fr-FR" dirty="0" err="1" smtClean="0"/>
-              <a:t>folder</a:t>
+              <a:t>need</a:t>
+            </a:r>
+            <a:r>
+              <a:rPr lang="fr-FR" dirty="0" smtClean="0"/>
+              <a:t>.</a:t>
+            </a:r>
+          </a:p>
+          <a:p>
+            <a:pPr lvl="1"/>
+            <a:r>
+              <a:rPr lang="fr-FR" dirty="0" smtClean="0"/>
+              <a:t>Install </a:t>
+            </a:r>
+            <a:r>
+              <a:rPr lang="fr-FR" dirty="0" err="1" smtClean="0"/>
+              <a:t>downloaded</a:t>
+            </a:r>
+            <a:r>
+              <a:rPr lang="fr-FR" dirty="0" smtClean="0"/>
+              <a:t> </a:t>
+            </a:r>
+            <a:r>
+              <a:rPr lang="fr-FR" dirty="0" err="1" smtClean="0"/>
+              <a:t>dictionaries</a:t>
             </a:r>
             <a:endParaRPr lang="fr-FR" dirty="0" smtClean="0"/>
           </a:p>
           <a:p>
-            <a:pPr lvl="1"/>
-            <a:r>
-              <a:rPr lang="fr-FR" dirty="0" err="1" smtClean="0"/>
-              <a:t>At</a:t>
-            </a:r>
-            <a:r>
-              <a:rPr lang="fr-FR" dirty="0" smtClean="0"/>
-              <a:t> the </a:t>
-            </a:r>
-            <a:r>
-              <a:rPr lang="fr-FR" dirty="0" err="1" smtClean="0"/>
-              <a:t>start</a:t>
-            </a:r>
-            <a:r>
-              <a:rPr lang="fr-FR" dirty="0" smtClean="0"/>
+            <a:pPr lvl="2"/>
+            <a:r>
+              <a:rPr lang="fr-FR" dirty="0" smtClean="0"/>
+              <a:t>Command </a:t>
+            </a:r>
+            <a:r>
+              <a:rPr lang="fr-FR" dirty="0" err="1" smtClean="0"/>
+              <a:t>lines</a:t>
+            </a:r>
+            <a:endParaRPr lang="fr-FR" dirty="0" smtClean="0"/>
+          </a:p>
+          <a:p>
+            <a:pPr lvl="3"/>
+            <a:r>
+              <a:rPr lang="fr-FR" b="1" i="1" dirty="0" err="1" smtClean="0"/>
+              <a:t>Sudo</a:t>
+            </a:r>
+            <a:r>
+              <a:rPr lang="fr-FR" b="1" i="1" dirty="0" smtClean="0"/>
               <a:t> </a:t>
             </a:r>
             <a:r>
-              <a:rPr lang="fr-FR" dirty="0" err="1" smtClean="0"/>
-              <a:t>Stardict</a:t>
-            </a:r>
-            <a:r>
-              <a:rPr lang="fr-FR" dirty="0" smtClean="0"/>
-              <a:t> </a:t>
-            </a:r>
-            <a:r>
-              <a:rPr lang="fr-FR" dirty="0" err="1" smtClean="0"/>
-              <a:t>doesn’t</a:t>
-            </a:r>
-            <a:r>
-              <a:rPr lang="fr-FR" dirty="0" smtClean="0"/>
-              <a:t> have </a:t>
-            </a:r>
-            <a:r>
-              <a:rPr lang="fr-FR" dirty="0" err="1" smtClean="0"/>
-              <a:t>any</a:t>
-            </a:r>
-            <a:r>
-              <a:rPr lang="fr-FR" dirty="0" smtClean="0"/>
-              <a:t> </a:t>
-            </a:r>
-            <a:r>
-              <a:rPr lang="fr-FR" dirty="0" err="1" smtClean="0"/>
-              <a:t>dictionary</a:t>
-            </a:r>
-            <a:r>
-              <a:rPr lang="fr-FR" dirty="0" smtClean="0"/>
-              <a:t>, </a:t>
-            </a:r>
-            <a:r>
-              <a:rPr lang="fr-FR" dirty="0" err="1" smtClean="0"/>
-              <a:t>we</a:t>
-            </a:r>
-            <a:r>
-              <a:rPr lang="fr-FR" dirty="0" smtClean="0"/>
-              <a:t> have to </a:t>
-            </a:r>
-            <a:r>
-              <a:rPr lang="fr-FR" dirty="0" err="1" smtClean="0"/>
-              <a:t>install</a:t>
-            </a:r>
-            <a:r>
-              <a:rPr lang="fr-FR" dirty="0" smtClean="0"/>
-              <a:t> </a:t>
-            </a:r>
-            <a:r>
-              <a:rPr lang="fr-FR" dirty="0" err="1" smtClean="0"/>
-              <a:t>them</a:t>
-            </a:r>
-            <a:endParaRPr lang="fr-FR" dirty="0" smtClean="0"/>
-          </a:p>
-          <a:p>
-            <a:r>
-              <a:rPr lang="fr-FR" b="1" dirty="0" smtClean="0"/>
-              <a:t>How</a:t>
-            </a:r>
-            <a:r>
-              <a:rPr lang="fr-FR" dirty="0" smtClean="0"/>
-              <a:t> to </a:t>
-            </a:r>
-            <a:r>
-              <a:rPr lang="fr-FR" dirty="0" err="1" smtClean="0"/>
-              <a:t>Launch</a:t>
-            </a:r>
-            <a:r>
-              <a:rPr lang="fr-FR" dirty="0" smtClean="0"/>
-              <a:t> </a:t>
-            </a:r>
-            <a:r>
-              <a:rPr lang="fr-FR" dirty="0" err="1" smtClean="0"/>
-              <a:t>it</a:t>
-            </a:r>
-            <a:r>
-              <a:rPr lang="fr-FR" dirty="0" smtClean="0"/>
-              <a:t>:</a:t>
-            </a:r>
-            <a:endParaRPr lang="fr-FR" dirty="0"/>
+              <a:rPr lang="fr-FR" b="1" i="1" dirty="0" err="1" smtClean="0"/>
+              <a:t>mkdir</a:t>
+            </a:r>
+            <a:r>
+              <a:rPr lang="fr-FR" b="1" i="1" dirty="0" smtClean="0"/>
+              <a:t> –p /</a:t>
+            </a:r>
+            <a:r>
+              <a:rPr lang="fr-FR" b="1" i="1" dirty="0" err="1" smtClean="0"/>
+              <a:t>usr</a:t>
+            </a:r>
+            <a:r>
+              <a:rPr lang="fr-FR" b="1" i="1" dirty="0" smtClean="0"/>
+              <a:t>/</a:t>
+            </a:r>
+            <a:r>
+              <a:rPr lang="fr-FR" b="1" i="1" dirty="0" err="1" smtClean="0"/>
+              <a:t>stardict</a:t>
+            </a:r>
+            <a:r>
+              <a:rPr lang="fr-FR" b="1" i="1" dirty="0" smtClean="0"/>
+              <a:t>/</a:t>
+            </a:r>
+            <a:r>
+              <a:rPr lang="fr-FR" b="1" i="1" dirty="0" err="1" smtClean="0"/>
+              <a:t>dic</a:t>
+            </a:r>
+            <a:r>
+              <a:rPr lang="fr-FR" b="1" i="1" dirty="0" smtClean="0"/>
+              <a:t>/</a:t>
+            </a:r>
+          </a:p>
+          <a:p>
+            <a:pPr lvl="3"/>
+            <a:r>
+              <a:rPr lang="fr-FR" b="1" i="1" dirty="0" err="1" smtClean="0"/>
+              <a:t>Sudo</a:t>
+            </a:r>
+            <a:r>
+              <a:rPr lang="fr-FR" b="1" i="1" dirty="0" smtClean="0"/>
+              <a:t> tar –</a:t>
+            </a:r>
+            <a:r>
+              <a:rPr lang="fr-FR" b="1" i="1" dirty="0" err="1" smtClean="0"/>
+              <a:t>xvjf</a:t>
+            </a:r>
+            <a:r>
+              <a:rPr lang="fr-FR" b="1" i="1" dirty="0" smtClean="0"/>
+              <a:t> downloaded.tar.bz2 –C /</a:t>
+            </a:r>
+            <a:r>
+              <a:rPr lang="fr-FR" b="1" i="1" dirty="0" err="1" smtClean="0"/>
+              <a:t>usr</a:t>
+            </a:r>
+            <a:r>
+              <a:rPr lang="fr-FR" b="1" i="1" dirty="0" smtClean="0"/>
+              <a:t>/</a:t>
+            </a:r>
+            <a:r>
+              <a:rPr lang="fr-FR" b="1" i="1" dirty="0" err="1" smtClean="0"/>
+              <a:t>share</a:t>
+            </a:r>
+            <a:r>
+              <a:rPr lang="fr-FR" b="1" i="1" dirty="0" smtClean="0"/>
+              <a:t>/</a:t>
+            </a:r>
+            <a:r>
+              <a:rPr lang="fr-FR" b="1" i="1" dirty="0" err="1" smtClean="0"/>
+              <a:t>stardict</a:t>
+            </a:r>
+            <a:r>
+              <a:rPr lang="fr-FR" b="1" i="1" dirty="0" smtClean="0"/>
+              <a:t>/</a:t>
+            </a:r>
+            <a:r>
+              <a:rPr lang="fr-FR" b="1" i="1" dirty="0" err="1" smtClean="0"/>
+              <a:t>dic</a:t>
+            </a:r>
+            <a:endParaRPr lang="fr-FR" b="1" i="1" dirty="0"/>
           </a:p>
         </p:txBody>
       </p:sp>
@@ -5398,20 +6943,32 @@
           <a:bodyPr/>
           <a:lstStyle/>
           <a:p>
-            <a:fld id="{F11F904F-FEF2-4E2C-83CF-293F7ABA8B38}" type="slidenum">
-              <a:rPr lang="fr-FR" smtClean="0"/>
+            <a:fld id="{6E2D2B3B-882E-40F3-A32F-6DD516915044}" type="slidenum">
+              <a:rPr lang="en-US" smtClean="0"/>
               <a:pPr/>
               <a:t>7</a:t>
             </a:fld>
-            <a:endParaRPr lang="fr-FR"/>
+            <a:endParaRPr lang="en-US"/>
           </a:p>
         </p:txBody>
       </p:sp>
     </p:spTree>
+    <p:extLst>
+      <p:ext uri="{BB962C8B-B14F-4D97-AF65-F5344CB8AC3E}">
+        <p14:creationId xmlns:p14="http://schemas.microsoft.com/office/powerpoint/2010/main" xmlns="" val="1119954535"/>
+      </p:ext>
+    </p:extLst>
   </p:cSld>
   <p:clrMapOvr>
     <a:masterClrMapping/>
   </p:clrMapOvr>
+  <p:timing>
+    <p:tnLst>
+      <p:par>
+        <p:cTn id="1" dur="indefinite" restart="never" nodeType="tmRoot"/>
+      </p:par>
+    </p:tnLst>
+  </p:timing>
 </p:sld>
 </file>
 
@@ -5448,76 +7005,165 @@
           <a:lstStyle/>
           <a:p>
             <a:r>
-              <a:rPr lang="fr-FR" b="1" u="sng" dirty="0" smtClean="0"/>
-              <a:t>III. </a:t>
-            </a:r>
-            <a:r>
-              <a:rPr lang="fr-FR" b="1" u="sng" dirty="0" err="1" smtClean="0"/>
-              <a:t>Shelldict</a:t>
-            </a:r>
-            <a:r>
-              <a:rPr lang="fr-FR" b="1" u="sng" dirty="0" smtClean="0"/>
-              <a:t> – Online </a:t>
-            </a:r>
-            <a:r>
-              <a:rPr lang="fr-FR" b="1" u="sng" dirty="0" err="1" smtClean="0"/>
-              <a:t>dictionary</a:t>
-            </a:r>
-            <a:endParaRPr lang="fr-FR" b="1" dirty="0"/>
-          </a:p>
-        </p:txBody>
-      </p:sp>
-      <p:sp>
-        <p:nvSpPr>
-          <p:cNvPr id="3" name="Espace réservé du texte 2"/>
-          <p:cNvSpPr>
-            <a:spLocks noGrp="1"/>
-          </p:cNvSpPr>
-          <p:nvPr>
-            <p:ph type="body" idx="1"/>
-          </p:nvPr>
-        </p:nvSpPr>
-        <p:spPr/>
-        <p:txBody>
-          <a:bodyPr/>
-          <a:lstStyle/>
-          <a:p>
-            <a:pPr marL="457200" indent="-457200">
-              <a:buAutoNum type="arabicParenR"/>
-            </a:pPr>
-            <a:r>
-              <a:rPr lang="fr-FR" dirty="0" err="1" smtClean="0"/>
-              <a:t>Selldict</a:t>
-            </a:r>
-            <a:r>
-              <a:rPr lang="fr-FR" dirty="0" smtClean="0"/>
+              <a:rPr lang="fr-FR" u="sng" dirty="0" smtClean="0"/>
+              <a:t>II.3 How to </a:t>
+            </a:r>
+            <a:r>
+              <a:rPr lang="fr-FR" u="sng" dirty="0" err="1" smtClean="0"/>
+              <a:t>launch</a:t>
+            </a:r>
+            <a:r>
+              <a:rPr lang="fr-FR" u="sng" dirty="0" smtClean="0"/>
               <a:t> </a:t>
             </a:r>
             <a:r>
-              <a:rPr lang="fr-FR" dirty="0" err="1" smtClean="0"/>
-              <a:t>Presentation</a:t>
+              <a:rPr lang="fr-FR" u="sng" dirty="0" err="1" smtClean="0"/>
+              <a:t>Stardict</a:t>
+            </a:r>
+            <a:endParaRPr lang="fr-FR" u="sng" dirty="0"/>
+          </a:p>
+        </p:txBody>
+      </p:sp>
+      <p:sp>
+        <p:nvSpPr>
+          <p:cNvPr id="3" name="Espace réservé du contenu 2"/>
+          <p:cNvSpPr>
+            <a:spLocks noGrp="1"/>
+          </p:cNvSpPr>
+          <p:nvPr>
+            <p:ph idx="1"/>
+          </p:nvPr>
+        </p:nvSpPr>
+        <p:spPr/>
+        <p:txBody>
+          <a:bodyPr/>
+          <a:lstStyle/>
+          <a:p>
+            <a:r>
+              <a:rPr lang="fr-FR" b="1" dirty="0" smtClean="0"/>
+              <a:t>How to </a:t>
+            </a:r>
+            <a:r>
+              <a:rPr lang="fr-FR" b="1" dirty="0" err="1" smtClean="0"/>
+              <a:t>launch</a:t>
+            </a:r>
+            <a:r>
+              <a:rPr lang="fr-FR" b="1" dirty="0" smtClean="0"/>
+              <a:t> </a:t>
+            </a:r>
+            <a:r>
+              <a:rPr lang="fr-FR" dirty="0" err="1" smtClean="0"/>
+              <a:t>Stardict</a:t>
+            </a:r>
+            <a:r>
+              <a:rPr lang="fr-FR" dirty="0" smtClean="0"/>
+              <a:t> in a terminal</a:t>
+            </a:r>
+          </a:p>
+          <a:p>
+            <a:pPr lvl="1"/>
+            <a:r>
+              <a:rPr lang="fr-FR" dirty="0" smtClean="0"/>
+              <a:t>Command line: </a:t>
+            </a:r>
+            <a:r>
+              <a:rPr lang="fr-FR" b="1" i="1" dirty="0" err="1" smtClean="0"/>
+              <a:t>sdcv</a:t>
+            </a:r>
+            <a:r>
+              <a:rPr lang="fr-FR" b="1" i="1" dirty="0" smtClean="0"/>
+              <a:t> </a:t>
+            </a:r>
+            <a:r>
+              <a:rPr lang="fr-FR" b="1" i="1" dirty="0" err="1" smtClean="0"/>
+              <a:t>word</a:t>
+            </a:r>
+            <a:endParaRPr lang="fr-FR" b="1" i="1" dirty="0" smtClean="0"/>
+          </a:p>
+          <a:p>
+            <a:pPr lvl="1"/>
+            <a:r>
+              <a:rPr lang="fr-FR" b="1" i="1" dirty="0" smtClean="0"/>
+              <a:t>Word</a:t>
+            </a:r>
+            <a:r>
+              <a:rPr lang="fr-FR" dirty="0" smtClean="0"/>
+              <a:t> </a:t>
+            </a:r>
+            <a:r>
+              <a:rPr lang="fr-FR" dirty="0" err="1" smtClean="0"/>
+              <a:t>is</a:t>
+            </a:r>
+            <a:r>
+              <a:rPr lang="fr-FR" dirty="0" smtClean="0"/>
+              <a:t> the </a:t>
+            </a:r>
+            <a:r>
+              <a:rPr lang="fr-FR" dirty="0" err="1" smtClean="0"/>
+              <a:t>word</a:t>
+            </a:r>
+            <a:r>
+              <a:rPr lang="fr-FR" dirty="0" smtClean="0"/>
+              <a:t> to </a:t>
+            </a:r>
+            <a:r>
+              <a:rPr lang="fr-FR" dirty="0" err="1" smtClean="0"/>
+              <a:t>be</a:t>
+            </a:r>
+            <a:r>
+              <a:rPr lang="fr-FR" dirty="0" smtClean="0"/>
+              <a:t> </a:t>
+            </a:r>
+            <a:r>
+              <a:rPr lang="fr-FR" dirty="0" err="1" smtClean="0"/>
+              <a:t>searched</a:t>
+            </a:r>
+            <a:r>
+              <a:rPr lang="fr-FR" dirty="0" smtClean="0"/>
+              <a:t> for </a:t>
+            </a:r>
+            <a:r>
+              <a:rPr lang="fr-FR" dirty="0" err="1" smtClean="0"/>
+              <a:t>definition</a:t>
             </a:r>
             <a:endParaRPr lang="fr-FR" dirty="0" smtClean="0"/>
           </a:p>
           <a:p>
-            <a:pPr marL="457200" indent="-457200">
-              <a:buAutoNum type="arabicParenR"/>
-            </a:pPr>
-            <a:r>
-              <a:rPr lang="fr-FR" dirty="0" smtClean="0"/>
-              <a:t>Main </a:t>
-            </a:r>
-            <a:r>
-              <a:rPr lang="fr-FR" dirty="0" err="1" smtClean="0"/>
-              <a:t>Functions</a:t>
-            </a:r>
-            <a:endParaRPr lang="fr-FR" dirty="0"/>
-          </a:p>
-        </p:txBody>
-      </p:sp>
-      <p:sp>
-        <p:nvSpPr>
-          <p:cNvPr id="4" name="Espace réservé du numéro de diapositive 3"/>
+            <a:pPr lvl="1"/>
+            <a:endParaRPr lang="fr-FR" b="1" i="1" dirty="0"/>
+          </a:p>
+        </p:txBody>
+      </p:sp>
+      <p:pic>
+        <p:nvPicPr>
+          <p:cNvPr id="4" name="Image 3"/>
+          <p:cNvPicPr/>
+          <p:nvPr/>
+        </p:nvPicPr>
+        <p:blipFill>
+          <a:blip r:embed="rId2" cstate="print"/>
+          <a:stretch>
+            <a:fillRect/>
+          </a:stretch>
+        </p:blipFill>
+        <p:spPr>
+          <a:xfrm>
+            <a:off x="1646100" y="2927880"/>
+            <a:ext cx="5851800" cy="3746880"/>
+          </a:xfrm>
+          <a:prstGeom prst="rect">
+            <a:avLst/>
+          </a:prstGeom>
+          <a:ln>
+            <a:solidFill>
+              <a:schemeClr val="accent1"/>
+            </a:solidFill>
+          </a:ln>
+        </p:spPr>
+      </p:pic>
+      <p:sp>
+        <p:nvSpPr>
+          <p:cNvPr id="5" name="Espace réservé du numéro de diapositive 4"/>
           <p:cNvSpPr>
             <a:spLocks noGrp="1"/>
           </p:cNvSpPr>
@@ -5530,20 +7176,32 @@
           <a:bodyPr/>
           <a:lstStyle/>
           <a:p>
-            <a:fld id="{F11F904F-FEF2-4E2C-83CF-293F7ABA8B38}" type="slidenum">
-              <a:rPr lang="fr-FR" smtClean="0"/>
+            <a:fld id="{6E2D2B3B-882E-40F3-A32F-6DD516915044}" type="slidenum">
+              <a:rPr lang="en-US" smtClean="0"/>
               <a:pPr/>
               <a:t>8</a:t>
             </a:fld>
-            <a:endParaRPr lang="fr-FR"/>
+            <a:endParaRPr lang="en-US"/>
           </a:p>
         </p:txBody>
       </p:sp>
     </p:spTree>
+    <p:extLst>
+      <p:ext uri="{BB962C8B-B14F-4D97-AF65-F5344CB8AC3E}">
+        <p14:creationId xmlns:p14="http://schemas.microsoft.com/office/powerpoint/2010/main" xmlns="" val="774631357"/>
+      </p:ext>
+    </p:extLst>
   </p:cSld>
   <p:clrMapOvr>
     <a:masterClrMapping/>
   </p:clrMapOvr>
+  <p:timing>
+    <p:tnLst>
+      <p:par>
+        <p:cTn id="1" dur="indefinite" restart="never" nodeType="tmRoot"/>
+      </p:par>
+    </p:tnLst>
+  </p:timing>
 </p:sld>
 </file>
 
@@ -5566,7 +7224,7 @@
       </p:grpSpPr>
       <p:sp>
         <p:nvSpPr>
-          <p:cNvPr id="2" name="Titre 1"/>
+          <p:cNvPr id="4" name="Titre 3"/>
           <p:cNvSpPr>
             <a:spLocks noGrp="1"/>
           </p:cNvSpPr>
@@ -5581,7 +7239,7 @@
           <a:p>
             <a:r>
               <a:rPr lang="fr-FR" u="sng" dirty="0" smtClean="0"/>
-              <a:t>III.1 </a:t>
+              <a:t>III. </a:t>
             </a:r>
             <a:r>
               <a:rPr lang="fr-FR" u="sng" dirty="0" err="1" smtClean="0"/>
@@ -5589,164 +7247,101 @@
             </a:r>
             <a:r>
               <a:rPr lang="fr-FR" u="sng" dirty="0" smtClean="0"/>
+              <a:t> – Online </a:t>
+            </a:r>
+            <a:r>
+              <a:rPr lang="fr-FR" u="sng" dirty="0" err="1" smtClean="0"/>
+              <a:t>dictionary</a:t>
+            </a:r>
+            <a:endParaRPr lang="fr-FR" u="sng" dirty="0"/>
+          </a:p>
+        </p:txBody>
+      </p:sp>
+      <p:sp>
+        <p:nvSpPr>
+          <p:cNvPr id="5" name="Espace réservé du texte 4"/>
+          <p:cNvSpPr>
+            <a:spLocks noGrp="1"/>
+          </p:cNvSpPr>
+          <p:nvPr>
+            <p:ph type="body" idx="1"/>
+          </p:nvPr>
+        </p:nvSpPr>
+        <p:spPr/>
+        <p:txBody>
+          <a:bodyPr>
+            <a:normAutofit fontScale="92500" lnSpcReduction="10000"/>
+          </a:bodyPr>
+          <a:lstStyle/>
+          <a:p>
+            <a:pPr marL="457200" indent="-457200">
+              <a:buAutoNum type="arabicPeriod"/>
+            </a:pPr>
+            <a:r>
+              <a:rPr lang="fr-FR" dirty="0" err="1" smtClean="0"/>
+              <a:t>Shelldict</a:t>
+            </a:r>
+            <a:r>
+              <a:rPr lang="fr-FR" dirty="0" smtClean="0"/>
               <a:t> </a:t>
             </a:r>
             <a:r>
-              <a:rPr lang="fr-FR" u="sng" dirty="0" err="1" smtClean="0"/>
-              <a:t>Presentation</a:t>
-            </a:r>
-            <a:endParaRPr lang="fr-FR" u="sng" dirty="0"/>
-          </a:p>
-        </p:txBody>
-      </p:sp>
-      <p:sp>
-        <p:nvSpPr>
-          <p:cNvPr id="3" name="Espace réservé du contenu 2"/>
-          <p:cNvSpPr>
-            <a:spLocks noGrp="1"/>
-          </p:cNvSpPr>
-          <p:nvPr>
-            <p:ph idx="1"/>
-          </p:nvPr>
-        </p:nvSpPr>
-        <p:spPr/>
-        <p:txBody>
-          <a:bodyPr/>
-          <a:lstStyle/>
-          <a:p>
-            <a:r>
-              <a:rPr lang="fr-FR" dirty="0" err="1" smtClean="0"/>
-              <a:t>We</a:t>
-            </a:r>
-            <a:r>
-              <a:rPr lang="fr-FR" dirty="0" smtClean="0"/>
-              <a:t> </a:t>
-            </a:r>
-            <a:r>
-              <a:rPr lang="fr-FR" dirty="0" err="1" smtClean="0"/>
-              <a:t>created</a:t>
-            </a:r>
-            <a:r>
-              <a:rPr lang="fr-FR" dirty="0" smtClean="0"/>
-              <a:t> </a:t>
-            </a:r>
-            <a:r>
-              <a:rPr lang="fr-FR" dirty="0" err="1" smtClean="0"/>
-              <a:t>our</a:t>
-            </a:r>
-            <a:r>
-              <a:rPr lang="fr-FR" dirty="0" smtClean="0"/>
-              <a:t> </a:t>
-            </a:r>
-            <a:r>
-              <a:rPr lang="fr-FR" dirty="0" err="1" smtClean="0"/>
-              <a:t>own</a:t>
-            </a:r>
-            <a:r>
-              <a:rPr lang="fr-FR" dirty="0" smtClean="0"/>
-              <a:t> </a:t>
-            </a:r>
-            <a:r>
-              <a:rPr lang="fr-FR" dirty="0" err="1" smtClean="0"/>
-              <a:t>Bash</a:t>
-            </a:r>
-            <a:r>
-              <a:rPr lang="fr-FR" dirty="0" smtClean="0"/>
-              <a:t> </a:t>
-            </a:r>
-            <a:r>
-              <a:rPr lang="fr-FR" dirty="0" err="1" smtClean="0"/>
-              <a:t>dictionary</a:t>
-            </a:r>
-            <a:r>
-              <a:rPr lang="fr-FR" dirty="0" smtClean="0"/>
-              <a:t> : </a:t>
-            </a:r>
-            <a:r>
-              <a:rPr lang="fr-FR" dirty="0" err="1" smtClean="0"/>
-              <a:t>Shelldict</a:t>
+              <a:rPr lang="fr-FR" dirty="0" err="1" smtClean="0"/>
+              <a:t>presentation</a:t>
             </a:r>
             <a:endParaRPr lang="fr-FR" dirty="0" smtClean="0"/>
           </a:p>
           <a:p>
-            <a:r>
-              <a:rPr lang="fr-FR" dirty="0" smtClean="0"/>
-              <a:t>It uses an </a:t>
-            </a:r>
-            <a:r>
-              <a:rPr lang="fr-FR" dirty="0" err="1" smtClean="0"/>
-              <a:t>already</a:t>
-            </a:r>
-            <a:r>
-              <a:rPr lang="fr-FR" dirty="0" smtClean="0"/>
-              <a:t> </a:t>
-            </a:r>
-            <a:r>
-              <a:rPr lang="fr-FR" dirty="0" err="1" smtClean="0"/>
-              <a:t>existing</a:t>
-            </a:r>
-            <a:r>
-              <a:rPr lang="fr-FR" dirty="0" smtClean="0"/>
-              <a:t> online </a:t>
-            </a:r>
-            <a:r>
-              <a:rPr lang="fr-FR" dirty="0" err="1" smtClean="0"/>
-              <a:t>dictionary</a:t>
-            </a:r>
-            <a:r>
-              <a:rPr lang="fr-FR" dirty="0" smtClean="0"/>
-              <a:t>:</a:t>
+            <a:pPr marL="457200" indent="-457200">
+              <a:buAutoNum type="arabicPeriod"/>
+            </a:pPr>
+            <a:r>
+              <a:rPr lang="fr-FR" dirty="0" smtClean="0"/>
+              <a:t>Main </a:t>
+            </a:r>
+            <a:r>
+              <a:rPr lang="fr-FR" dirty="0" err="1" smtClean="0"/>
+              <a:t>functions</a:t>
             </a:r>
             <a:endParaRPr lang="fr-FR" dirty="0" smtClean="0"/>
           </a:p>
           <a:p>
-            <a:pPr lvl="1"/>
-            <a:r>
-              <a:rPr lang="fr-FR" dirty="0" smtClean="0"/>
-              <a:t>Oxford </a:t>
-            </a:r>
-            <a:r>
-              <a:rPr lang="fr-FR" dirty="0" err="1" smtClean="0"/>
-              <a:t>Dictionaries</a:t>
-            </a:r>
-            <a:r>
-              <a:rPr lang="fr-FR" dirty="0" smtClean="0"/>
-              <a:t>: </a:t>
-            </a:r>
-            <a:r>
-              <a:rPr lang="en-GB" sz="1800" i="1" dirty="0" smtClean="0">
-                <a:hlinkClick r:id="rId2"/>
-              </a:rPr>
-              <a:t>http://www.oxforddictionaries.com</a:t>
-            </a:r>
-            <a:r>
-              <a:rPr lang="en-GB" sz="1800" i="1" dirty="0" smtClean="0">
-                <a:hlinkClick r:id="rId2"/>
-              </a:rPr>
-              <a:t>/</a:t>
-            </a:r>
-            <a:endParaRPr lang="en-GB" sz="1800" i="1" dirty="0" smtClean="0"/>
-          </a:p>
-          <a:p>
-            <a:pPr lvl="2"/>
-            <a:r>
-              <a:rPr lang="en-GB" dirty="0" smtClean="0"/>
-              <a:t>Reference in terms of English dictionaries</a:t>
-            </a:r>
-          </a:p>
-          <a:p>
-            <a:pPr lvl="2"/>
-            <a:r>
-              <a:rPr lang="en-GB" dirty="0" smtClean="0"/>
-              <a:t>Has been making dictionaries for 150 years</a:t>
-            </a:r>
-            <a:endParaRPr lang="fr-FR" dirty="0" smtClean="0"/>
-          </a:p>
-        </p:txBody>
-      </p:sp>
-      <p:sp>
-        <p:nvSpPr>
-          <p:cNvPr id="4" name="Espace réservé du numéro de diapositive 3"/>
+            <a:pPr marL="457200" indent="-457200">
+              <a:buAutoNum type="arabicPeriod"/>
+            </a:pPr>
+            <a:r>
+              <a:rPr lang="fr-FR" dirty="0" err="1" smtClean="0"/>
+              <a:t>Problems</a:t>
+            </a:r>
+            <a:r>
+              <a:rPr lang="fr-FR" dirty="0" smtClean="0"/>
+              <a:t> and solutions</a:t>
+            </a:r>
+          </a:p>
+          <a:p>
+            <a:pPr marL="457200" indent="-457200">
+              <a:buAutoNum type="arabicPeriod"/>
+            </a:pPr>
+            <a:r>
+              <a:rPr lang="fr-FR" dirty="0" smtClean="0"/>
+              <a:t>Structure of the program</a:t>
+            </a:r>
+          </a:p>
+          <a:p>
+            <a:pPr marL="457200" indent="-457200">
+              <a:buAutoNum type="arabicPeriod"/>
+            </a:pPr>
+            <a:r>
+              <a:rPr lang="fr-FR" dirty="0" err="1" smtClean="0"/>
+              <a:t>Result</a:t>
+            </a:r>
+            <a:endParaRPr lang="fr-FR" dirty="0"/>
+          </a:p>
+        </p:txBody>
+      </p:sp>
+      <p:sp>
+        <p:nvSpPr>
+          <p:cNvPr id="6" name="Espace réservé du numéro de diapositive 5"/>
           <p:cNvSpPr>
             <a:spLocks noGrp="1"/>
           </p:cNvSpPr>
@@ -5759,46 +7354,32 @@
           <a:bodyPr/>
           <a:lstStyle/>
           <a:p>
-            <a:fld id="{F11F904F-FEF2-4E2C-83CF-293F7ABA8B38}" type="slidenum">
-              <a:rPr lang="fr-FR" smtClean="0"/>
+            <a:fld id="{6E2D2B3B-882E-40F3-A32F-6DD516915044}" type="slidenum">
+              <a:rPr lang="en-US" smtClean="0"/>
               <a:pPr/>
               <a:t>9</a:t>
             </a:fld>
-            <a:endParaRPr lang="fr-FR"/>
-          </a:p>
-        </p:txBody>
-      </p:sp>
-      <p:pic>
-        <p:nvPicPr>
-          <p:cNvPr id="2050" name="Picture 2" descr="C:\Users\Ariane\Downloads\logo.png"/>
-          <p:cNvPicPr>
-            <a:picLocks noChangeAspect="1" noChangeArrowheads="1"/>
-          </p:cNvPicPr>
-          <p:nvPr/>
-        </p:nvPicPr>
-        <p:blipFill>
-          <a:blip r:embed="rId3" cstate="print"/>
-          <a:srcRect/>
-          <a:stretch>
-            <a:fillRect/>
-          </a:stretch>
-        </p:blipFill>
-        <p:spPr bwMode="auto">
-          <a:xfrm>
-            <a:off x="899592" y="3501008"/>
-            <a:ext cx="5715000" cy="1381125"/>
-          </a:xfrm>
-          <a:prstGeom prst="rect">
-            <a:avLst/>
-          </a:prstGeom>
-          <a:noFill/>
-        </p:spPr>
-      </p:pic>
+            <a:endParaRPr lang="en-US"/>
+          </a:p>
+        </p:txBody>
+      </p:sp>
     </p:spTree>
+    <p:extLst>
+      <p:ext uri="{BB962C8B-B14F-4D97-AF65-F5344CB8AC3E}">
+        <p14:creationId xmlns:p14="http://schemas.microsoft.com/office/powerpoint/2010/main" xmlns="" val="1653464454"/>
+      </p:ext>
+    </p:extLst>
   </p:cSld>
   <p:clrMapOvr>
     <a:masterClrMapping/>
   </p:clrMapOvr>
+  <p:timing>
+    <p:tnLst>
+      <p:par>
+        <p:cTn id="1" dur="indefinite" restart="never" nodeType="tmRoot"/>
+      </p:par>
+    </p:tnLst>
+  </p:timing>
 </p:sld>
 </file>
 
@@ -6110,6 +7691,7 @@
         <a:font script="Mong" typeface="Mongolian Baiti"/>
         <a:font script="Viet" typeface="Times New Roman"/>
         <a:font script="Uigh" typeface="Microsoft Uighur"/>
+        <a:font script="Geor" typeface="Sylfaen"/>
       </a:majorFont>
       <a:minorFont>
         <a:latin typeface="Calibri"/>
@@ -6144,6 +7726,7 @@
         <a:font script="Mong" typeface="Mongolian Baiti"/>
         <a:font script="Viet" typeface="Arial"/>
         <a:font script="Uigh" typeface="Microsoft Uighur"/>
+        <a:font script="Geor" typeface="Sylfaen"/>
       </a:minorFont>
     </a:fontScheme>
     <a:fmtScheme name="Office">
